--- a/MIDPOINT PRESENTATION/MidPoint Presentation.pptx
+++ b/MIDPOINT PRESENTATION/MidPoint Presentation.pptx
@@ -110,6 +110,11 @@
       </a:defRPr>
     </a:lvl9pPr>
   </p:defaultTextStyle>
+  <p:extLst>
+    <p:ext uri="{EFAFB233-063F-42B5-8137-9DF3F51BA10A}">
+      <p15:sldGuideLst xmlns:p15="http://schemas.microsoft.com/office/powerpoint/2012/main"/>
+    </p:ext>
+  </p:extLst>
 </p:presentation>
 </file>
 
@@ -3393,12 +3398,12 @@
           <a:lstStyle/>
           <a:p>
             <a:r>
-              <a:rPr lang="en-IE" b="1" dirty="0" err="1">
+              <a:rPr lang="en-IE" b="1">
                 <a:solidFill>
                   <a:schemeClr val="bg1"/>
                 </a:solidFill>
               </a:rPr>
-              <a:t>MidPoint</a:t>
+              <a:t>Mid-Point </a:t>
             </a:r>
             <a:r>
               <a:rPr lang="en-IE" b="1" dirty="0">
@@ -3406,7 +3411,7 @@
                   <a:schemeClr val="bg1"/>
                 </a:solidFill>
               </a:rPr>
-              <a:t> Presentation</a:t>
+              <a:t>Presentation</a:t>
             </a:r>
             <a:br>
               <a:rPr lang="en-IE" b="1" dirty="0">
@@ -3578,7 +3583,7 @@
         </p:nvSpPr>
         <p:spPr>
           <a:xfrm>
-            <a:off x="1524000" y="658776"/>
+            <a:off x="1524000" y="586857"/>
             <a:ext cx="9144000" cy="941424"/>
           </a:xfrm>
         </p:spPr>
@@ -3613,15 +3618,172 @@
             <p:ph type="subTitle" idx="1"/>
           </p:nvPr>
         </p:nvSpPr>
-        <p:spPr/>
-        <p:txBody>
-          <a:bodyPr/>
-          <a:lstStyle/>
-          <a:p>
-            <a:endParaRPr lang="en-IE"/>
-          </a:p>
-        </p:txBody>
-      </p:sp>
+        <p:spPr>
+          <a:xfrm>
+            <a:off x="945331" y="2083086"/>
+            <a:ext cx="6808340" cy="3727885"/>
+          </a:xfrm>
+        </p:spPr>
+        <p:txBody>
+          <a:bodyPr>
+            <a:normAutofit/>
+          </a:bodyPr>
+          <a:lstStyle/>
+          <a:p>
+            <a:pPr marL="342900" indent="-342900" algn="l">
+              <a:buFont typeface="Arial" panose="020B0604020202020204" pitchFamily="34" charset="0"/>
+              <a:buChar char="•"/>
+            </a:pPr>
+            <a:r>
+              <a:rPr lang="en-IE" sz="3200" dirty="0">
+                <a:solidFill>
+                  <a:schemeClr val="bg1"/>
+                </a:solidFill>
+              </a:rPr>
+              <a:t>Video game application</a:t>
+            </a:r>
+          </a:p>
+          <a:p>
+            <a:pPr marL="342900" indent="-342900" algn="l">
+              <a:buFont typeface="Arial" panose="020B0604020202020204" pitchFamily="34" charset="0"/>
+              <a:buChar char="•"/>
+            </a:pPr>
+            <a:r>
+              <a:rPr lang="en-IE" sz="3200" dirty="0">
+                <a:solidFill>
+                  <a:schemeClr val="bg1"/>
+                </a:solidFill>
+              </a:rPr>
+              <a:t>Borrowed inspiration from multiple games</a:t>
+            </a:r>
+          </a:p>
+          <a:p>
+            <a:pPr marL="800100" lvl="1" indent="-342900" algn="l">
+              <a:buFont typeface="Arial" panose="020B0604020202020204" pitchFamily="34" charset="0"/>
+              <a:buChar char="•"/>
+            </a:pPr>
+            <a:r>
+              <a:rPr lang="en-IE" sz="2400" dirty="0">
+                <a:solidFill>
+                  <a:schemeClr val="bg1"/>
+                </a:solidFill>
+              </a:rPr>
+              <a:t>Call of Duty: Zombies</a:t>
+            </a:r>
+          </a:p>
+          <a:p>
+            <a:pPr marL="800100" lvl="1" indent="-342900" algn="l">
+              <a:buFont typeface="Arial" panose="020B0604020202020204" pitchFamily="34" charset="0"/>
+              <a:buChar char="•"/>
+            </a:pPr>
+            <a:r>
+              <a:rPr lang="en-IE" sz="2400" dirty="0">
+                <a:solidFill>
+                  <a:schemeClr val="bg1"/>
+                </a:solidFill>
+              </a:rPr>
+              <a:t>Hotline Miami</a:t>
+            </a:r>
+          </a:p>
+          <a:p>
+            <a:pPr marL="342900" indent="-342900" algn="l">
+              <a:buFont typeface="Arial" panose="020B0604020202020204" pitchFamily="34" charset="0"/>
+              <a:buChar char="•"/>
+            </a:pPr>
+            <a:r>
+              <a:rPr lang="en-IE" sz="3200" dirty="0">
+                <a:solidFill>
+                  <a:schemeClr val="bg1"/>
+                </a:solidFill>
+              </a:rPr>
+              <a:t>Merged genres to create something unique</a:t>
+            </a:r>
+          </a:p>
+          <a:p>
+            <a:pPr marL="342900" indent="-342900" algn="l">
+              <a:buFont typeface="Arial" panose="020B0604020202020204" pitchFamily="34" charset="0"/>
+              <a:buChar char="•"/>
+            </a:pPr>
+            <a:endParaRPr lang="en-IE" dirty="0">
+              <a:solidFill>
+                <a:schemeClr val="bg1"/>
+              </a:solidFill>
+            </a:endParaRPr>
+          </a:p>
+        </p:txBody>
+      </p:sp>
+      <p:pic>
+        <p:nvPicPr>
+          <p:cNvPr id="5" name="Picture 4" descr="Text&#10;&#10;Description automatically generated">
+            <a:extLst>
+              <a:ext uri="{FF2B5EF4-FFF2-40B4-BE49-F238E27FC236}">
+                <a16:creationId xmlns:a16="http://schemas.microsoft.com/office/drawing/2014/main" id="{46B02434-40EF-4179-A6DB-63073520B786}"/>
+              </a:ext>
+            </a:extLst>
+          </p:cNvPr>
+          <p:cNvPicPr>
+            <a:picLocks noChangeAspect="1"/>
+          </p:cNvPicPr>
+          <p:nvPr/>
+        </p:nvPicPr>
+        <p:blipFill>
+          <a:blip r:embed="rId2">
+            <a:extLst>
+              <a:ext uri="{28A0092B-C50C-407E-A947-70E740481C1C}">
+                <a14:useLocalDpi xmlns:a14="http://schemas.microsoft.com/office/drawing/2010/main" val="0"/>
+              </a:ext>
+            </a:extLst>
+          </a:blip>
+          <a:stretch>
+            <a:fillRect/>
+          </a:stretch>
+        </p:blipFill>
+        <p:spPr>
+          <a:xfrm>
+            <a:off x="7743575" y="1941815"/>
+            <a:ext cx="3837211" cy="1739373"/>
+          </a:xfrm>
+          <a:prstGeom prst="rect">
+            <a:avLst/>
+          </a:prstGeom>
+        </p:spPr>
+      </p:pic>
+      <p:pic>
+        <p:nvPicPr>
+          <p:cNvPr id="7" name="Picture 6" descr="A picture containing text, dark, lit, light&#10;&#10;Description automatically generated">
+            <a:extLst>
+              <a:ext uri="{FF2B5EF4-FFF2-40B4-BE49-F238E27FC236}">
+                <a16:creationId xmlns:a16="http://schemas.microsoft.com/office/drawing/2014/main" id="{13AC0882-A333-48DF-8EAE-AC47E362737A}"/>
+              </a:ext>
+            </a:extLst>
+          </p:cNvPr>
+          <p:cNvPicPr>
+            <a:picLocks noChangeAspect="1"/>
+          </p:cNvPicPr>
+          <p:nvPr/>
+        </p:nvPicPr>
+        <p:blipFill>
+          <a:blip r:embed="rId3">
+            <a:extLst>
+              <a:ext uri="{28A0092B-C50C-407E-A947-70E740481C1C}">
+                <a14:useLocalDpi xmlns:a14="http://schemas.microsoft.com/office/drawing/2010/main" val="0"/>
+              </a:ext>
+            </a:extLst>
+          </a:blip>
+          <a:stretch>
+            <a:fillRect/>
+          </a:stretch>
+        </p:blipFill>
+        <p:spPr>
+          <a:xfrm>
+            <a:off x="7753671" y="4094722"/>
+            <a:ext cx="3827115" cy="1949277"/>
+          </a:xfrm>
+          <a:prstGeom prst="rect">
+            <a:avLst/>
+          </a:prstGeom>
+        </p:spPr>
+      </p:pic>
     </p:spTree>
     <p:extLst>
       <p:ext uri="{BB962C8B-B14F-4D97-AF65-F5344CB8AC3E}">
@@ -3721,15 +3883,180 @@
             <p:ph type="subTitle" idx="1"/>
           </p:nvPr>
         </p:nvSpPr>
-        <p:spPr/>
-        <p:txBody>
-          <a:bodyPr/>
-          <a:lstStyle/>
-          <a:p>
-            <a:endParaRPr lang="en-IE"/>
-          </a:p>
-        </p:txBody>
-      </p:sp>
+        <p:spPr>
+          <a:xfrm>
+            <a:off x="6496692" y="2781837"/>
+            <a:ext cx="5301465" cy="3499580"/>
+          </a:xfrm>
+        </p:spPr>
+        <p:txBody>
+          <a:bodyPr>
+            <a:normAutofit/>
+          </a:bodyPr>
+          <a:lstStyle/>
+          <a:p>
+            <a:pPr marL="342900" indent="-342900" algn="l">
+              <a:buFont typeface="Arial" panose="020B0604020202020204" pitchFamily="34" charset="0"/>
+              <a:buChar char="•"/>
+            </a:pPr>
+            <a:r>
+              <a:rPr lang="en-IE" sz="3600" dirty="0">
+                <a:solidFill>
+                  <a:schemeClr val="bg1"/>
+                </a:solidFill>
+              </a:rPr>
+              <a:t>Top-down shooter genre</a:t>
+            </a:r>
+          </a:p>
+          <a:p>
+            <a:pPr marL="342900" indent="-342900" algn="l">
+              <a:buFont typeface="Arial" panose="020B0604020202020204" pitchFamily="34" charset="0"/>
+              <a:buChar char="•"/>
+            </a:pPr>
+            <a:r>
+              <a:rPr lang="en-IE" sz="3600" dirty="0">
+                <a:solidFill>
+                  <a:schemeClr val="bg1"/>
+                </a:solidFill>
+              </a:rPr>
+              <a:t>Endless round-based games</a:t>
+            </a:r>
+          </a:p>
+          <a:p>
+            <a:pPr marL="342900" indent="-342900" algn="l">
+              <a:buFont typeface="Arial" panose="020B0604020202020204" pitchFamily="34" charset="0"/>
+              <a:buChar char="•"/>
+            </a:pPr>
+            <a:r>
+              <a:rPr lang="en-IE" sz="3600" dirty="0">
+                <a:solidFill>
+                  <a:schemeClr val="bg1"/>
+                </a:solidFill>
+              </a:rPr>
+              <a:t>Pixel-art styled games</a:t>
+            </a:r>
+          </a:p>
+          <a:p>
+            <a:pPr algn="l"/>
+            <a:endParaRPr lang="en-IE" sz="3600" dirty="0">
+              <a:solidFill>
+                <a:schemeClr val="bg1"/>
+              </a:solidFill>
+            </a:endParaRPr>
+          </a:p>
+        </p:txBody>
+      </p:sp>
+      <p:sp>
+        <p:nvSpPr>
+          <p:cNvPr id="4" name="TextBox 3">
+            <a:extLst>
+              <a:ext uri="{FF2B5EF4-FFF2-40B4-BE49-F238E27FC236}">
+                <a16:creationId xmlns:a16="http://schemas.microsoft.com/office/drawing/2014/main" id="{8F7BC766-AA31-479B-9F88-6AEB858A3E6F}"/>
+              </a:ext>
+            </a:extLst>
+          </p:cNvPr>
+          <p:cNvSpPr txBox="1"/>
+          <p:nvPr/>
+        </p:nvSpPr>
+        <p:spPr>
+          <a:xfrm>
+            <a:off x="6096000" y="2003461"/>
+            <a:ext cx="3996648" cy="646331"/>
+          </a:xfrm>
+          <a:prstGeom prst="rect">
+            <a:avLst/>
+          </a:prstGeom>
+          <a:noFill/>
+        </p:spPr>
+        <p:txBody>
+          <a:bodyPr wrap="square" rtlCol="0">
+            <a:spAutoFit/>
+          </a:bodyPr>
+          <a:lstStyle/>
+          <a:p>
+            <a:r>
+              <a:rPr lang="en-IE" sz="3600" b="1" dirty="0">
+                <a:solidFill>
+                  <a:schemeClr val="bg1"/>
+                </a:solidFill>
+              </a:rPr>
+              <a:t>For fans of:</a:t>
+            </a:r>
+          </a:p>
+        </p:txBody>
+      </p:sp>
+      <p:pic>
+        <p:nvPicPr>
+          <p:cNvPr id="6" name="Picture 5" descr="Qr code&#10;&#10;Description automatically generated">
+            <a:extLst>
+              <a:ext uri="{FF2B5EF4-FFF2-40B4-BE49-F238E27FC236}">
+                <a16:creationId xmlns:a16="http://schemas.microsoft.com/office/drawing/2014/main" id="{74926877-153E-448D-8151-3A39CA56B84A}"/>
+              </a:ext>
+            </a:extLst>
+          </p:cNvPr>
+          <p:cNvPicPr>
+            <a:picLocks noChangeAspect="1"/>
+          </p:cNvPicPr>
+          <p:nvPr/>
+        </p:nvPicPr>
+        <p:blipFill>
+          <a:blip r:embed="rId2">
+            <a:extLst>
+              <a:ext uri="{28A0092B-C50C-407E-A947-70E740481C1C}">
+                <a14:useLocalDpi xmlns:a14="http://schemas.microsoft.com/office/drawing/2010/main" val="0"/>
+              </a:ext>
+            </a:extLst>
+          </a:blip>
+          <a:stretch>
+            <a:fillRect/>
+          </a:stretch>
+        </p:blipFill>
+        <p:spPr>
+          <a:xfrm>
+            <a:off x="3409480" y="2326626"/>
+            <a:ext cx="2569744" cy="2629229"/>
+          </a:xfrm>
+          <a:prstGeom prst="rect">
+            <a:avLst/>
+          </a:prstGeom>
+        </p:spPr>
+      </p:pic>
+      <p:pic>
+        <p:nvPicPr>
+          <p:cNvPr id="10" name="Picture 9" descr="Qr code&#10;&#10;Description automatically generated">
+            <a:extLst>
+              <a:ext uri="{FF2B5EF4-FFF2-40B4-BE49-F238E27FC236}">
+                <a16:creationId xmlns:a16="http://schemas.microsoft.com/office/drawing/2014/main" id="{EA26374F-73E9-4B84-9AA3-095679DBDFAD}"/>
+              </a:ext>
+            </a:extLst>
+          </p:cNvPr>
+          <p:cNvPicPr>
+            <a:picLocks noChangeAspect="1"/>
+          </p:cNvPicPr>
+          <p:nvPr/>
+        </p:nvPicPr>
+        <p:blipFill>
+          <a:blip r:embed="rId3">
+            <a:extLst>
+              <a:ext uri="{28A0092B-C50C-407E-A947-70E740481C1C}">
+                <a14:useLocalDpi xmlns:a14="http://schemas.microsoft.com/office/drawing/2010/main" val="0"/>
+              </a:ext>
+            </a:extLst>
+          </a:blip>
+          <a:stretch>
+            <a:fillRect/>
+          </a:stretch>
+        </p:blipFill>
+        <p:spPr>
+          <a:xfrm>
+            <a:off x="781835" y="2307906"/>
+            <a:ext cx="2285714" cy="2666667"/>
+          </a:xfrm>
+          <a:prstGeom prst="rect">
+            <a:avLst/>
+          </a:prstGeom>
+        </p:spPr>
+      </p:pic>
     </p:spTree>
     <p:extLst>
       <p:ext uri="{BB962C8B-B14F-4D97-AF65-F5344CB8AC3E}">

--- a/MIDPOINT PRESENTATION/MidPoint Presentation.pptx
+++ b/MIDPOINT PRESENTATION/MidPoint Presentation.pptx
@@ -4377,7 +4377,7 @@
           <a:bodyPr/>
           <a:lstStyle/>
           <a:p>
-            <a:endParaRPr lang="en-IE"/>
+            <a:endParaRPr lang="en-IE" dirty="0"/>
           </a:p>
         </p:txBody>
       </p:sp>
@@ -4480,15 +4480,177 @@
             <p:ph type="subTitle" idx="1"/>
           </p:nvPr>
         </p:nvSpPr>
-        <p:spPr/>
-        <p:txBody>
-          <a:bodyPr/>
-          <a:lstStyle/>
-          <a:p>
-            <a:endParaRPr lang="en-IE"/>
-          </a:p>
-        </p:txBody>
-      </p:sp>
+        <p:spPr>
+          <a:xfrm>
+            <a:off x="755374" y="2052810"/>
+            <a:ext cx="6115878" cy="1148866"/>
+          </a:xfrm>
+        </p:spPr>
+        <p:txBody>
+          <a:bodyPr/>
+          <a:lstStyle/>
+          <a:p>
+            <a:pPr marL="342900" indent="-342900" algn="l">
+              <a:buFont typeface="Arial" panose="020B0604020202020204" pitchFamily="34" charset="0"/>
+              <a:buChar char="•"/>
+            </a:pPr>
+            <a:r>
+              <a:rPr lang="en-IE" dirty="0">
+                <a:solidFill>
+                  <a:schemeClr val="bg1"/>
+                </a:solidFill>
+              </a:rPr>
+              <a:t>Changed Development Engine: PyGame</a:t>
+            </a:r>
+          </a:p>
+          <a:p>
+            <a:pPr marL="800100" lvl="1" indent="-342900" algn="l">
+              <a:buFont typeface="Arial" panose="020B0604020202020204" pitchFamily="34" charset="0"/>
+              <a:buChar char="•"/>
+            </a:pPr>
+            <a:r>
+              <a:rPr lang="en-IE" dirty="0">
+                <a:solidFill>
+                  <a:schemeClr val="bg1"/>
+                </a:solidFill>
+              </a:rPr>
+              <a:t>Limited Development Range.</a:t>
+            </a:r>
+          </a:p>
+          <a:p>
+            <a:pPr marL="800100" lvl="1" indent="-342900" algn="l">
+              <a:buFont typeface="Arial" panose="020B0604020202020204" pitchFamily="34" charset="0"/>
+              <a:buChar char="•"/>
+            </a:pPr>
+            <a:r>
+              <a:rPr lang="en-IE" dirty="0">
+                <a:solidFill>
+                  <a:schemeClr val="bg1"/>
+                </a:solidFill>
+              </a:rPr>
+              <a:t>Would not achieve the scope of our application.</a:t>
+            </a:r>
+          </a:p>
+        </p:txBody>
+      </p:sp>
+      <p:sp>
+        <p:nvSpPr>
+          <p:cNvPr id="4" name="TextBox 3">
+            <a:extLst>
+              <a:ext uri="{FF2B5EF4-FFF2-40B4-BE49-F238E27FC236}">
+                <a16:creationId xmlns:a16="http://schemas.microsoft.com/office/drawing/2014/main" id="{B166BF4C-F820-42CE-865B-6D14EB14C530}"/>
+              </a:ext>
+            </a:extLst>
+          </p:cNvPr>
+          <p:cNvSpPr txBox="1"/>
+          <p:nvPr/>
+        </p:nvSpPr>
+        <p:spPr>
+          <a:xfrm>
+            <a:off x="755374" y="3768968"/>
+            <a:ext cx="6115878" cy="1384995"/>
+          </a:xfrm>
+          <a:prstGeom prst="rect">
+            <a:avLst/>
+          </a:prstGeom>
+          <a:noFill/>
+        </p:spPr>
+        <p:txBody>
+          <a:bodyPr wrap="square" rtlCol="0">
+            <a:spAutoFit/>
+          </a:bodyPr>
+          <a:lstStyle/>
+          <a:p>
+            <a:pPr marL="285750" indent="-285750">
+              <a:buFont typeface="Arial" panose="020B0604020202020204" pitchFamily="34" charset="0"/>
+              <a:buChar char="•"/>
+            </a:pPr>
+            <a:r>
+              <a:rPr lang="en-IE" sz="2400" dirty="0">
+                <a:solidFill>
+                  <a:schemeClr val="bg1"/>
+                </a:solidFill>
+              </a:rPr>
+              <a:t>Creating the Enemy AI, to chase the Player</a:t>
+            </a:r>
+          </a:p>
+          <a:p>
+            <a:pPr marL="742950" lvl="1" indent="-285750">
+              <a:buFont typeface="Arial" panose="020B0604020202020204" pitchFamily="34" charset="0"/>
+              <a:buChar char="•"/>
+            </a:pPr>
+            <a:r>
+              <a:rPr lang="en-IE" sz="2000" dirty="0">
+                <a:solidFill>
+                  <a:schemeClr val="bg1"/>
+                </a:solidFill>
+              </a:rPr>
+              <a:t>Initially made Enemies chase any collision Object.</a:t>
+            </a:r>
+          </a:p>
+          <a:p>
+            <a:pPr marL="742950" lvl="1" indent="-285750">
+              <a:buFont typeface="Arial" panose="020B0604020202020204" pitchFamily="34" charset="0"/>
+              <a:buChar char="•"/>
+            </a:pPr>
+            <a:r>
+              <a:rPr lang="en-IE" sz="2000" dirty="0">
+                <a:solidFill>
+                  <a:schemeClr val="bg1"/>
+                </a:solidFill>
+              </a:rPr>
+              <a:t>Changed to chase just the Player.</a:t>
+            </a:r>
+          </a:p>
+          <a:p>
+            <a:pPr marL="742950" lvl="1" indent="-285750">
+              <a:buFont typeface="Arial" panose="020B0604020202020204" pitchFamily="34" charset="0"/>
+              <a:buChar char="•"/>
+            </a:pPr>
+            <a:endParaRPr lang="en-IE" sz="2000" dirty="0">
+              <a:solidFill>
+                <a:schemeClr val="bg1"/>
+              </a:solidFill>
+            </a:endParaRPr>
+          </a:p>
+        </p:txBody>
+      </p:sp>
+      <p:pic>
+        <p:nvPicPr>
+          <p:cNvPr id="8" name="Picture 7">
+            <a:extLst>
+              <a:ext uri="{FF2B5EF4-FFF2-40B4-BE49-F238E27FC236}">
+                <a16:creationId xmlns:a16="http://schemas.microsoft.com/office/drawing/2014/main" id="{11874981-3ED6-44E9-97D0-0B9684E19825}"/>
+              </a:ext>
+            </a:extLst>
+          </p:cNvPr>
+          <p:cNvPicPr>
+            <a:picLocks noChangeAspect="1"/>
+          </p:cNvPicPr>
+          <p:nvPr/>
+        </p:nvPicPr>
+        <p:blipFill>
+          <a:blip r:embed="rId2">
+            <a:extLst>
+              <a:ext uri="{28A0092B-C50C-407E-A947-70E740481C1C}">
+                <a14:useLocalDpi xmlns:a14="http://schemas.microsoft.com/office/drawing/2010/main" val="0"/>
+              </a:ext>
+            </a:extLst>
+          </a:blip>
+          <a:stretch>
+            <a:fillRect/>
+          </a:stretch>
+        </p:blipFill>
+        <p:spPr>
+          <a:xfrm>
+            <a:off x="6983896" y="2034529"/>
+            <a:ext cx="4867766" cy="3104907"/>
+          </a:xfrm>
+          <a:prstGeom prst="rect">
+            <a:avLst/>
+          </a:prstGeom>
+        </p:spPr>
+      </p:pic>
     </p:spTree>
     <p:extLst>
       <p:ext uri="{BB962C8B-B14F-4D97-AF65-F5344CB8AC3E}">

--- a/MIDPOINT PRESENTATION/MidPoint Presentation.pptx
+++ b/MIDPOINT PRESENTATION/MidPoint Presentation.pptx
@@ -116,6 +116,1360 @@
     </p:ext>
   </p:extLst>
 </p:presentation>
+</file>
+
+<file path=ppt/charts/chart1.xml><?xml version="1.0" encoding="utf-8"?>
+<c:chartSpace xmlns:c="http://schemas.openxmlformats.org/drawingml/2006/chart" xmlns:a="http://schemas.openxmlformats.org/drawingml/2006/main" xmlns:r="http://schemas.openxmlformats.org/officeDocument/2006/relationships" xmlns:c16r2="http://schemas.microsoft.com/office/drawing/2015/06/chart">
+  <c:date1904 val="0"/>
+  <c:lang val="en-US"/>
+  <c:roundedCorners val="0"/>
+  <mc:AlternateContent xmlns:mc="http://schemas.openxmlformats.org/markup-compatibility/2006">
+    <mc:Choice xmlns:c14="http://schemas.microsoft.com/office/drawing/2007/8/2/chart" Requires="c14">
+      <c14:style val="102"/>
+    </mc:Choice>
+    <mc:Fallback>
+      <c:style val="2"/>
+    </mc:Fallback>
+  </mc:AlternateContent>
+  <c:chart>
+    <c:title>
+      <c:tx>
+        <c:rich>
+          <a:bodyPr rot="0" spcFirstLastPara="1" vertOverflow="ellipsis" vert="horz" wrap="square" anchor="ctr" anchorCtr="1"/>
+          <a:lstStyle/>
+          <a:p>
+            <a:pPr>
+              <a:defRPr sz="1400" b="0" i="0" u="none" strike="noStrike" kern="1200" spc="0" baseline="0">
+                <a:solidFill>
+                  <a:schemeClr val="tx1">
+                    <a:lumMod val="65000"/>
+                    <a:lumOff val="35000"/>
+                  </a:schemeClr>
+                </a:solidFill>
+                <a:latin typeface="+mn-lt"/>
+                <a:ea typeface="+mn-ea"/>
+                <a:cs typeface="+mn-cs"/>
+              </a:defRPr>
+            </a:pPr>
+            <a:r>
+              <a:rPr lang="en-US" dirty="0">
+                <a:solidFill>
+                  <a:schemeClr val="bg1"/>
+                </a:solidFill>
+              </a:rPr>
+              <a:t>Game</a:t>
+            </a:r>
+            <a:r>
+              <a:rPr lang="en-US" baseline="0" dirty="0">
+                <a:solidFill>
+                  <a:schemeClr val="bg1"/>
+                </a:solidFill>
+              </a:rPr>
+              <a:t> Development</a:t>
+            </a:r>
+            <a:r>
+              <a:rPr lang="en-US" dirty="0">
+                <a:solidFill>
+                  <a:schemeClr val="bg1"/>
+                </a:solidFill>
+              </a:rPr>
+              <a:t> Gantt Chart</a:t>
+            </a:r>
+          </a:p>
+        </c:rich>
+      </c:tx>
+      <c:overlay val="0"/>
+      <c:spPr>
+        <a:noFill/>
+        <a:ln>
+          <a:noFill/>
+        </a:ln>
+        <a:effectLst/>
+      </c:spPr>
+      <c:txPr>
+        <a:bodyPr rot="0" spcFirstLastPara="1" vertOverflow="ellipsis" vert="horz" wrap="square" anchor="ctr" anchorCtr="1"/>
+        <a:lstStyle/>
+        <a:p>
+          <a:pPr>
+            <a:defRPr sz="1400" b="0" i="0" u="none" strike="noStrike" kern="1200" spc="0" baseline="0">
+              <a:solidFill>
+                <a:schemeClr val="tx1">
+                  <a:lumMod val="65000"/>
+                  <a:lumOff val="35000"/>
+                </a:schemeClr>
+              </a:solidFill>
+              <a:latin typeface="+mn-lt"/>
+              <a:ea typeface="+mn-ea"/>
+              <a:cs typeface="+mn-cs"/>
+            </a:defRPr>
+          </a:pPr>
+          <a:endParaRPr lang="en-US"/>
+        </a:p>
+      </c:txPr>
+    </c:title>
+    <c:autoTitleDeleted val="0"/>
+    <c:plotArea>
+      <c:layout/>
+      <c:barChart>
+        <c:barDir val="bar"/>
+        <c:grouping val="stacked"/>
+        <c:varyColors val="0"/>
+        <c:ser>
+          <c:idx val="0"/>
+          <c:order val="0"/>
+          <c:tx>
+            <c:strRef>
+              <c:f>Sheet1!$B$1</c:f>
+              <c:strCache>
+                <c:ptCount val="1"/>
+                <c:pt idx="0">
+                  <c:v>Start Date</c:v>
+                </c:pt>
+              </c:strCache>
+            </c:strRef>
+          </c:tx>
+          <c:spPr>
+            <a:noFill/>
+            <a:ln>
+              <a:noFill/>
+            </a:ln>
+            <a:effectLst/>
+          </c:spPr>
+          <c:invertIfNegative val="0"/>
+          <c:cat>
+            <c:strRef>
+              <c:f>Sheet1!$A$2:$A$13</c:f>
+              <c:strCache>
+                <c:ptCount val="12"/>
+                <c:pt idx="0">
+                  <c:v>Preparatory Phase</c:v>
+                </c:pt>
+                <c:pt idx="1">
+                  <c:v>Full Understanding of Concept</c:v>
+                </c:pt>
+                <c:pt idx="2">
+                  <c:v>Character Movement</c:v>
+                </c:pt>
+                <c:pt idx="3">
+                  <c:v>Boundaries</c:v>
+                </c:pt>
+                <c:pt idx="4">
+                  <c:v>Spawning Enemies</c:v>
+                </c:pt>
+                <c:pt idx="5">
+                  <c:v>Interaction between Sprites</c:v>
+                </c:pt>
+                <c:pt idx="6">
+                  <c:v>Health System</c:v>
+                </c:pt>
+                <c:pt idx="7">
+                  <c:v>Round and Wave System</c:v>
+                </c:pt>
+                <c:pt idx="8">
+                  <c:v>Sprite Animation</c:v>
+                </c:pt>
+                <c:pt idx="9">
+                  <c:v>Different Weapons (Polymorhism)</c:v>
+                </c:pt>
+                <c:pt idx="10">
+                  <c:v>Environmental Interaction</c:v>
+                </c:pt>
+                <c:pt idx="11">
+                  <c:v>Final Testing and Debugging Phase</c:v>
+                </c:pt>
+              </c:strCache>
+            </c:strRef>
+          </c:cat>
+          <c:val>
+            <c:numRef>
+              <c:f>Sheet1!$B$2:$B$13</c:f>
+              <c:numCache>
+                <c:formatCode>dd/mm/yy;@</c:formatCode>
+                <c:ptCount val="12"/>
+                <c:pt idx="0">
+                  <c:v>44222</c:v>
+                </c:pt>
+                <c:pt idx="1">
+                  <c:v>44235</c:v>
+                </c:pt>
+                <c:pt idx="2">
+                  <c:v>44257</c:v>
+                </c:pt>
+                <c:pt idx="3">
+                  <c:v>44257</c:v>
+                </c:pt>
+                <c:pt idx="4">
+                  <c:v>44265</c:v>
+                </c:pt>
+                <c:pt idx="5">
+                  <c:v>44265</c:v>
+                </c:pt>
+                <c:pt idx="6">
+                  <c:v>44265</c:v>
+                </c:pt>
+                <c:pt idx="7">
+                  <c:v>44272</c:v>
+                </c:pt>
+                <c:pt idx="8">
+                  <c:v>44288</c:v>
+                </c:pt>
+                <c:pt idx="9">
+                  <c:v>44295</c:v>
+                </c:pt>
+                <c:pt idx="10">
+                  <c:v>44302</c:v>
+                </c:pt>
+                <c:pt idx="11">
+                  <c:v>44315</c:v>
+                </c:pt>
+              </c:numCache>
+            </c:numRef>
+          </c:val>
+          <c:extLst>
+            <c:ext xmlns:c16="http://schemas.microsoft.com/office/drawing/2014/chart" uri="{C3380CC4-5D6E-409C-BE32-E72D297353CC}">
+              <c16:uniqueId val="{00000000-A739-43C6-8967-5191E40839C8}"/>
+            </c:ext>
+          </c:extLst>
+        </c:ser>
+        <c:ser>
+          <c:idx val="2"/>
+          <c:order val="2"/>
+          <c:tx>
+            <c:strRef>
+              <c:f>Sheet1!$D$1</c:f>
+              <c:strCache>
+                <c:ptCount val="1"/>
+                <c:pt idx="0">
+                  <c:v>Duration (days)</c:v>
+                </c:pt>
+              </c:strCache>
+            </c:strRef>
+          </c:tx>
+          <c:spPr>
+            <a:gradFill rotWithShape="1">
+              <a:gsLst>
+                <a:gs pos="0">
+                  <a:schemeClr val="accent4">
+                    <a:satMod val="103000"/>
+                    <a:lumMod val="102000"/>
+                    <a:tint val="94000"/>
+                  </a:schemeClr>
+                </a:gs>
+                <a:gs pos="50000">
+                  <a:schemeClr val="accent4">
+                    <a:satMod val="110000"/>
+                    <a:lumMod val="100000"/>
+                    <a:shade val="100000"/>
+                  </a:schemeClr>
+                </a:gs>
+                <a:gs pos="100000">
+                  <a:schemeClr val="accent4">
+                    <a:lumMod val="99000"/>
+                    <a:satMod val="120000"/>
+                    <a:shade val="78000"/>
+                  </a:schemeClr>
+                </a:gs>
+              </a:gsLst>
+              <a:lin ang="5400000" scaled="0"/>
+            </a:gradFill>
+            <a:ln>
+              <a:noFill/>
+            </a:ln>
+            <a:effectLst>
+              <a:outerShdw blurRad="57150" dist="19050" dir="5400000" algn="ctr" rotWithShape="0">
+                <a:srgbClr val="000000">
+                  <a:alpha val="63000"/>
+                </a:srgbClr>
+              </a:outerShdw>
+            </a:effectLst>
+          </c:spPr>
+          <c:invertIfNegative val="0"/>
+          <c:dPt>
+            <c:idx val="0"/>
+            <c:invertIfNegative val="0"/>
+            <c:bubble3D val="0"/>
+            <c:spPr>
+              <a:solidFill>
+                <a:srgbClr val="00B050"/>
+              </a:solidFill>
+              <a:ln>
+                <a:noFill/>
+              </a:ln>
+              <a:effectLst>
+                <a:outerShdw blurRad="57150" dist="19050" dir="5400000" algn="ctr" rotWithShape="0">
+                  <a:srgbClr val="000000">
+                    <a:alpha val="63000"/>
+                  </a:srgbClr>
+                </a:outerShdw>
+              </a:effectLst>
+            </c:spPr>
+            <c:extLst>
+              <c:ext xmlns:c16="http://schemas.microsoft.com/office/drawing/2014/chart" uri="{C3380CC4-5D6E-409C-BE32-E72D297353CC}">
+                <c16:uniqueId val="{00000002-A739-43C6-8967-5191E40839C8}"/>
+              </c:ext>
+            </c:extLst>
+          </c:dPt>
+          <c:dPt>
+            <c:idx val="1"/>
+            <c:invertIfNegative val="0"/>
+            <c:bubble3D val="0"/>
+            <c:spPr>
+              <a:solidFill>
+                <a:srgbClr val="FF3300"/>
+              </a:solidFill>
+              <a:ln>
+                <a:noFill/>
+              </a:ln>
+              <a:effectLst>
+                <a:outerShdw blurRad="57150" dist="19050" dir="5400000" algn="ctr" rotWithShape="0">
+                  <a:srgbClr val="000000">
+                    <a:alpha val="63000"/>
+                  </a:srgbClr>
+                </a:outerShdw>
+              </a:effectLst>
+            </c:spPr>
+            <c:extLst>
+              <c:ext xmlns:c16="http://schemas.microsoft.com/office/drawing/2014/chart" uri="{C3380CC4-5D6E-409C-BE32-E72D297353CC}">
+                <c16:uniqueId val="{00000004-A739-43C6-8967-5191E40839C8}"/>
+              </c:ext>
+            </c:extLst>
+          </c:dPt>
+          <c:dPt>
+            <c:idx val="8"/>
+            <c:invertIfNegative val="0"/>
+            <c:bubble3D val="0"/>
+            <c:spPr>
+              <a:solidFill>
+                <a:srgbClr val="7030A0"/>
+              </a:solidFill>
+              <a:ln>
+                <a:noFill/>
+              </a:ln>
+              <a:effectLst>
+                <a:outerShdw blurRad="57150" dist="19050" dir="5400000" algn="ctr" rotWithShape="0">
+                  <a:srgbClr val="000000">
+                    <a:alpha val="63000"/>
+                  </a:srgbClr>
+                </a:outerShdw>
+              </a:effectLst>
+            </c:spPr>
+            <c:extLst>
+              <c:ext xmlns:c16="http://schemas.microsoft.com/office/drawing/2014/chart" uri="{C3380CC4-5D6E-409C-BE32-E72D297353CC}">
+                <c16:uniqueId val="{00000006-A739-43C6-8967-5191E40839C8}"/>
+              </c:ext>
+            </c:extLst>
+          </c:dPt>
+          <c:dPt>
+            <c:idx val="9"/>
+            <c:invertIfNegative val="0"/>
+            <c:bubble3D val="0"/>
+            <c:spPr>
+              <a:solidFill>
+                <a:srgbClr val="7030A0"/>
+              </a:solidFill>
+              <a:ln>
+                <a:noFill/>
+              </a:ln>
+              <a:effectLst>
+                <a:outerShdw blurRad="57150" dist="19050" dir="5400000" algn="ctr" rotWithShape="0">
+                  <a:srgbClr val="000000">
+                    <a:alpha val="63000"/>
+                  </a:srgbClr>
+                </a:outerShdw>
+              </a:effectLst>
+            </c:spPr>
+            <c:extLst>
+              <c:ext xmlns:c16="http://schemas.microsoft.com/office/drawing/2014/chart" uri="{C3380CC4-5D6E-409C-BE32-E72D297353CC}">
+                <c16:uniqueId val="{00000008-A739-43C6-8967-5191E40839C8}"/>
+              </c:ext>
+            </c:extLst>
+          </c:dPt>
+          <c:dPt>
+            <c:idx val="10"/>
+            <c:invertIfNegative val="0"/>
+            <c:bubble3D val="0"/>
+            <c:spPr>
+              <a:solidFill>
+                <a:srgbClr val="7030A0"/>
+              </a:solidFill>
+              <a:ln>
+                <a:noFill/>
+              </a:ln>
+              <a:effectLst>
+                <a:outerShdw blurRad="57150" dist="19050" dir="5400000" algn="ctr" rotWithShape="0">
+                  <a:srgbClr val="000000">
+                    <a:alpha val="63000"/>
+                  </a:srgbClr>
+                </a:outerShdw>
+              </a:effectLst>
+            </c:spPr>
+            <c:extLst>
+              <c:ext xmlns:c16="http://schemas.microsoft.com/office/drawing/2014/chart" uri="{C3380CC4-5D6E-409C-BE32-E72D297353CC}">
+                <c16:uniqueId val="{0000000A-A739-43C6-8967-5191E40839C8}"/>
+              </c:ext>
+            </c:extLst>
+          </c:dPt>
+          <c:dPt>
+            <c:idx val="11"/>
+            <c:invertIfNegative val="0"/>
+            <c:bubble3D val="0"/>
+            <c:spPr>
+              <a:solidFill>
+                <a:srgbClr val="0070C0"/>
+              </a:solidFill>
+              <a:ln>
+                <a:noFill/>
+              </a:ln>
+              <a:effectLst>
+                <a:outerShdw blurRad="57150" dist="19050" dir="5400000" algn="ctr" rotWithShape="0">
+                  <a:srgbClr val="000000">
+                    <a:alpha val="63000"/>
+                  </a:srgbClr>
+                </a:outerShdw>
+              </a:effectLst>
+            </c:spPr>
+            <c:extLst>
+              <c:ext xmlns:c16="http://schemas.microsoft.com/office/drawing/2014/chart" uri="{C3380CC4-5D6E-409C-BE32-E72D297353CC}">
+                <c16:uniqueId val="{0000000C-A739-43C6-8967-5191E40839C8}"/>
+              </c:ext>
+            </c:extLst>
+          </c:dPt>
+          <c:cat>
+            <c:strRef>
+              <c:f>Sheet1!$A$2:$A$13</c:f>
+              <c:strCache>
+                <c:ptCount val="12"/>
+                <c:pt idx="0">
+                  <c:v>Preparatory Phase</c:v>
+                </c:pt>
+                <c:pt idx="1">
+                  <c:v>Full Understanding of Concept</c:v>
+                </c:pt>
+                <c:pt idx="2">
+                  <c:v>Character Movement</c:v>
+                </c:pt>
+                <c:pt idx="3">
+                  <c:v>Boundaries</c:v>
+                </c:pt>
+                <c:pt idx="4">
+                  <c:v>Spawning Enemies</c:v>
+                </c:pt>
+                <c:pt idx="5">
+                  <c:v>Interaction between Sprites</c:v>
+                </c:pt>
+                <c:pt idx="6">
+                  <c:v>Health System</c:v>
+                </c:pt>
+                <c:pt idx="7">
+                  <c:v>Round and Wave System</c:v>
+                </c:pt>
+                <c:pt idx="8">
+                  <c:v>Sprite Animation</c:v>
+                </c:pt>
+                <c:pt idx="9">
+                  <c:v>Different Weapons (Polymorhism)</c:v>
+                </c:pt>
+                <c:pt idx="10">
+                  <c:v>Environmental Interaction</c:v>
+                </c:pt>
+                <c:pt idx="11">
+                  <c:v>Final Testing and Debugging Phase</c:v>
+                </c:pt>
+              </c:strCache>
+            </c:strRef>
+          </c:cat>
+          <c:val>
+            <c:numRef>
+              <c:f>Sheet1!$D$2:$D$13</c:f>
+              <c:numCache>
+                <c:formatCode>General</c:formatCode>
+                <c:ptCount val="12"/>
+                <c:pt idx="0">
+                  <c:v>12</c:v>
+                </c:pt>
+                <c:pt idx="1">
+                  <c:v>21</c:v>
+                </c:pt>
+                <c:pt idx="2">
+                  <c:v>7</c:v>
+                </c:pt>
+                <c:pt idx="3">
+                  <c:v>30</c:v>
+                </c:pt>
+                <c:pt idx="4">
+                  <c:v>14</c:v>
+                </c:pt>
+                <c:pt idx="5">
+                  <c:v>22</c:v>
+                </c:pt>
+                <c:pt idx="6">
+                  <c:v>22</c:v>
+                </c:pt>
+                <c:pt idx="7">
+                  <c:v>7</c:v>
+                </c:pt>
+                <c:pt idx="8">
+                  <c:v>26</c:v>
+                </c:pt>
+                <c:pt idx="9">
+                  <c:v>14</c:v>
+                </c:pt>
+                <c:pt idx="10">
+                  <c:v>12</c:v>
+                </c:pt>
+                <c:pt idx="11">
+                  <c:v>8</c:v>
+                </c:pt>
+              </c:numCache>
+            </c:numRef>
+          </c:val>
+          <c:extLst>
+            <c:ext xmlns:c16="http://schemas.microsoft.com/office/drawing/2014/chart" uri="{C3380CC4-5D6E-409C-BE32-E72D297353CC}">
+              <c16:uniqueId val="{0000000D-A739-43C6-8967-5191E40839C8}"/>
+            </c:ext>
+          </c:extLst>
+        </c:ser>
+        <c:dLbls>
+          <c:showLegendKey val="0"/>
+          <c:showVal val="0"/>
+          <c:showCatName val="0"/>
+          <c:showSerName val="0"/>
+          <c:showPercent val="0"/>
+          <c:showBubbleSize val="0"/>
+        </c:dLbls>
+        <c:gapWidth val="175"/>
+        <c:overlap val="100"/>
+        <c:axId val="1112496480"/>
+        <c:axId val="1112501472"/>
+        <c:extLst>
+          <c:ext xmlns:c15="http://schemas.microsoft.com/office/drawing/2012/chart" uri="{02D57815-91ED-43cb-92C2-25804820EDAC}">
+            <c15:filteredBarSeries>
+              <c15:ser>
+                <c:idx val="1"/>
+                <c:order val="1"/>
+                <c:tx>
+                  <c:strRef>
+                    <c:extLst>
+                      <c:ext uri="{02D57815-91ED-43cb-92C2-25804820EDAC}">
+                        <c15:formulaRef>
+                          <c15:sqref>Sheet1!$C$1</c15:sqref>
+                        </c15:formulaRef>
+                      </c:ext>
+                    </c:extLst>
+                    <c:strCache>
+                      <c:ptCount val="1"/>
+                      <c:pt idx="0">
+                        <c:v>End Date</c:v>
+                      </c:pt>
+                    </c:strCache>
+                  </c:strRef>
+                </c:tx>
+                <c:spPr>
+                  <a:solidFill>
+                    <a:schemeClr val="accent2"/>
+                  </a:solidFill>
+                  <a:ln>
+                    <a:noFill/>
+                  </a:ln>
+                  <a:effectLst/>
+                </c:spPr>
+                <c:invertIfNegative val="0"/>
+                <c:cat>
+                  <c:strRef>
+                    <c:extLst>
+                      <c:ext uri="{02D57815-91ED-43cb-92C2-25804820EDAC}">
+                        <c15:formulaRef>
+                          <c15:sqref>Sheet1!$A$2:$A$13</c15:sqref>
+                        </c15:formulaRef>
+                      </c:ext>
+                    </c:extLst>
+                    <c:strCache>
+                      <c:ptCount val="12"/>
+                      <c:pt idx="0">
+                        <c:v>Preparatory Phase</c:v>
+                      </c:pt>
+                      <c:pt idx="1">
+                        <c:v>Full Understanding of Concept</c:v>
+                      </c:pt>
+                      <c:pt idx="2">
+                        <c:v>Character Movement</c:v>
+                      </c:pt>
+                      <c:pt idx="3">
+                        <c:v>Boundaries</c:v>
+                      </c:pt>
+                      <c:pt idx="4">
+                        <c:v>Spawning Enemies</c:v>
+                      </c:pt>
+                      <c:pt idx="5">
+                        <c:v>Interaction between Sprites</c:v>
+                      </c:pt>
+                      <c:pt idx="6">
+                        <c:v>Health System</c:v>
+                      </c:pt>
+                      <c:pt idx="7">
+                        <c:v>Round and Wave System</c:v>
+                      </c:pt>
+                      <c:pt idx="8">
+                        <c:v>Sprite Animation</c:v>
+                      </c:pt>
+                      <c:pt idx="9">
+                        <c:v>Different Weapons (Polymorhism)</c:v>
+                      </c:pt>
+                      <c:pt idx="10">
+                        <c:v>Environmental Interaction</c:v>
+                      </c:pt>
+                      <c:pt idx="11">
+                        <c:v>Final Testing and Debugging Phase</c:v>
+                      </c:pt>
+                    </c:strCache>
+                  </c:strRef>
+                </c:cat>
+                <c:val>
+                  <c:numRef>
+                    <c:extLst>
+                      <c:ext uri="{02D57815-91ED-43cb-92C2-25804820EDAC}">
+                        <c15:formulaRef>
+                          <c15:sqref>Sheet1!$C$2:$C$13</c15:sqref>
+                        </c15:formulaRef>
+                      </c:ext>
+                    </c:extLst>
+                    <c:numCache>
+                      <c:formatCode>dd/mm/yy;@</c:formatCode>
+                      <c:ptCount val="12"/>
+                      <c:pt idx="0">
+                        <c:v>44234</c:v>
+                      </c:pt>
+                      <c:pt idx="1">
+                        <c:v>44256</c:v>
+                      </c:pt>
+                      <c:pt idx="2">
+                        <c:v>44264</c:v>
+                      </c:pt>
+                      <c:pt idx="3">
+                        <c:v>44287</c:v>
+                      </c:pt>
+                      <c:pt idx="4">
+                        <c:v>44279</c:v>
+                      </c:pt>
+                      <c:pt idx="5">
+                        <c:v>44287</c:v>
+                      </c:pt>
+                      <c:pt idx="6">
+                        <c:v>44287</c:v>
+                      </c:pt>
+                      <c:pt idx="7">
+                        <c:v>44279</c:v>
+                      </c:pt>
+                      <c:pt idx="8">
+                        <c:v>44314</c:v>
+                      </c:pt>
+                      <c:pt idx="9">
+                        <c:v>44309</c:v>
+                      </c:pt>
+                      <c:pt idx="10">
+                        <c:v>44314</c:v>
+                      </c:pt>
+                      <c:pt idx="11">
+                        <c:v>44323</c:v>
+                      </c:pt>
+                    </c:numCache>
+                  </c:numRef>
+                </c:val>
+                <c:extLst>
+                  <c:ext xmlns:c16="http://schemas.microsoft.com/office/drawing/2014/chart" uri="{C3380CC4-5D6E-409C-BE32-E72D297353CC}">
+                    <c16:uniqueId val="{0000000E-A739-43C6-8967-5191E40839C8}"/>
+                  </c:ext>
+                </c:extLst>
+              </c15:ser>
+            </c15:filteredBarSeries>
+          </c:ext>
+        </c:extLst>
+      </c:barChart>
+      <c:catAx>
+        <c:axId val="1112496480"/>
+        <c:scaling>
+          <c:orientation val="maxMin"/>
+        </c:scaling>
+        <c:delete val="0"/>
+        <c:axPos val="l"/>
+        <c:numFmt formatCode="General" sourceLinked="1"/>
+        <c:majorTickMark val="none"/>
+        <c:minorTickMark val="none"/>
+        <c:tickLblPos val="nextTo"/>
+        <c:spPr>
+          <a:noFill/>
+          <a:ln w="9525" cap="flat" cmpd="sng" algn="ctr">
+            <a:solidFill>
+              <a:schemeClr val="tx1">
+                <a:lumMod val="15000"/>
+                <a:lumOff val="85000"/>
+              </a:schemeClr>
+            </a:solidFill>
+            <a:round/>
+          </a:ln>
+          <a:effectLst/>
+        </c:spPr>
+        <c:txPr>
+          <a:bodyPr rot="-60000000" spcFirstLastPara="1" vertOverflow="ellipsis" vert="horz" wrap="square" anchor="ctr" anchorCtr="1"/>
+          <a:lstStyle/>
+          <a:p>
+            <a:pPr>
+              <a:defRPr sz="900" b="0" i="0" u="none" strike="noStrike" kern="1200" baseline="0">
+                <a:solidFill>
+                  <a:schemeClr val="bg1"/>
+                </a:solidFill>
+                <a:latin typeface="+mn-lt"/>
+                <a:ea typeface="+mn-ea"/>
+                <a:cs typeface="+mn-cs"/>
+              </a:defRPr>
+            </a:pPr>
+            <a:endParaRPr lang="en-US"/>
+          </a:p>
+        </c:txPr>
+        <c:crossAx val="1112501472"/>
+        <c:crosses val="autoZero"/>
+        <c:auto val="1"/>
+        <c:lblAlgn val="ctr"/>
+        <c:lblOffset val="100"/>
+        <c:noMultiLvlLbl val="0"/>
+      </c:catAx>
+      <c:valAx>
+        <c:axId val="1112501472"/>
+        <c:scaling>
+          <c:orientation val="minMax"/>
+        </c:scaling>
+        <c:delete val="0"/>
+        <c:axPos val="t"/>
+        <c:majorGridlines>
+          <c:spPr>
+            <a:ln w="9525" cap="flat" cmpd="sng" algn="ctr">
+              <a:solidFill>
+                <a:schemeClr val="tx1">
+                  <a:lumMod val="15000"/>
+                  <a:lumOff val="85000"/>
+                </a:schemeClr>
+              </a:solidFill>
+              <a:round/>
+            </a:ln>
+            <a:effectLst/>
+          </c:spPr>
+        </c:majorGridlines>
+        <c:numFmt formatCode="dd/mm/yy;@" sourceLinked="1"/>
+        <c:majorTickMark val="none"/>
+        <c:minorTickMark val="none"/>
+        <c:tickLblPos val="nextTo"/>
+        <c:spPr>
+          <a:noFill/>
+          <a:ln>
+            <a:noFill/>
+          </a:ln>
+          <a:effectLst/>
+        </c:spPr>
+        <c:txPr>
+          <a:bodyPr rot="-60000000" spcFirstLastPara="1" vertOverflow="ellipsis" vert="horz" wrap="square" anchor="ctr" anchorCtr="1"/>
+          <a:lstStyle/>
+          <a:p>
+            <a:pPr>
+              <a:defRPr sz="900" b="0" i="0" u="none" strike="noStrike" kern="1200" baseline="0">
+                <a:solidFill>
+                  <a:schemeClr val="bg1"/>
+                </a:solidFill>
+                <a:latin typeface="+mn-lt"/>
+                <a:ea typeface="+mn-ea"/>
+                <a:cs typeface="+mn-cs"/>
+              </a:defRPr>
+            </a:pPr>
+            <a:endParaRPr lang="en-US"/>
+          </a:p>
+        </c:txPr>
+        <c:crossAx val="1112496480"/>
+        <c:crosses val="autoZero"/>
+        <c:crossBetween val="between"/>
+      </c:valAx>
+      <c:spPr>
+        <a:noFill/>
+        <a:ln>
+          <a:noFill/>
+        </a:ln>
+        <a:effectLst>
+          <a:outerShdw blurRad="50800" dist="38100" dir="8100000" algn="tr" rotWithShape="0">
+            <a:prstClr val="black">
+              <a:alpha val="10000"/>
+            </a:prstClr>
+          </a:outerShdw>
+        </a:effectLst>
+      </c:spPr>
+    </c:plotArea>
+    <c:plotVisOnly val="1"/>
+    <c:dispBlanksAs val="gap"/>
+    <c:showDLblsOverMax val="0"/>
+  </c:chart>
+  <c:spPr>
+    <a:noFill/>
+    <a:ln>
+      <a:noFill/>
+    </a:ln>
+    <a:effectLst/>
+  </c:spPr>
+  <c:txPr>
+    <a:bodyPr/>
+    <a:lstStyle/>
+    <a:p>
+      <a:pPr>
+        <a:defRPr/>
+      </a:pPr>
+      <a:endParaRPr lang="en-US"/>
+    </a:p>
+  </c:txPr>
+  <c:externalData r:id="rId3">
+    <c:autoUpdate val="0"/>
+  </c:externalData>
+</c:chartSpace>
+</file>
+
+<file path=ppt/charts/colors1.xml><?xml version="1.0" encoding="utf-8"?>
+<cs:colorStyle xmlns:cs="http://schemas.microsoft.com/office/drawing/2012/chartStyle" xmlns:a="http://schemas.openxmlformats.org/drawingml/2006/main" meth="cycle" id="10">
+  <a:schemeClr val="accent1"/>
+  <a:schemeClr val="accent2"/>
+  <a:schemeClr val="accent3"/>
+  <a:schemeClr val="accent4"/>
+  <a:schemeClr val="accent5"/>
+  <a:schemeClr val="accent6"/>
+  <cs:variation/>
+  <cs:variation>
+    <a:lumMod val="60000"/>
+  </cs:variation>
+  <cs:variation>
+    <a:lumMod val="80000"/>
+    <a:lumOff val="20000"/>
+  </cs:variation>
+  <cs:variation>
+    <a:lumMod val="80000"/>
+  </cs:variation>
+  <cs:variation>
+    <a:lumMod val="60000"/>
+    <a:lumOff val="40000"/>
+  </cs:variation>
+  <cs:variation>
+    <a:lumMod val="50000"/>
+  </cs:variation>
+  <cs:variation>
+    <a:lumMod val="70000"/>
+    <a:lumOff val="30000"/>
+  </cs:variation>
+  <cs:variation>
+    <a:lumMod val="70000"/>
+  </cs:variation>
+  <cs:variation>
+    <a:lumMod val="50000"/>
+    <a:lumOff val="50000"/>
+  </cs:variation>
+</cs:colorStyle>
+</file>
+
+<file path=ppt/charts/style1.xml><?xml version="1.0" encoding="utf-8"?>
+<cs:chartStyle xmlns:cs="http://schemas.microsoft.com/office/drawing/2012/chartStyle" xmlns:a="http://schemas.openxmlformats.org/drawingml/2006/main" id="297">
+  <cs:axisTitle>
+    <cs:lnRef idx="0"/>
+    <cs:fillRef idx="0"/>
+    <cs:effectRef idx="0"/>
+    <cs:fontRef idx="minor">
+      <a:schemeClr val="tx1">
+        <a:lumMod val="65000"/>
+        <a:lumOff val="35000"/>
+      </a:schemeClr>
+    </cs:fontRef>
+    <cs:defRPr sz="1000" kern="1200"/>
+  </cs:axisTitle>
+  <cs:categoryAxis>
+    <cs:lnRef idx="0"/>
+    <cs:fillRef idx="0"/>
+    <cs:effectRef idx="0"/>
+    <cs:fontRef idx="minor">
+      <a:schemeClr val="tx1">
+        <a:lumMod val="65000"/>
+        <a:lumOff val="35000"/>
+      </a:schemeClr>
+    </cs:fontRef>
+    <cs:spPr>
+      <a:ln w="9525" cap="flat" cmpd="sng" algn="ctr">
+        <a:solidFill>
+          <a:schemeClr val="tx1">
+            <a:lumMod val="15000"/>
+            <a:lumOff val="85000"/>
+          </a:schemeClr>
+        </a:solidFill>
+        <a:round/>
+      </a:ln>
+    </cs:spPr>
+    <cs:defRPr sz="900" kern="1200"/>
+  </cs:categoryAxis>
+  <cs:chartArea mods="allowNoFillOverride allowNoLineOverride">
+    <cs:lnRef idx="0"/>
+    <cs:fillRef idx="0"/>
+    <cs:effectRef idx="0"/>
+    <cs:fontRef idx="minor">
+      <a:schemeClr val="tx1"/>
+    </cs:fontRef>
+    <cs:spPr>
+      <a:solidFill>
+        <a:schemeClr val="bg1"/>
+      </a:solidFill>
+      <a:ln w="9525" cap="flat" cmpd="sng" algn="ctr">
+        <a:solidFill>
+          <a:schemeClr val="tx1">
+            <a:lumMod val="15000"/>
+            <a:lumOff val="85000"/>
+          </a:schemeClr>
+        </a:solidFill>
+        <a:round/>
+      </a:ln>
+    </cs:spPr>
+    <cs:defRPr sz="1000" kern="1200"/>
+  </cs:chartArea>
+  <cs:dataLabel>
+    <cs:lnRef idx="0"/>
+    <cs:fillRef idx="0"/>
+    <cs:effectRef idx="0"/>
+    <cs:fontRef idx="minor">
+      <a:schemeClr val="tx1">
+        <a:lumMod val="75000"/>
+        <a:lumOff val="25000"/>
+      </a:schemeClr>
+    </cs:fontRef>
+    <cs:defRPr sz="900" kern="1200"/>
+  </cs:dataLabel>
+  <cs:dataLabelCallout>
+    <cs:lnRef idx="0"/>
+    <cs:fillRef idx="0"/>
+    <cs:effectRef idx="0"/>
+    <cs:fontRef idx="minor">
+      <a:schemeClr val="dk1">
+        <a:lumMod val="65000"/>
+        <a:lumOff val="35000"/>
+      </a:schemeClr>
+    </cs:fontRef>
+    <cs:spPr>
+      <a:solidFill>
+        <a:schemeClr val="lt1"/>
+      </a:solidFill>
+      <a:ln>
+        <a:solidFill>
+          <a:schemeClr val="dk1">
+            <a:lumMod val="25000"/>
+            <a:lumOff val="75000"/>
+          </a:schemeClr>
+        </a:solidFill>
+      </a:ln>
+    </cs:spPr>
+    <cs:defRPr sz="900" kern="1200"/>
+    <cs:bodyPr rot="0" spcFirstLastPara="1" vertOverflow="clip" horzOverflow="clip" vert="horz" wrap="square" lIns="36576" tIns="18288" rIns="36576" bIns="18288" anchor="ctr" anchorCtr="1">
+      <a:spAutoFit/>
+    </cs:bodyPr>
+  </cs:dataLabelCallout>
+  <cs:dataPoint>
+    <cs:lnRef idx="0"/>
+    <cs:fillRef idx="1">
+      <cs:styleClr val="auto"/>
+    </cs:fillRef>
+    <cs:effectRef idx="0"/>
+    <cs:fontRef idx="minor">
+      <a:schemeClr val="tx1"/>
+    </cs:fontRef>
+  </cs:dataPoint>
+  <cs:dataPoint3D>
+    <cs:lnRef idx="0"/>
+    <cs:fillRef idx="1">
+      <cs:styleClr val="auto"/>
+    </cs:fillRef>
+    <cs:effectRef idx="0"/>
+    <cs:fontRef idx="minor">
+      <a:schemeClr val="tx1"/>
+    </cs:fontRef>
+  </cs:dataPoint3D>
+  <cs:dataPointLine>
+    <cs:lnRef idx="0">
+      <cs:styleClr val="auto"/>
+    </cs:lnRef>
+    <cs:fillRef idx="1"/>
+    <cs:effectRef idx="0"/>
+    <cs:fontRef idx="minor">
+      <a:schemeClr val="tx1"/>
+    </cs:fontRef>
+    <cs:spPr>
+      <a:ln w="28575" cap="rnd">
+        <a:solidFill>
+          <a:schemeClr val="phClr"/>
+        </a:solidFill>
+        <a:round/>
+      </a:ln>
+    </cs:spPr>
+  </cs:dataPointLine>
+  <cs:dataPointMarker>
+    <cs:lnRef idx="0">
+      <cs:styleClr val="auto"/>
+    </cs:lnRef>
+    <cs:fillRef idx="1">
+      <cs:styleClr val="auto"/>
+    </cs:fillRef>
+    <cs:effectRef idx="0"/>
+    <cs:fontRef idx="minor">
+      <a:schemeClr val="tx1"/>
+    </cs:fontRef>
+    <cs:spPr>
+      <a:ln w="9525">
+        <a:solidFill>
+          <a:schemeClr val="phClr"/>
+        </a:solidFill>
+      </a:ln>
+    </cs:spPr>
+  </cs:dataPointMarker>
+  <cs:dataPointMarkerLayout symbol="circle" size="5"/>
+  <cs:dataPointWireframe>
+    <cs:lnRef idx="0">
+      <cs:styleClr val="auto"/>
+    </cs:lnRef>
+    <cs:fillRef idx="1"/>
+    <cs:effectRef idx="0"/>
+    <cs:fontRef idx="minor">
+      <a:schemeClr val="tx1"/>
+    </cs:fontRef>
+    <cs:spPr>
+      <a:ln w="9525" cap="rnd">
+        <a:solidFill>
+          <a:schemeClr val="phClr"/>
+        </a:solidFill>
+        <a:round/>
+      </a:ln>
+    </cs:spPr>
+  </cs:dataPointWireframe>
+  <cs:dataTable>
+    <cs:lnRef idx="0"/>
+    <cs:fillRef idx="0"/>
+    <cs:effectRef idx="0"/>
+    <cs:fontRef idx="minor">
+      <a:schemeClr val="tx1">
+        <a:lumMod val="65000"/>
+        <a:lumOff val="35000"/>
+      </a:schemeClr>
+    </cs:fontRef>
+    <cs:spPr>
+      <a:noFill/>
+      <a:ln w="9525" cap="flat" cmpd="sng" algn="ctr">
+        <a:solidFill>
+          <a:schemeClr val="tx1">
+            <a:lumMod val="15000"/>
+            <a:lumOff val="85000"/>
+          </a:schemeClr>
+        </a:solidFill>
+        <a:round/>
+      </a:ln>
+    </cs:spPr>
+    <cs:defRPr sz="900" kern="1200"/>
+  </cs:dataTable>
+  <cs:downBar>
+    <cs:lnRef idx="0"/>
+    <cs:fillRef idx="0"/>
+    <cs:effectRef idx="0"/>
+    <cs:fontRef idx="minor">
+      <a:schemeClr val="tx1"/>
+    </cs:fontRef>
+    <cs:spPr>
+      <a:solidFill>
+        <a:schemeClr val="dk1">
+          <a:lumMod val="75000"/>
+          <a:lumOff val="25000"/>
+        </a:schemeClr>
+      </a:solidFill>
+      <a:ln w="9525" cap="flat" cmpd="sng" algn="ctr">
+        <a:solidFill>
+          <a:schemeClr val="tx1">
+            <a:lumMod val="65000"/>
+            <a:lumOff val="35000"/>
+          </a:schemeClr>
+        </a:solidFill>
+        <a:round/>
+      </a:ln>
+    </cs:spPr>
+  </cs:downBar>
+  <cs:dropLine>
+    <cs:lnRef idx="0"/>
+    <cs:fillRef idx="0"/>
+    <cs:effectRef idx="0"/>
+    <cs:fontRef idx="minor">
+      <a:schemeClr val="tx1"/>
+    </cs:fontRef>
+    <cs:spPr>
+      <a:ln w="9525" cap="flat" cmpd="sng" algn="ctr">
+        <a:solidFill>
+          <a:schemeClr val="tx1">
+            <a:lumMod val="35000"/>
+            <a:lumOff val="65000"/>
+          </a:schemeClr>
+        </a:solidFill>
+        <a:round/>
+      </a:ln>
+    </cs:spPr>
+  </cs:dropLine>
+  <cs:errorBar>
+    <cs:lnRef idx="0"/>
+    <cs:fillRef idx="0"/>
+    <cs:effectRef idx="0"/>
+    <cs:fontRef idx="minor">
+      <a:schemeClr val="tx1"/>
+    </cs:fontRef>
+    <cs:spPr>
+      <a:ln w="9525" cap="flat" cmpd="sng" algn="ctr">
+        <a:solidFill>
+          <a:schemeClr val="tx1">
+            <a:lumMod val="65000"/>
+            <a:lumOff val="35000"/>
+          </a:schemeClr>
+        </a:solidFill>
+        <a:round/>
+      </a:ln>
+    </cs:spPr>
+  </cs:errorBar>
+  <cs:floor>
+    <cs:lnRef idx="0"/>
+    <cs:fillRef idx="0"/>
+    <cs:effectRef idx="0"/>
+    <cs:fontRef idx="minor">
+      <a:schemeClr val="tx1"/>
+    </cs:fontRef>
+    <cs:spPr>
+      <a:noFill/>
+      <a:ln>
+        <a:noFill/>
+      </a:ln>
+    </cs:spPr>
+  </cs:floor>
+  <cs:gridlineMajor>
+    <cs:lnRef idx="0"/>
+    <cs:fillRef idx="0"/>
+    <cs:effectRef idx="0"/>
+    <cs:fontRef idx="minor">
+      <a:schemeClr val="tx1"/>
+    </cs:fontRef>
+    <cs:spPr>
+      <a:ln w="9525" cap="flat" cmpd="sng" algn="ctr">
+        <a:solidFill>
+          <a:schemeClr val="tx1">
+            <a:lumMod val="15000"/>
+            <a:lumOff val="85000"/>
+          </a:schemeClr>
+        </a:solidFill>
+        <a:round/>
+      </a:ln>
+    </cs:spPr>
+  </cs:gridlineMajor>
+  <cs:gridlineMinor>
+    <cs:lnRef idx="0"/>
+    <cs:fillRef idx="0"/>
+    <cs:effectRef idx="0"/>
+    <cs:fontRef idx="minor">
+      <a:schemeClr val="tx1"/>
+    </cs:fontRef>
+    <cs:spPr>
+      <a:ln w="9525" cap="flat" cmpd="sng" algn="ctr">
+        <a:solidFill>
+          <a:schemeClr val="tx1">
+            <a:lumMod val="5000"/>
+            <a:lumOff val="95000"/>
+          </a:schemeClr>
+        </a:solidFill>
+        <a:round/>
+      </a:ln>
+    </cs:spPr>
+  </cs:gridlineMinor>
+  <cs:hiLoLine>
+    <cs:lnRef idx="0"/>
+    <cs:fillRef idx="0"/>
+    <cs:effectRef idx="0"/>
+    <cs:fontRef idx="minor">
+      <a:schemeClr val="tx1"/>
+    </cs:fontRef>
+    <cs:spPr>
+      <a:ln w="9525" cap="flat" cmpd="sng" algn="ctr">
+        <a:solidFill>
+          <a:schemeClr val="tx1">
+            <a:lumMod val="50000"/>
+            <a:lumOff val="50000"/>
+          </a:schemeClr>
+        </a:solidFill>
+        <a:round/>
+      </a:ln>
+    </cs:spPr>
+  </cs:hiLoLine>
+  <cs:leaderLine>
+    <cs:lnRef idx="0"/>
+    <cs:fillRef idx="0"/>
+    <cs:effectRef idx="0"/>
+    <cs:fontRef idx="minor">
+      <a:schemeClr val="tx1"/>
+    </cs:fontRef>
+    <cs:spPr>
+      <a:ln w="9525" cap="flat" cmpd="sng" algn="ctr">
+        <a:solidFill>
+          <a:schemeClr val="tx1">
+            <a:lumMod val="35000"/>
+            <a:lumOff val="65000"/>
+          </a:schemeClr>
+        </a:solidFill>
+        <a:round/>
+      </a:ln>
+    </cs:spPr>
+  </cs:leaderLine>
+  <cs:legend>
+    <cs:lnRef idx="0"/>
+    <cs:fillRef idx="0"/>
+    <cs:effectRef idx="0"/>
+    <cs:fontRef idx="minor">
+      <a:schemeClr val="tx1">
+        <a:lumMod val="65000"/>
+        <a:lumOff val="35000"/>
+      </a:schemeClr>
+    </cs:fontRef>
+    <cs:defRPr sz="900" kern="1200"/>
+  </cs:legend>
+  <cs:plotArea mods="allowNoFillOverride allowNoLineOverride">
+    <cs:lnRef idx="0"/>
+    <cs:fillRef idx="0"/>
+    <cs:effectRef idx="0"/>
+    <cs:fontRef idx="minor">
+      <a:schemeClr val="tx1"/>
+    </cs:fontRef>
+  </cs:plotArea>
+  <cs:plotArea3D mods="allowNoFillOverride allowNoLineOverride">
+    <cs:lnRef idx="0"/>
+    <cs:fillRef idx="0"/>
+    <cs:effectRef idx="0"/>
+    <cs:fontRef idx="minor">
+      <a:schemeClr val="tx1"/>
+    </cs:fontRef>
+  </cs:plotArea3D>
+  <cs:seriesAxis>
+    <cs:lnRef idx="0"/>
+    <cs:fillRef idx="0"/>
+    <cs:effectRef idx="0"/>
+    <cs:fontRef idx="minor">
+      <a:schemeClr val="tx1">
+        <a:lumMod val="65000"/>
+        <a:lumOff val="35000"/>
+      </a:schemeClr>
+    </cs:fontRef>
+    <cs:defRPr sz="900" kern="1200"/>
+  </cs:seriesAxis>
+  <cs:seriesLine>
+    <cs:lnRef idx="0"/>
+    <cs:fillRef idx="0"/>
+    <cs:effectRef idx="0"/>
+    <cs:fontRef idx="minor">
+      <a:schemeClr val="tx1"/>
+    </cs:fontRef>
+    <cs:spPr>
+      <a:ln w="9525" cap="flat" cmpd="sng" algn="ctr">
+        <a:solidFill>
+          <a:schemeClr val="tx1">
+            <a:lumMod val="35000"/>
+            <a:lumOff val="65000"/>
+          </a:schemeClr>
+        </a:solidFill>
+        <a:round/>
+      </a:ln>
+    </cs:spPr>
+  </cs:seriesLine>
+  <cs:title>
+    <cs:lnRef idx="0"/>
+    <cs:fillRef idx="0"/>
+    <cs:effectRef idx="0"/>
+    <cs:fontRef idx="minor">
+      <a:schemeClr val="tx1">
+        <a:lumMod val="65000"/>
+        <a:lumOff val="35000"/>
+      </a:schemeClr>
+    </cs:fontRef>
+    <cs:defRPr sz="1400" b="0" kern="1200" spc="0" baseline="0"/>
+  </cs:title>
+  <cs:trendline>
+    <cs:lnRef idx="0">
+      <cs:styleClr val="auto"/>
+    </cs:lnRef>
+    <cs:fillRef idx="0"/>
+    <cs:effectRef idx="0"/>
+    <cs:fontRef idx="minor">
+      <a:schemeClr val="tx1"/>
+    </cs:fontRef>
+    <cs:spPr>
+      <a:ln w="19050" cap="rnd">
+        <a:solidFill>
+          <a:schemeClr val="phClr"/>
+        </a:solidFill>
+        <a:prstDash val="sysDot"/>
+      </a:ln>
+    </cs:spPr>
+  </cs:trendline>
+  <cs:trendlineLabel>
+    <cs:lnRef idx="0"/>
+    <cs:fillRef idx="0"/>
+    <cs:effectRef idx="0"/>
+    <cs:fontRef idx="minor">
+      <a:schemeClr val="tx1">
+        <a:lumMod val="65000"/>
+        <a:lumOff val="35000"/>
+      </a:schemeClr>
+    </cs:fontRef>
+    <cs:defRPr sz="900" kern="1200"/>
+  </cs:trendlineLabel>
+  <cs:upBar>
+    <cs:lnRef idx="0"/>
+    <cs:fillRef idx="0"/>
+    <cs:effectRef idx="0"/>
+    <cs:fontRef idx="minor">
+      <a:schemeClr val="tx1"/>
+    </cs:fontRef>
+    <cs:spPr>
+      <a:solidFill>
+        <a:schemeClr val="lt1"/>
+      </a:solidFill>
+      <a:ln w="9525" cap="flat" cmpd="sng" algn="ctr">
+        <a:solidFill>
+          <a:schemeClr val="tx1">
+            <a:lumMod val="65000"/>
+            <a:lumOff val="35000"/>
+          </a:schemeClr>
+        </a:solidFill>
+        <a:round/>
+      </a:ln>
+    </cs:spPr>
+  </cs:upBar>
+  <cs:valueAxis>
+    <cs:lnRef idx="0"/>
+    <cs:fillRef idx="0"/>
+    <cs:effectRef idx="0"/>
+    <cs:fontRef idx="minor">
+      <a:schemeClr val="tx1">
+        <a:lumMod val="65000"/>
+        <a:lumOff val="35000"/>
+      </a:schemeClr>
+    </cs:fontRef>
+    <cs:defRPr sz="900" kern="1200"/>
+  </cs:valueAxis>
+  <cs:wall>
+    <cs:lnRef idx="0"/>
+    <cs:fillRef idx="0"/>
+    <cs:effectRef idx="0"/>
+    <cs:fontRef idx="minor">
+      <a:schemeClr val="tx1"/>
+    </cs:fontRef>
+    <cs:spPr>
+      <a:noFill/>
+      <a:ln>
+        <a:noFill/>
+      </a:ln>
+    </cs:spPr>
+  </cs:wall>
+</cs:chartStyle>
 </file>
 
 <file path=ppt/slideLayouts/slideLayout1.xml><?xml version="1.0" encoding="utf-8"?>
@@ -4156,15 +5510,242 @@
             <p:ph type="subTitle" idx="1"/>
           </p:nvPr>
         </p:nvSpPr>
-        <p:spPr/>
-        <p:txBody>
-          <a:bodyPr/>
-          <a:lstStyle/>
-          <a:p>
-            <a:endParaRPr lang="en-IE"/>
-          </a:p>
-        </p:txBody>
-      </p:sp>
+        <p:spPr>
+          <a:xfrm>
+            <a:off x="477794" y="2275746"/>
+            <a:ext cx="8575590" cy="1655762"/>
+          </a:xfrm>
+        </p:spPr>
+        <p:txBody>
+          <a:bodyPr>
+            <a:normAutofit fontScale="92500" lnSpcReduction="10000"/>
+          </a:bodyPr>
+          <a:lstStyle/>
+          <a:p>
+            <a:pPr marL="342900" indent="-342900" algn="l">
+              <a:buFont typeface="Arial" panose="020B0604020202020204" pitchFamily="34" charset="0"/>
+              <a:buChar char="•"/>
+            </a:pPr>
+            <a:r>
+              <a:rPr lang="en-IE" dirty="0">
+                <a:solidFill>
+                  <a:schemeClr val="bg1"/>
+                </a:solidFill>
+              </a:rPr>
+              <a:t>Game Development Program: Godot</a:t>
+            </a:r>
+          </a:p>
+          <a:p>
+            <a:pPr marL="800100" lvl="1" indent="-342900" algn="l">
+              <a:buFont typeface="Arial" panose="020B0604020202020204" pitchFamily="34" charset="0"/>
+              <a:buChar char="•"/>
+            </a:pPr>
+            <a:r>
+              <a:rPr lang="en-IE" dirty="0">
+                <a:solidFill>
+                  <a:schemeClr val="bg1"/>
+                </a:solidFill>
+              </a:rPr>
+              <a:t>Uses </a:t>
+            </a:r>
+            <a:r>
+              <a:rPr lang="en-IE" dirty="0" err="1">
+                <a:solidFill>
+                  <a:schemeClr val="bg1"/>
+                </a:solidFill>
+              </a:rPr>
+              <a:t>GDScript</a:t>
+            </a:r>
+            <a:r>
+              <a:rPr lang="en-IE" dirty="0">
+                <a:solidFill>
+                  <a:schemeClr val="bg1"/>
+                </a:solidFill>
+              </a:rPr>
+              <a:t> which is simple and easy to learn/use. Designed to be familiar to users who have used Python.</a:t>
+            </a:r>
+          </a:p>
+          <a:p>
+            <a:pPr marL="800100" lvl="1" indent="-342900" algn="l">
+              <a:buFont typeface="Arial" panose="020B0604020202020204" pitchFamily="34" charset="0"/>
+              <a:buChar char="•"/>
+            </a:pPr>
+            <a:r>
+              <a:rPr lang="en-IE" dirty="0">
+                <a:solidFill>
+                  <a:schemeClr val="bg1"/>
+                </a:solidFill>
+              </a:rPr>
+              <a:t>Decided this would be best program to use as it incorporates a lot of features that are needed within out game, e.g. Simple character animation, collision detection layers, tile maps, multiple scenes, instances, etc.</a:t>
+            </a:r>
+          </a:p>
+          <a:p>
+            <a:pPr marL="800100" lvl="1" indent="-342900" algn="l">
+              <a:buFont typeface="Arial" panose="020B0604020202020204" pitchFamily="34" charset="0"/>
+              <a:buChar char="•"/>
+            </a:pPr>
+            <a:endParaRPr lang="en-IE" dirty="0">
+              <a:solidFill>
+                <a:schemeClr val="bg1"/>
+              </a:solidFill>
+            </a:endParaRPr>
+          </a:p>
+          <a:p>
+            <a:endParaRPr lang="en-IE" dirty="0"/>
+          </a:p>
+        </p:txBody>
+      </p:sp>
+      <p:pic>
+        <p:nvPicPr>
+          <p:cNvPr id="5" name="Picture 4" descr="Logo&#10;&#10;Description automatically generated">
+            <a:extLst>
+              <a:ext uri="{FF2B5EF4-FFF2-40B4-BE49-F238E27FC236}">
+                <a16:creationId xmlns:a16="http://schemas.microsoft.com/office/drawing/2014/main" id="{8F0BCBBF-8236-4C9C-902B-84781E0E5BBF}"/>
+              </a:ext>
+            </a:extLst>
+          </p:cNvPr>
+          <p:cNvPicPr>
+            <a:picLocks noChangeAspect="1"/>
+          </p:cNvPicPr>
+          <p:nvPr/>
+        </p:nvPicPr>
+        <p:blipFill>
+          <a:blip r:embed="rId2">
+            <a:extLst>
+              <a:ext uri="{28A0092B-C50C-407E-A947-70E740481C1C}">
+                <a14:useLocalDpi xmlns:a14="http://schemas.microsoft.com/office/drawing/2010/main" val="0"/>
+              </a:ext>
+            </a:extLst>
+          </a:blip>
+          <a:stretch>
+            <a:fillRect/>
+          </a:stretch>
+        </p:blipFill>
+        <p:spPr>
+          <a:xfrm>
+            <a:off x="9053384" y="2518376"/>
+            <a:ext cx="2892357" cy="1170501"/>
+          </a:xfrm>
+          <a:prstGeom prst="rect">
+            <a:avLst/>
+          </a:prstGeom>
+        </p:spPr>
+      </p:pic>
+      <p:sp>
+        <p:nvSpPr>
+          <p:cNvPr id="7" name="TextBox 6">
+            <a:extLst>
+              <a:ext uri="{FF2B5EF4-FFF2-40B4-BE49-F238E27FC236}">
+                <a16:creationId xmlns:a16="http://schemas.microsoft.com/office/drawing/2014/main" id="{5809BE12-298A-4FFB-A246-16A4FCC1E3C5}"/>
+              </a:ext>
+            </a:extLst>
+          </p:cNvPr>
+          <p:cNvSpPr txBox="1"/>
+          <p:nvPr/>
+        </p:nvSpPr>
+        <p:spPr>
+          <a:xfrm>
+            <a:off x="477793" y="4115479"/>
+            <a:ext cx="8575589" cy="1477328"/>
+          </a:xfrm>
+          <a:prstGeom prst="rect">
+            <a:avLst/>
+          </a:prstGeom>
+          <a:noFill/>
+        </p:spPr>
+        <p:txBody>
+          <a:bodyPr wrap="square">
+            <a:spAutoFit/>
+          </a:bodyPr>
+          <a:lstStyle/>
+          <a:p>
+            <a:pPr marL="342900" indent="-342900" algn="l">
+              <a:buFont typeface="Arial" panose="020B0604020202020204" pitchFamily="34" charset="0"/>
+              <a:buChar char="•"/>
+            </a:pPr>
+            <a:r>
+              <a:rPr lang="en-IE" dirty="0" err="1">
+                <a:solidFill>
+                  <a:schemeClr val="bg1"/>
+                </a:solidFill>
+              </a:rPr>
+              <a:t>Github</a:t>
+            </a:r>
+            <a:r>
+              <a:rPr lang="en-IE" dirty="0">
+                <a:solidFill>
+                  <a:schemeClr val="bg1"/>
+                </a:solidFill>
+              </a:rPr>
+              <a:t> Desktop </a:t>
+            </a:r>
+          </a:p>
+          <a:p>
+            <a:pPr marL="800100" lvl="1" indent="-342900" algn="l">
+              <a:buFont typeface="Arial" panose="020B0604020202020204" pitchFamily="34" charset="0"/>
+              <a:buChar char="•"/>
+            </a:pPr>
+            <a:r>
+              <a:rPr lang="en-IE" dirty="0">
+                <a:solidFill>
+                  <a:schemeClr val="bg1"/>
+                </a:solidFill>
+              </a:rPr>
+              <a:t>Used in order to keep the game file updated and readily available for all team members at all times.</a:t>
+            </a:r>
+          </a:p>
+          <a:p>
+            <a:pPr marL="800100" lvl="1" indent="-342900" algn="l">
+              <a:buFont typeface="Arial" panose="020B0604020202020204" pitchFamily="34" charset="0"/>
+              <a:buChar char="•"/>
+            </a:pPr>
+            <a:r>
+              <a:rPr lang="en-IE" dirty="0">
+                <a:solidFill>
+                  <a:schemeClr val="bg1"/>
+                </a:solidFill>
+              </a:rPr>
+              <a:t>Allows user to easily push the work that they have done to the repository, and then other team members simply pull the origin to receive updated game file.</a:t>
+            </a:r>
+          </a:p>
+        </p:txBody>
+      </p:sp>
+      <p:pic>
+        <p:nvPicPr>
+          <p:cNvPr id="11" name="Picture 10" descr="Icon&#10;&#10;Description automatically generated">
+            <a:extLst>
+              <a:ext uri="{FF2B5EF4-FFF2-40B4-BE49-F238E27FC236}">
+                <a16:creationId xmlns:a16="http://schemas.microsoft.com/office/drawing/2014/main" id="{8359C68F-818A-4026-8F04-5FCFA597783F}"/>
+              </a:ext>
+            </a:extLst>
+          </p:cNvPr>
+          <p:cNvPicPr>
+            <a:picLocks noChangeAspect="1"/>
+          </p:cNvPicPr>
+          <p:nvPr/>
+        </p:nvPicPr>
+        <p:blipFill>
+          <a:blip r:embed="rId3">
+            <a:extLst>
+              <a:ext uri="{28A0092B-C50C-407E-A947-70E740481C1C}">
+                <a14:useLocalDpi xmlns:a14="http://schemas.microsoft.com/office/drawing/2010/main" val="0"/>
+              </a:ext>
+            </a:extLst>
+          </a:blip>
+          <a:stretch>
+            <a:fillRect/>
+          </a:stretch>
+        </p:blipFill>
+        <p:spPr>
+          <a:xfrm>
+            <a:off x="9774194" y="4115479"/>
+            <a:ext cx="1787612" cy="1787612"/>
+          </a:xfrm>
+          <a:prstGeom prst="rect">
+            <a:avLst/>
+          </a:prstGeom>
+        </p:spPr>
+      </p:pic>
     </p:spTree>
     <p:extLst>
       <p:ext uri="{BB962C8B-B14F-4D97-AF65-F5344CB8AC3E}">
@@ -4211,6 +5792,42 @@
           <a:chExt cx="0" cy="0"/>
         </a:xfrm>
       </p:grpSpPr>
+      <p:pic>
+        <p:nvPicPr>
+          <p:cNvPr id="7" name="Picture 6" descr="A picture containing shape&#10;&#10;Description automatically generated">
+            <a:extLst>
+              <a:ext uri="{FF2B5EF4-FFF2-40B4-BE49-F238E27FC236}">
+                <a16:creationId xmlns:a16="http://schemas.microsoft.com/office/drawing/2014/main" id="{44CC2D6C-1EE3-4407-AE04-A31AD82CF101}"/>
+              </a:ext>
+            </a:extLst>
+          </p:cNvPr>
+          <p:cNvPicPr>
+            <a:picLocks noChangeAspect="1"/>
+          </p:cNvPicPr>
+          <p:nvPr/>
+        </p:nvPicPr>
+        <p:blipFill>
+          <a:blip r:embed="rId2">
+            <a:extLst>
+              <a:ext uri="{28A0092B-C50C-407E-A947-70E740481C1C}">
+                <a14:useLocalDpi xmlns:a14="http://schemas.microsoft.com/office/drawing/2010/main" val="0"/>
+              </a:ext>
+            </a:extLst>
+          </a:blip>
+          <a:stretch>
+            <a:fillRect/>
+          </a:stretch>
+        </p:blipFill>
+        <p:spPr>
+          <a:xfrm>
+            <a:off x="581167" y="1680995"/>
+            <a:ext cx="10647006" cy="4769232"/>
+          </a:xfrm>
+          <a:prstGeom prst="rect">
+            <a:avLst/>
+          </a:prstGeom>
+        </p:spPr>
+      </p:pic>
       <p:sp>
         <p:nvSpPr>
           <p:cNvPr id="2" name="Title 1">
@@ -4264,12 +5881,189 @@
             <p:ph type="subTitle" idx="1"/>
           </p:nvPr>
         </p:nvSpPr>
-        <p:spPr/>
+        <p:spPr>
+          <a:xfrm>
+            <a:off x="0" y="1773238"/>
+            <a:ext cx="4627397" cy="1655762"/>
+          </a:xfrm>
+        </p:spPr>
         <p:txBody>
           <a:bodyPr/>
           <a:lstStyle/>
           <a:p>
-            <a:endParaRPr lang="en-IE"/>
+            <a:r>
+              <a:rPr lang="en-IE" sz="2400" b="1" dirty="0">
+                <a:solidFill>
+                  <a:schemeClr val="bg1"/>
+                </a:solidFill>
+              </a:rPr>
+              <a:t>Plague Panic Gantt Chart</a:t>
+            </a:r>
+          </a:p>
+          <a:p>
+            <a:r>
+              <a:rPr lang="en-IE" dirty="0"/>
+              <a:t> </a:t>
+            </a:r>
+          </a:p>
+        </p:txBody>
+      </p:sp>
+      <p:graphicFrame>
+        <p:nvGraphicFramePr>
+          <p:cNvPr id="4" name="Chart 3">
+            <a:extLst>
+              <a:ext uri="{FF2B5EF4-FFF2-40B4-BE49-F238E27FC236}">
+                <a16:creationId xmlns:a16="http://schemas.microsoft.com/office/drawing/2014/main" id="{2F6B08A8-5C60-46F3-8DFF-E4AEAFB8D58C}"/>
+              </a:ext>
+            </a:extLst>
+          </p:cNvPr>
+          <p:cNvGraphicFramePr/>
+          <p:nvPr>
+            <p:extLst>
+              <p:ext uri="{D42A27DB-BD31-4B8C-83A1-F6EECF244321}">
+                <p14:modId xmlns:p14="http://schemas.microsoft.com/office/powerpoint/2010/main" val="1970245239"/>
+              </p:ext>
+            </p:extLst>
+          </p:nvPr>
+        </p:nvGraphicFramePr>
+        <p:xfrm>
+          <a:off x="1808205" y="2372497"/>
+          <a:ext cx="8229600" cy="3200400"/>
+        </p:xfrm>
+        <a:graphic>
+          <a:graphicData uri="http://schemas.openxmlformats.org/drawingml/2006/chart">
+            <c:chart xmlns:c="http://schemas.openxmlformats.org/drawingml/2006/chart" xmlns:r="http://schemas.openxmlformats.org/officeDocument/2006/relationships" r:id="rId3"/>
+          </a:graphicData>
+        </a:graphic>
+      </p:graphicFrame>
+      <p:sp>
+        <p:nvSpPr>
+          <p:cNvPr id="9" name="TextBox 8">
+            <a:extLst>
+              <a:ext uri="{FF2B5EF4-FFF2-40B4-BE49-F238E27FC236}">
+                <a16:creationId xmlns:a16="http://schemas.microsoft.com/office/drawing/2014/main" id="{1C8F422D-681C-4C2C-BABB-AB1E900F45F2}"/>
+              </a:ext>
+            </a:extLst>
+          </p:cNvPr>
+          <p:cNvSpPr txBox="1"/>
+          <p:nvPr/>
+        </p:nvSpPr>
+        <p:spPr>
+          <a:xfrm>
+            <a:off x="356486" y="6037641"/>
+            <a:ext cx="11479028" cy="323165"/>
+          </a:xfrm>
+          <a:prstGeom prst="rect">
+            <a:avLst/>
+          </a:prstGeom>
+          <a:noFill/>
+        </p:spPr>
+        <p:txBody>
+          <a:bodyPr wrap="square">
+            <a:spAutoFit/>
+          </a:bodyPr>
+          <a:lstStyle/>
+          <a:p>
+            <a:r>
+              <a:rPr lang="en-GB" sz="1500" b="1" u="sng" dirty="0">
+                <a:solidFill>
+                  <a:srgbClr val="00B050"/>
+                </a:solidFill>
+                <a:effectLst/>
+                <a:latin typeface="Calibri" panose="020F0502020204030204" pitchFamily="34" charset="0"/>
+                <a:ea typeface="Calibri" panose="020F0502020204030204" pitchFamily="34" charset="0"/>
+              </a:rPr>
+              <a:t>Preparatory Phase</a:t>
+            </a:r>
+            <a:r>
+              <a:rPr lang="en-GB" sz="1500" dirty="0">
+                <a:solidFill>
+                  <a:srgbClr val="00B050"/>
+                </a:solidFill>
+                <a:effectLst/>
+                <a:latin typeface="Calibri" panose="020F0502020204030204" pitchFamily="34" charset="0"/>
+                <a:ea typeface="Calibri" panose="020F0502020204030204" pitchFamily="34" charset="0"/>
+              </a:rPr>
+              <a:t> </a:t>
+            </a:r>
+            <a:r>
+              <a:rPr lang="en-GB" sz="1500" b="1" u="sng" dirty="0">
+                <a:solidFill>
+                  <a:srgbClr val="FF3300"/>
+                </a:solidFill>
+                <a:effectLst/>
+                <a:latin typeface="Calibri" panose="020F0502020204030204" pitchFamily="34" charset="0"/>
+                <a:ea typeface="Calibri" panose="020F0502020204030204" pitchFamily="34" charset="0"/>
+              </a:rPr>
+              <a:t>Full Understanding of Concept</a:t>
+            </a:r>
+            <a:r>
+              <a:rPr lang="en-GB" sz="1500" dirty="0">
+                <a:solidFill>
+                  <a:srgbClr val="FF3300"/>
+                </a:solidFill>
+                <a:effectLst/>
+                <a:latin typeface="Calibri" panose="020F0502020204030204" pitchFamily="34" charset="0"/>
+                <a:ea typeface="Calibri" panose="020F0502020204030204" pitchFamily="34" charset="0"/>
+              </a:rPr>
+              <a:t> </a:t>
+            </a:r>
+            <a:r>
+              <a:rPr lang="en-GB" sz="1500" b="1" u="sng" dirty="0">
+                <a:solidFill>
+                  <a:srgbClr val="FFC000"/>
+                </a:solidFill>
+                <a:effectLst/>
+                <a:latin typeface="Calibri" panose="020F0502020204030204" pitchFamily="34" charset="0"/>
+                <a:ea typeface="Calibri" panose="020F0502020204030204" pitchFamily="34" charset="0"/>
+              </a:rPr>
+              <a:t>Development of Basic Functioning Game</a:t>
+            </a:r>
+            <a:r>
+              <a:rPr lang="en-GB" sz="1500" dirty="0">
+                <a:solidFill>
+                  <a:srgbClr val="FFC000"/>
+                </a:solidFill>
+                <a:effectLst/>
+                <a:latin typeface="Calibri" panose="020F0502020204030204" pitchFamily="34" charset="0"/>
+                <a:ea typeface="Calibri" panose="020F0502020204030204" pitchFamily="34" charset="0"/>
+              </a:rPr>
+              <a:t> </a:t>
+            </a:r>
+            <a:r>
+              <a:rPr lang="en-GB" sz="1500" b="1" u="sng" dirty="0">
+                <a:solidFill>
+                  <a:srgbClr val="7030A0"/>
+                </a:solidFill>
+                <a:effectLst/>
+                <a:latin typeface="Calibri" panose="020F0502020204030204" pitchFamily="34" charset="0"/>
+                <a:ea typeface="Calibri" panose="020F0502020204030204" pitchFamily="34" charset="0"/>
+              </a:rPr>
+              <a:t>Finishing Touches</a:t>
+            </a:r>
+            <a:r>
+              <a:rPr lang="en-GB" sz="1500" dirty="0">
+                <a:solidFill>
+                  <a:srgbClr val="7030A0"/>
+                </a:solidFill>
+                <a:effectLst/>
+                <a:latin typeface="Calibri" panose="020F0502020204030204" pitchFamily="34" charset="0"/>
+                <a:ea typeface="Calibri" panose="020F0502020204030204" pitchFamily="34" charset="0"/>
+              </a:rPr>
+              <a:t> </a:t>
+            </a:r>
+            <a:r>
+              <a:rPr lang="en-GB" sz="1500" b="1" u="sng" dirty="0">
+                <a:solidFill>
+                  <a:srgbClr val="0070C0"/>
+                </a:solidFill>
+                <a:effectLst/>
+                <a:latin typeface="Calibri" panose="020F0502020204030204" pitchFamily="34" charset="0"/>
+                <a:ea typeface="Calibri" panose="020F0502020204030204" pitchFamily="34" charset="0"/>
+              </a:rPr>
+              <a:t>Final Testing and Debugging Phase</a:t>
+            </a:r>
+            <a:endParaRPr lang="en-IE" sz="1500" dirty="0"/>
           </a:p>
         </p:txBody>
       </p:sp>

--- a/MIDPOINT PRESENTATION/MidPoint Presentation.pptx
+++ b/MIDPOINT PRESENTATION/MidPoint Presentation.pptx
@@ -1621,7 +1621,7 @@
           <a:p>
             <a:fld id="{C6BABA15-83BA-4AA3-8E9C-F0941D662455}" type="datetimeFigureOut">
               <a:rPr lang="en-IE" smtClean="0"/>
-              <a:t>11/03/2021</a:t>
+              <a:t>17/03/2021</a:t>
             </a:fld>
             <a:endParaRPr lang="en-IE"/>
           </a:p>
@@ -1821,7 +1821,7 @@
           <a:p>
             <a:fld id="{C6BABA15-83BA-4AA3-8E9C-F0941D662455}" type="datetimeFigureOut">
               <a:rPr lang="en-IE" smtClean="0"/>
-              <a:t>11/03/2021</a:t>
+              <a:t>17/03/2021</a:t>
             </a:fld>
             <a:endParaRPr lang="en-IE"/>
           </a:p>
@@ -2031,7 +2031,7 @@
           <a:p>
             <a:fld id="{C6BABA15-83BA-4AA3-8E9C-F0941D662455}" type="datetimeFigureOut">
               <a:rPr lang="en-IE" smtClean="0"/>
-              <a:t>11/03/2021</a:t>
+              <a:t>17/03/2021</a:t>
             </a:fld>
             <a:endParaRPr lang="en-IE"/>
           </a:p>
@@ -2231,7 +2231,7 @@
           <a:p>
             <a:fld id="{C6BABA15-83BA-4AA3-8E9C-F0941D662455}" type="datetimeFigureOut">
               <a:rPr lang="en-IE" smtClean="0"/>
-              <a:t>11/03/2021</a:t>
+              <a:t>17/03/2021</a:t>
             </a:fld>
             <a:endParaRPr lang="en-IE"/>
           </a:p>
@@ -2507,7 +2507,7 @@
           <a:p>
             <a:fld id="{C6BABA15-83BA-4AA3-8E9C-F0941D662455}" type="datetimeFigureOut">
               <a:rPr lang="en-IE" smtClean="0"/>
-              <a:t>11/03/2021</a:t>
+              <a:t>17/03/2021</a:t>
             </a:fld>
             <a:endParaRPr lang="en-IE"/>
           </a:p>
@@ -2775,7 +2775,7 @@
           <a:p>
             <a:fld id="{C6BABA15-83BA-4AA3-8E9C-F0941D662455}" type="datetimeFigureOut">
               <a:rPr lang="en-IE" smtClean="0"/>
-              <a:t>11/03/2021</a:t>
+              <a:t>17/03/2021</a:t>
             </a:fld>
             <a:endParaRPr lang="en-IE"/>
           </a:p>
@@ -3190,7 +3190,7 @@
           <a:p>
             <a:fld id="{C6BABA15-83BA-4AA3-8E9C-F0941D662455}" type="datetimeFigureOut">
               <a:rPr lang="en-IE" smtClean="0"/>
-              <a:t>11/03/2021</a:t>
+              <a:t>17/03/2021</a:t>
             </a:fld>
             <a:endParaRPr lang="en-IE"/>
           </a:p>
@@ -3332,7 +3332,7 @@
           <a:p>
             <a:fld id="{C6BABA15-83BA-4AA3-8E9C-F0941D662455}" type="datetimeFigureOut">
               <a:rPr lang="en-IE" smtClean="0"/>
-              <a:t>11/03/2021</a:t>
+              <a:t>17/03/2021</a:t>
             </a:fld>
             <a:endParaRPr lang="en-IE"/>
           </a:p>
@@ -3445,7 +3445,7 @@
           <a:p>
             <a:fld id="{C6BABA15-83BA-4AA3-8E9C-F0941D662455}" type="datetimeFigureOut">
               <a:rPr lang="en-IE" smtClean="0"/>
-              <a:t>11/03/2021</a:t>
+              <a:t>17/03/2021</a:t>
             </a:fld>
             <a:endParaRPr lang="en-IE"/>
           </a:p>
@@ -3758,7 +3758,7 @@
           <a:p>
             <a:fld id="{C6BABA15-83BA-4AA3-8E9C-F0941D662455}" type="datetimeFigureOut">
               <a:rPr lang="en-IE" smtClean="0"/>
-              <a:t>11/03/2021</a:t>
+              <a:t>17/03/2021</a:t>
             </a:fld>
             <a:endParaRPr lang="en-IE"/>
           </a:p>
@@ -4047,7 +4047,7 @@
           <a:p>
             <a:fld id="{C6BABA15-83BA-4AA3-8E9C-F0941D662455}" type="datetimeFigureOut">
               <a:rPr lang="en-IE" smtClean="0"/>
-              <a:t>11/03/2021</a:t>
+              <a:t>17/03/2021</a:t>
             </a:fld>
             <a:endParaRPr lang="en-IE"/>
           </a:p>
@@ -4290,7 +4290,7 @@
           <a:p>
             <a:fld id="{C6BABA15-83BA-4AA3-8E9C-F0941D662455}" type="datetimeFigureOut">
               <a:rPr lang="en-IE" smtClean="0"/>
-              <a:t>11/03/2021</a:t>
+              <a:t>17/03/2021</a:t>
             </a:fld>
             <a:endParaRPr lang="en-IE"/>
           </a:p>
@@ -6166,12 +6166,543 @@
             <p:ph type="subTitle" idx="1"/>
           </p:nvPr>
         </p:nvSpPr>
-        <p:spPr/>
+        <p:spPr>
+          <a:xfrm>
+            <a:off x="1477617" y="2005151"/>
+            <a:ext cx="9144000" cy="941424"/>
+          </a:xfrm>
+        </p:spPr>
         <p:txBody>
           <a:bodyPr/>
           <a:lstStyle/>
           <a:p>
-            <a:endParaRPr lang="en-IE" dirty="0"/>
+            <a:pPr algn="l"/>
+            <a:r>
+              <a:rPr lang="en-IE" dirty="0">
+                <a:solidFill>
+                  <a:schemeClr val="bg1"/>
+                </a:solidFill>
+              </a:rPr>
+              <a:t>First Level:</a:t>
+            </a:r>
+          </a:p>
+          <a:p>
+            <a:pPr marL="800100" lvl="1" indent="-342900" algn="l">
+              <a:buFont typeface="Arial" panose="020B0604020202020204" pitchFamily="34" charset="0"/>
+              <a:buChar char="•"/>
+            </a:pPr>
+            <a:r>
+              <a:rPr lang="en-IE" sz="1800" dirty="0">
+                <a:solidFill>
+                  <a:schemeClr val="bg1"/>
+                </a:solidFill>
+              </a:rPr>
+              <a:t>The first level / map of the game is partially finished with Buildings and Spawn Points.</a:t>
+            </a:r>
+          </a:p>
+          <a:p>
+            <a:endParaRPr lang="en-IE" dirty="0">
+              <a:solidFill>
+                <a:schemeClr val="bg1"/>
+              </a:solidFill>
+            </a:endParaRPr>
+          </a:p>
+        </p:txBody>
+      </p:sp>
+      <p:sp>
+        <p:nvSpPr>
+          <p:cNvPr id="4" name="Subtitle 2">
+            <a:extLst>
+              <a:ext uri="{FF2B5EF4-FFF2-40B4-BE49-F238E27FC236}">
+                <a16:creationId xmlns:a16="http://schemas.microsoft.com/office/drawing/2014/main" id="{2D0BB144-FE07-4FAA-9F87-155AC5D6F1FD}"/>
+              </a:ext>
+            </a:extLst>
+          </p:cNvPr>
+          <p:cNvSpPr txBox="1">
+            <a:spLocks/>
+          </p:cNvSpPr>
+          <p:nvPr/>
+        </p:nvSpPr>
+        <p:spPr>
+          <a:xfrm>
+            <a:off x="1477617" y="2970002"/>
+            <a:ext cx="9144000" cy="941424"/>
+          </a:xfrm>
+          <a:prstGeom prst="rect">
+            <a:avLst/>
+          </a:prstGeom>
+        </p:spPr>
+        <p:txBody>
+          <a:bodyPr vert="horz" lIns="91440" tIns="45720" rIns="91440" bIns="45720" rtlCol="0">
+            <a:normAutofit lnSpcReduction="10000"/>
+          </a:bodyPr>
+          <a:lstStyle>
+            <a:lvl1pPr marL="0" indent="0" algn="ctr" defTabSz="914400" rtl="0" eaLnBrk="1" latinLnBrk="0" hangingPunct="1">
+              <a:lnSpc>
+                <a:spcPct val="90000"/>
+              </a:lnSpc>
+              <a:spcBef>
+                <a:spcPts val="1000"/>
+              </a:spcBef>
+              <a:buFont typeface="Arial" panose="020B0604020202020204" pitchFamily="34" charset="0"/>
+              <a:buNone/>
+              <a:defRPr sz="2400" kern="1200">
+                <a:solidFill>
+                  <a:schemeClr val="tx1"/>
+                </a:solidFill>
+                <a:latin typeface="+mn-lt"/>
+                <a:ea typeface="+mn-ea"/>
+                <a:cs typeface="+mn-cs"/>
+              </a:defRPr>
+            </a:lvl1pPr>
+            <a:lvl2pPr marL="457200" indent="0" algn="ctr" defTabSz="914400" rtl="0" eaLnBrk="1" latinLnBrk="0" hangingPunct="1">
+              <a:lnSpc>
+                <a:spcPct val="90000"/>
+              </a:lnSpc>
+              <a:spcBef>
+                <a:spcPts val="500"/>
+              </a:spcBef>
+              <a:buFont typeface="Arial" panose="020B0604020202020204" pitchFamily="34" charset="0"/>
+              <a:buNone/>
+              <a:defRPr sz="2000" kern="1200">
+                <a:solidFill>
+                  <a:schemeClr val="tx1"/>
+                </a:solidFill>
+                <a:latin typeface="+mn-lt"/>
+                <a:ea typeface="+mn-ea"/>
+                <a:cs typeface="+mn-cs"/>
+              </a:defRPr>
+            </a:lvl2pPr>
+            <a:lvl3pPr marL="914400" indent="0" algn="ctr" defTabSz="914400" rtl="0" eaLnBrk="1" latinLnBrk="0" hangingPunct="1">
+              <a:lnSpc>
+                <a:spcPct val="90000"/>
+              </a:lnSpc>
+              <a:spcBef>
+                <a:spcPts val="500"/>
+              </a:spcBef>
+              <a:buFont typeface="Arial" panose="020B0604020202020204" pitchFamily="34" charset="0"/>
+              <a:buNone/>
+              <a:defRPr sz="1800" kern="1200">
+                <a:solidFill>
+                  <a:schemeClr val="tx1"/>
+                </a:solidFill>
+                <a:latin typeface="+mn-lt"/>
+                <a:ea typeface="+mn-ea"/>
+                <a:cs typeface="+mn-cs"/>
+              </a:defRPr>
+            </a:lvl3pPr>
+            <a:lvl4pPr marL="1371600" indent="0" algn="ctr" defTabSz="914400" rtl="0" eaLnBrk="1" latinLnBrk="0" hangingPunct="1">
+              <a:lnSpc>
+                <a:spcPct val="90000"/>
+              </a:lnSpc>
+              <a:spcBef>
+                <a:spcPts val="500"/>
+              </a:spcBef>
+              <a:buFont typeface="Arial" panose="020B0604020202020204" pitchFamily="34" charset="0"/>
+              <a:buNone/>
+              <a:defRPr sz="1600" kern="1200">
+                <a:solidFill>
+                  <a:schemeClr val="tx1"/>
+                </a:solidFill>
+                <a:latin typeface="+mn-lt"/>
+                <a:ea typeface="+mn-ea"/>
+                <a:cs typeface="+mn-cs"/>
+              </a:defRPr>
+            </a:lvl4pPr>
+            <a:lvl5pPr marL="1828800" indent="0" algn="ctr" defTabSz="914400" rtl="0" eaLnBrk="1" latinLnBrk="0" hangingPunct="1">
+              <a:lnSpc>
+                <a:spcPct val="90000"/>
+              </a:lnSpc>
+              <a:spcBef>
+                <a:spcPts val="500"/>
+              </a:spcBef>
+              <a:buFont typeface="Arial" panose="020B0604020202020204" pitchFamily="34" charset="0"/>
+              <a:buNone/>
+              <a:defRPr sz="1600" kern="1200">
+                <a:solidFill>
+                  <a:schemeClr val="tx1"/>
+                </a:solidFill>
+                <a:latin typeface="+mn-lt"/>
+                <a:ea typeface="+mn-ea"/>
+                <a:cs typeface="+mn-cs"/>
+              </a:defRPr>
+            </a:lvl5pPr>
+            <a:lvl6pPr marL="2286000" indent="0" algn="ctr" defTabSz="914400" rtl="0" eaLnBrk="1" latinLnBrk="0" hangingPunct="1">
+              <a:lnSpc>
+                <a:spcPct val="90000"/>
+              </a:lnSpc>
+              <a:spcBef>
+                <a:spcPts val="500"/>
+              </a:spcBef>
+              <a:buFont typeface="Arial" panose="020B0604020202020204" pitchFamily="34" charset="0"/>
+              <a:buNone/>
+              <a:defRPr sz="1600" kern="1200">
+                <a:solidFill>
+                  <a:schemeClr val="tx1"/>
+                </a:solidFill>
+                <a:latin typeface="+mn-lt"/>
+                <a:ea typeface="+mn-ea"/>
+                <a:cs typeface="+mn-cs"/>
+              </a:defRPr>
+            </a:lvl6pPr>
+            <a:lvl7pPr marL="2743200" indent="0" algn="ctr" defTabSz="914400" rtl="0" eaLnBrk="1" latinLnBrk="0" hangingPunct="1">
+              <a:lnSpc>
+                <a:spcPct val="90000"/>
+              </a:lnSpc>
+              <a:spcBef>
+                <a:spcPts val="500"/>
+              </a:spcBef>
+              <a:buFont typeface="Arial" panose="020B0604020202020204" pitchFamily="34" charset="0"/>
+              <a:buNone/>
+              <a:defRPr sz="1600" kern="1200">
+                <a:solidFill>
+                  <a:schemeClr val="tx1"/>
+                </a:solidFill>
+                <a:latin typeface="+mn-lt"/>
+                <a:ea typeface="+mn-ea"/>
+                <a:cs typeface="+mn-cs"/>
+              </a:defRPr>
+            </a:lvl7pPr>
+            <a:lvl8pPr marL="3200400" indent="0" algn="ctr" defTabSz="914400" rtl="0" eaLnBrk="1" latinLnBrk="0" hangingPunct="1">
+              <a:lnSpc>
+                <a:spcPct val="90000"/>
+              </a:lnSpc>
+              <a:spcBef>
+                <a:spcPts val="500"/>
+              </a:spcBef>
+              <a:buFont typeface="Arial" panose="020B0604020202020204" pitchFamily="34" charset="0"/>
+              <a:buNone/>
+              <a:defRPr sz="1600" kern="1200">
+                <a:solidFill>
+                  <a:schemeClr val="tx1"/>
+                </a:solidFill>
+                <a:latin typeface="+mn-lt"/>
+                <a:ea typeface="+mn-ea"/>
+                <a:cs typeface="+mn-cs"/>
+              </a:defRPr>
+            </a:lvl8pPr>
+            <a:lvl9pPr marL="3657600" indent="0" algn="ctr" defTabSz="914400" rtl="0" eaLnBrk="1" latinLnBrk="0" hangingPunct="1">
+              <a:lnSpc>
+                <a:spcPct val="90000"/>
+              </a:lnSpc>
+              <a:spcBef>
+                <a:spcPts val="500"/>
+              </a:spcBef>
+              <a:buFont typeface="Arial" panose="020B0604020202020204" pitchFamily="34" charset="0"/>
+              <a:buNone/>
+              <a:defRPr sz="1600" kern="1200">
+                <a:solidFill>
+                  <a:schemeClr val="tx1"/>
+                </a:solidFill>
+                <a:latin typeface="+mn-lt"/>
+                <a:ea typeface="+mn-ea"/>
+                <a:cs typeface="+mn-cs"/>
+              </a:defRPr>
+            </a:lvl9pPr>
+          </a:lstStyle>
+          <a:p>
+            <a:pPr algn="l"/>
+            <a:r>
+              <a:rPr lang="en-IE" dirty="0">
+                <a:solidFill>
+                  <a:schemeClr val="bg1"/>
+                </a:solidFill>
+              </a:rPr>
+              <a:t>Enemies and Player Character Development</a:t>
+            </a:r>
+            <a:r>
+              <a:rPr lang="en-IE" sz="2800" dirty="0">
+                <a:solidFill>
+                  <a:schemeClr val="bg1"/>
+                </a:solidFill>
+              </a:rPr>
+              <a:t>:</a:t>
+            </a:r>
+          </a:p>
+          <a:p>
+            <a:pPr marL="800100" lvl="1" indent="-342900" algn="l">
+              <a:buFont typeface="Arial" panose="020B0604020202020204" pitchFamily="34" charset="0"/>
+              <a:buChar char="•"/>
+            </a:pPr>
+            <a:r>
+              <a:rPr lang="en-IE" sz="1800" dirty="0">
+                <a:solidFill>
+                  <a:schemeClr val="bg1"/>
+                </a:solidFill>
+              </a:rPr>
+              <a:t>The Zombies which are the enemy of our player character have been created with AI to chase the Player character each round.</a:t>
+            </a:r>
+          </a:p>
+          <a:p>
+            <a:endParaRPr lang="en-IE" dirty="0">
+              <a:solidFill>
+                <a:schemeClr val="bg1"/>
+              </a:solidFill>
+            </a:endParaRPr>
+          </a:p>
+        </p:txBody>
+      </p:sp>
+      <p:sp>
+        <p:nvSpPr>
+          <p:cNvPr id="5" name="Subtitle 2">
+            <a:extLst>
+              <a:ext uri="{FF2B5EF4-FFF2-40B4-BE49-F238E27FC236}">
+                <a16:creationId xmlns:a16="http://schemas.microsoft.com/office/drawing/2014/main" id="{492BD8A7-EE8C-44E8-AE5C-7BF47155EB57}"/>
+              </a:ext>
+            </a:extLst>
+          </p:cNvPr>
+          <p:cNvSpPr txBox="1">
+            <a:spLocks/>
+          </p:cNvSpPr>
+          <p:nvPr/>
+        </p:nvSpPr>
+        <p:spPr>
+          <a:xfrm>
+            <a:off x="1524000" y="4317655"/>
+            <a:ext cx="9144000" cy="1685580"/>
+          </a:xfrm>
+          <a:prstGeom prst="rect">
+            <a:avLst/>
+          </a:prstGeom>
+        </p:spPr>
+        <p:txBody>
+          <a:bodyPr vert="horz" lIns="91440" tIns="45720" rIns="91440" bIns="45720" rtlCol="0">
+            <a:normAutofit/>
+          </a:bodyPr>
+          <a:lstStyle>
+            <a:lvl1pPr marL="0" indent="0" algn="ctr" defTabSz="914400" rtl="0" eaLnBrk="1" latinLnBrk="0" hangingPunct="1">
+              <a:lnSpc>
+                <a:spcPct val="90000"/>
+              </a:lnSpc>
+              <a:spcBef>
+                <a:spcPts val="1000"/>
+              </a:spcBef>
+              <a:buFont typeface="Arial" panose="020B0604020202020204" pitchFamily="34" charset="0"/>
+              <a:buNone/>
+              <a:defRPr sz="2400" kern="1200">
+                <a:solidFill>
+                  <a:schemeClr val="tx1"/>
+                </a:solidFill>
+                <a:latin typeface="+mn-lt"/>
+                <a:ea typeface="+mn-ea"/>
+                <a:cs typeface="+mn-cs"/>
+              </a:defRPr>
+            </a:lvl1pPr>
+            <a:lvl2pPr marL="457200" indent="0" algn="ctr" defTabSz="914400" rtl="0" eaLnBrk="1" latinLnBrk="0" hangingPunct="1">
+              <a:lnSpc>
+                <a:spcPct val="90000"/>
+              </a:lnSpc>
+              <a:spcBef>
+                <a:spcPts val="500"/>
+              </a:spcBef>
+              <a:buFont typeface="Arial" panose="020B0604020202020204" pitchFamily="34" charset="0"/>
+              <a:buNone/>
+              <a:defRPr sz="2000" kern="1200">
+                <a:solidFill>
+                  <a:schemeClr val="tx1"/>
+                </a:solidFill>
+                <a:latin typeface="+mn-lt"/>
+                <a:ea typeface="+mn-ea"/>
+                <a:cs typeface="+mn-cs"/>
+              </a:defRPr>
+            </a:lvl2pPr>
+            <a:lvl3pPr marL="914400" indent="0" algn="ctr" defTabSz="914400" rtl="0" eaLnBrk="1" latinLnBrk="0" hangingPunct="1">
+              <a:lnSpc>
+                <a:spcPct val="90000"/>
+              </a:lnSpc>
+              <a:spcBef>
+                <a:spcPts val="500"/>
+              </a:spcBef>
+              <a:buFont typeface="Arial" panose="020B0604020202020204" pitchFamily="34" charset="0"/>
+              <a:buNone/>
+              <a:defRPr sz="1800" kern="1200">
+                <a:solidFill>
+                  <a:schemeClr val="tx1"/>
+                </a:solidFill>
+                <a:latin typeface="+mn-lt"/>
+                <a:ea typeface="+mn-ea"/>
+                <a:cs typeface="+mn-cs"/>
+              </a:defRPr>
+            </a:lvl3pPr>
+            <a:lvl4pPr marL="1371600" indent="0" algn="ctr" defTabSz="914400" rtl="0" eaLnBrk="1" latinLnBrk="0" hangingPunct="1">
+              <a:lnSpc>
+                <a:spcPct val="90000"/>
+              </a:lnSpc>
+              <a:spcBef>
+                <a:spcPts val="500"/>
+              </a:spcBef>
+              <a:buFont typeface="Arial" panose="020B0604020202020204" pitchFamily="34" charset="0"/>
+              <a:buNone/>
+              <a:defRPr sz="1600" kern="1200">
+                <a:solidFill>
+                  <a:schemeClr val="tx1"/>
+                </a:solidFill>
+                <a:latin typeface="+mn-lt"/>
+                <a:ea typeface="+mn-ea"/>
+                <a:cs typeface="+mn-cs"/>
+              </a:defRPr>
+            </a:lvl4pPr>
+            <a:lvl5pPr marL="1828800" indent="0" algn="ctr" defTabSz="914400" rtl="0" eaLnBrk="1" latinLnBrk="0" hangingPunct="1">
+              <a:lnSpc>
+                <a:spcPct val="90000"/>
+              </a:lnSpc>
+              <a:spcBef>
+                <a:spcPts val="500"/>
+              </a:spcBef>
+              <a:buFont typeface="Arial" panose="020B0604020202020204" pitchFamily="34" charset="0"/>
+              <a:buNone/>
+              <a:defRPr sz="1600" kern="1200">
+                <a:solidFill>
+                  <a:schemeClr val="tx1"/>
+                </a:solidFill>
+                <a:latin typeface="+mn-lt"/>
+                <a:ea typeface="+mn-ea"/>
+                <a:cs typeface="+mn-cs"/>
+              </a:defRPr>
+            </a:lvl5pPr>
+            <a:lvl6pPr marL="2286000" indent="0" algn="ctr" defTabSz="914400" rtl="0" eaLnBrk="1" latinLnBrk="0" hangingPunct="1">
+              <a:lnSpc>
+                <a:spcPct val="90000"/>
+              </a:lnSpc>
+              <a:spcBef>
+                <a:spcPts val="500"/>
+              </a:spcBef>
+              <a:buFont typeface="Arial" panose="020B0604020202020204" pitchFamily="34" charset="0"/>
+              <a:buNone/>
+              <a:defRPr sz="1600" kern="1200">
+                <a:solidFill>
+                  <a:schemeClr val="tx1"/>
+                </a:solidFill>
+                <a:latin typeface="+mn-lt"/>
+                <a:ea typeface="+mn-ea"/>
+                <a:cs typeface="+mn-cs"/>
+              </a:defRPr>
+            </a:lvl6pPr>
+            <a:lvl7pPr marL="2743200" indent="0" algn="ctr" defTabSz="914400" rtl="0" eaLnBrk="1" latinLnBrk="0" hangingPunct="1">
+              <a:lnSpc>
+                <a:spcPct val="90000"/>
+              </a:lnSpc>
+              <a:spcBef>
+                <a:spcPts val="500"/>
+              </a:spcBef>
+              <a:buFont typeface="Arial" panose="020B0604020202020204" pitchFamily="34" charset="0"/>
+              <a:buNone/>
+              <a:defRPr sz="1600" kern="1200">
+                <a:solidFill>
+                  <a:schemeClr val="tx1"/>
+                </a:solidFill>
+                <a:latin typeface="+mn-lt"/>
+                <a:ea typeface="+mn-ea"/>
+                <a:cs typeface="+mn-cs"/>
+              </a:defRPr>
+            </a:lvl7pPr>
+            <a:lvl8pPr marL="3200400" indent="0" algn="ctr" defTabSz="914400" rtl="0" eaLnBrk="1" latinLnBrk="0" hangingPunct="1">
+              <a:lnSpc>
+                <a:spcPct val="90000"/>
+              </a:lnSpc>
+              <a:spcBef>
+                <a:spcPts val="500"/>
+              </a:spcBef>
+              <a:buFont typeface="Arial" panose="020B0604020202020204" pitchFamily="34" charset="0"/>
+              <a:buNone/>
+              <a:defRPr sz="1600" kern="1200">
+                <a:solidFill>
+                  <a:schemeClr val="tx1"/>
+                </a:solidFill>
+                <a:latin typeface="+mn-lt"/>
+                <a:ea typeface="+mn-ea"/>
+                <a:cs typeface="+mn-cs"/>
+              </a:defRPr>
+            </a:lvl8pPr>
+            <a:lvl9pPr marL="3657600" indent="0" algn="ctr" defTabSz="914400" rtl="0" eaLnBrk="1" latinLnBrk="0" hangingPunct="1">
+              <a:lnSpc>
+                <a:spcPct val="90000"/>
+              </a:lnSpc>
+              <a:spcBef>
+                <a:spcPts val="500"/>
+              </a:spcBef>
+              <a:buFont typeface="Arial" panose="020B0604020202020204" pitchFamily="34" charset="0"/>
+              <a:buNone/>
+              <a:defRPr sz="1600" kern="1200">
+                <a:solidFill>
+                  <a:schemeClr val="tx1"/>
+                </a:solidFill>
+                <a:latin typeface="+mn-lt"/>
+                <a:ea typeface="+mn-ea"/>
+                <a:cs typeface="+mn-cs"/>
+              </a:defRPr>
+            </a:lvl9pPr>
+          </a:lstStyle>
+          <a:p>
+            <a:pPr algn="l"/>
+            <a:r>
+              <a:rPr lang="en-IE" dirty="0">
+                <a:solidFill>
+                  <a:schemeClr val="bg1"/>
+                </a:solidFill>
+              </a:rPr>
+              <a:t>Current Goals:</a:t>
+            </a:r>
+          </a:p>
+          <a:p>
+            <a:pPr marL="800100" lvl="1" indent="-342900" algn="l">
+              <a:buFont typeface="Arial" panose="020B0604020202020204" pitchFamily="34" charset="0"/>
+              <a:buChar char="•"/>
+            </a:pPr>
+            <a:r>
+              <a:rPr lang="en-IE" sz="1800" dirty="0">
+                <a:solidFill>
+                  <a:schemeClr val="bg1"/>
+                </a:solidFill>
+              </a:rPr>
+              <a:t>Researching player items, to allow the player to collect items to be later used.</a:t>
+            </a:r>
+          </a:p>
+          <a:p>
+            <a:pPr marL="800100" lvl="1" indent="-342900" algn="l">
+              <a:buFont typeface="Arial" panose="020B0604020202020204" pitchFamily="34" charset="0"/>
+              <a:buChar char="•"/>
+            </a:pPr>
+            <a:r>
+              <a:rPr lang="en-IE" sz="1800" dirty="0">
+                <a:solidFill>
+                  <a:schemeClr val="bg1"/>
+                </a:solidFill>
+              </a:rPr>
+              <a:t>Give the player a weapon to fight back against the enemies of the game.</a:t>
+            </a:r>
+          </a:p>
+          <a:p>
+            <a:pPr marL="800100" lvl="1" indent="-342900" algn="l">
+              <a:buFont typeface="Arial" panose="020B0604020202020204" pitchFamily="34" charset="0"/>
+              <a:buChar char="•"/>
+            </a:pPr>
+            <a:r>
+              <a:rPr lang="en-IE" sz="1800" dirty="0">
+                <a:solidFill>
+                  <a:schemeClr val="bg1"/>
+                </a:solidFill>
+              </a:rPr>
+              <a:t>Improve the main level to give enough area for the player to explore and collect items placed in the world.</a:t>
+            </a:r>
+          </a:p>
+          <a:p>
+            <a:pPr marL="800100" lvl="1" indent="-342900" algn="l">
+              <a:buFont typeface="Arial" panose="020B0604020202020204" pitchFamily="34" charset="0"/>
+              <a:buChar char="•"/>
+            </a:pPr>
+            <a:endParaRPr lang="en-IE" sz="1800" dirty="0">
+              <a:solidFill>
+                <a:schemeClr val="bg1"/>
+              </a:solidFill>
+            </a:endParaRPr>
+          </a:p>
+          <a:p>
+            <a:endParaRPr lang="en-IE" dirty="0">
+              <a:solidFill>
+                <a:schemeClr val="bg1"/>
+              </a:solidFill>
+            </a:endParaRPr>
           </a:p>
         </p:txBody>
       </p:sp>

--- a/MIDPOINT PRESENTATION/MidPoint Presentation.pptx
+++ b/MIDPOINT PRESENTATION/MidPoint Presentation.pptx
@@ -1621,7 +1621,7 @@
           <a:p>
             <a:fld id="{C6BABA15-83BA-4AA3-8E9C-F0941D662455}" type="datetimeFigureOut">
               <a:rPr lang="en-IE" smtClean="0"/>
-              <a:t>17/03/2021</a:t>
+              <a:t>18/03/2021</a:t>
             </a:fld>
             <a:endParaRPr lang="en-IE"/>
           </a:p>
@@ -1821,7 +1821,7 @@
           <a:p>
             <a:fld id="{C6BABA15-83BA-4AA3-8E9C-F0941D662455}" type="datetimeFigureOut">
               <a:rPr lang="en-IE" smtClean="0"/>
-              <a:t>17/03/2021</a:t>
+              <a:t>18/03/2021</a:t>
             </a:fld>
             <a:endParaRPr lang="en-IE"/>
           </a:p>
@@ -2031,7 +2031,7 @@
           <a:p>
             <a:fld id="{C6BABA15-83BA-4AA3-8E9C-F0941D662455}" type="datetimeFigureOut">
               <a:rPr lang="en-IE" smtClean="0"/>
-              <a:t>17/03/2021</a:t>
+              <a:t>18/03/2021</a:t>
             </a:fld>
             <a:endParaRPr lang="en-IE"/>
           </a:p>
@@ -2231,7 +2231,7 @@
           <a:p>
             <a:fld id="{C6BABA15-83BA-4AA3-8E9C-F0941D662455}" type="datetimeFigureOut">
               <a:rPr lang="en-IE" smtClean="0"/>
-              <a:t>17/03/2021</a:t>
+              <a:t>18/03/2021</a:t>
             </a:fld>
             <a:endParaRPr lang="en-IE"/>
           </a:p>
@@ -2507,7 +2507,7 @@
           <a:p>
             <a:fld id="{C6BABA15-83BA-4AA3-8E9C-F0941D662455}" type="datetimeFigureOut">
               <a:rPr lang="en-IE" smtClean="0"/>
-              <a:t>17/03/2021</a:t>
+              <a:t>18/03/2021</a:t>
             </a:fld>
             <a:endParaRPr lang="en-IE"/>
           </a:p>
@@ -2775,7 +2775,7 @@
           <a:p>
             <a:fld id="{C6BABA15-83BA-4AA3-8E9C-F0941D662455}" type="datetimeFigureOut">
               <a:rPr lang="en-IE" smtClean="0"/>
-              <a:t>17/03/2021</a:t>
+              <a:t>18/03/2021</a:t>
             </a:fld>
             <a:endParaRPr lang="en-IE"/>
           </a:p>
@@ -3190,7 +3190,7 @@
           <a:p>
             <a:fld id="{C6BABA15-83BA-4AA3-8E9C-F0941D662455}" type="datetimeFigureOut">
               <a:rPr lang="en-IE" smtClean="0"/>
-              <a:t>17/03/2021</a:t>
+              <a:t>18/03/2021</a:t>
             </a:fld>
             <a:endParaRPr lang="en-IE"/>
           </a:p>
@@ -3332,7 +3332,7 @@
           <a:p>
             <a:fld id="{C6BABA15-83BA-4AA3-8E9C-F0941D662455}" type="datetimeFigureOut">
               <a:rPr lang="en-IE" smtClean="0"/>
-              <a:t>17/03/2021</a:t>
+              <a:t>18/03/2021</a:t>
             </a:fld>
             <a:endParaRPr lang="en-IE"/>
           </a:p>
@@ -3445,7 +3445,7 @@
           <a:p>
             <a:fld id="{C6BABA15-83BA-4AA3-8E9C-F0941D662455}" type="datetimeFigureOut">
               <a:rPr lang="en-IE" smtClean="0"/>
-              <a:t>17/03/2021</a:t>
+              <a:t>18/03/2021</a:t>
             </a:fld>
             <a:endParaRPr lang="en-IE"/>
           </a:p>
@@ -3758,7 +3758,7 @@
           <a:p>
             <a:fld id="{C6BABA15-83BA-4AA3-8E9C-F0941D662455}" type="datetimeFigureOut">
               <a:rPr lang="en-IE" smtClean="0"/>
-              <a:t>17/03/2021</a:t>
+              <a:t>18/03/2021</a:t>
             </a:fld>
             <a:endParaRPr lang="en-IE"/>
           </a:p>
@@ -4047,7 +4047,7 @@
           <a:p>
             <a:fld id="{C6BABA15-83BA-4AA3-8E9C-F0941D662455}" type="datetimeFigureOut">
               <a:rPr lang="en-IE" smtClean="0"/>
-              <a:t>17/03/2021</a:t>
+              <a:t>18/03/2021</a:t>
             </a:fld>
             <a:endParaRPr lang="en-IE"/>
           </a:p>
@@ -4290,7 +4290,7 @@
           <a:p>
             <a:fld id="{C6BABA15-83BA-4AA3-8E9C-F0941D662455}" type="datetimeFigureOut">
               <a:rPr lang="en-IE" smtClean="0"/>
-              <a:t>17/03/2021</a:t>
+              <a:t>18/03/2021</a:t>
             </a:fld>
             <a:endParaRPr lang="en-IE"/>
           </a:p>
@@ -4752,20 +4752,12 @@
           <a:lstStyle/>
           <a:p>
             <a:r>
-              <a:rPr lang="en-IE" b="1">
-                <a:solidFill>
-                  <a:schemeClr val="bg1"/>
-                </a:solidFill>
-              </a:rPr>
-              <a:t>Mid-Point </a:t>
-            </a:r>
-            <a:r>
               <a:rPr lang="en-IE" b="1" dirty="0">
                 <a:solidFill>
                   <a:schemeClr val="bg1"/>
                 </a:solidFill>
               </a:rPr>
-              <a:t>Presentation</a:t>
+              <a:t>Mid-Point Presentation</a:t>
             </a:r>
             <a:br>
               <a:rPr lang="en-IE" b="1" dirty="0">
@@ -4883,6 +4875,292 @@
   <p:clrMapOvr>
     <a:masterClrMapping/>
   </p:clrMapOvr>
+  <p:timing>
+    <p:tnLst>
+      <p:par>
+        <p:cTn id="1" dur="indefinite" restart="never" nodeType="tmRoot">
+          <p:childTnLst>
+            <p:seq concurrent="1" nextAc="seek">
+              <p:cTn id="2" dur="indefinite" nodeType="mainSeq">
+                <p:childTnLst>
+                  <p:par>
+                    <p:cTn id="3" fill="hold">
+                      <p:stCondLst>
+                        <p:cond delay="indefinite"/>
+                      </p:stCondLst>
+                      <p:childTnLst>
+                        <p:par>
+                          <p:cTn id="4" fill="hold">
+                            <p:stCondLst>
+                              <p:cond delay="0"/>
+                            </p:stCondLst>
+                            <p:childTnLst>
+                              <p:par>
+                                <p:cTn id="5" presetID="10" presetClass="entr" presetSubtype="0" fill="hold" nodeType="clickEffect">
+                                  <p:stCondLst>
+                                    <p:cond delay="0"/>
+                                  </p:stCondLst>
+                                  <p:childTnLst>
+                                    <p:set>
+                                      <p:cBhvr>
+                                        <p:cTn id="6" dur="1" fill="hold">
+                                          <p:stCondLst>
+                                            <p:cond delay="0"/>
+                                          </p:stCondLst>
+                                        </p:cTn>
+                                        <p:tgtEl>
+                                          <p:spTgt spid="5"/>
+                                        </p:tgtEl>
+                                        <p:attrNameLst>
+                                          <p:attrName>style.visibility</p:attrName>
+                                        </p:attrNameLst>
+                                      </p:cBhvr>
+                                      <p:to>
+                                        <p:strVal val="visible"/>
+                                      </p:to>
+                                    </p:set>
+                                    <p:animEffect transition="in" filter="fade">
+                                      <p:cBhvr>
+                                        <p:cTn id="7" dur="500"/>
+                                        <p:tgtEl>
+                                          <p:spTgt spid="5"/>
+                                        </p:tgtEl>
+                                      </p:cBhvr>
+                                    </p:animEffect>
+                                  </p:childTnLst>
+                                </p:cTn>
+                              </p:par>
+                            </p:childTnLst>
+                          </p:cTn>
+                        </p:par>
+                      </p:childTnLst>
+                    </p:cTn>
+                  </p:par>
+                  <p:par>
+                    <p:cTn id="8" fill="hold">
+                      <p:stCondLst>
+                        <p:cond delay="indefinite"/>
+                      </p:stCondLst>
+                      <p:childTnLst>
+                        <p:par>
+                          <p:cTn id="9" fill="hold">
+                            <p:stCondLst>
+                              <p:cond delay="0"/>
+                            </p:stCondLst>
+                            <p:childTnLst>
+                              <p:par>
+                                <p:cTn id="10" presetID="10" presetClass="entr" presetSubtype="0" fill="hold" grpId="0" nodeType="clickEffect">
+                                  <p:stCondLst>
+                                    <p:cond delay="0"/>
+                                  </p:stCondLst>
+                                  <p:childTnLst>
+                                    <p:set>
+                                      <p:cBhvr>
+                                        <p:cTn id="11" dur="1" fill="hold">
+                                          <p:stCondLst>
+                                            <p:cond delay="0"/>
+                                          </p:stCondLst>
+                                        </p:cTn>
+                                        <p:tgtEl>
+                                          <p:spTgt spid="2"/>
+                                        </p:tgtEl>
+                                        <p:attrNameLst>
+                                          <p:attrName>style.visibility</p:attrName>
+                                        </p:attrNameLst>
+                                      </p:cBhvr>
+                                      <p:to>
+                                        <p:strVal val="visible"/>
+                                      </p:to>
+                                    </p:set>
+                                    <p:animEffect transition="in" filter="fade">
+                                      <p:cBhvr>
+                                        <p:cTn id="12" dur="500"/>
+                                        <p:tgtEl>
+                                          <p:spTgt spid="2"/>
+                                        </p:tgtEl>
+                                      </p:cBhvr>
+                                    </p:animEffect>
+                                  </p:childTnLst>
+                                </p:cTn>
+                              </p:par>
+                            </p:childTnLst>
+                          </p:cTn>
+                        </p:par>
+                      </p:childTnLst>
+                    </p:cTn>
+                  </p:par>
+                  <p:par>
+                    <p:cTn id="13" fill="hold">
+                      <p:stCondLst>
+                        <p:cond delay="indefinite"/>
+                      </p:stCondLst>
+                      <p:childTnLst>
+                        <p:par>
+                          <p:cTn id="14" fill="hold">
+                            <p:stCondLst>
+                              <p:cond delay="0"/>
+                            </p:stCondLst>
+                            <p:childTnLst>
+                              <p:par>
+                                <p:cTn id="15" presetID="10" presetClass="entr" presetSubtype="0" fill="hold" nodeType="clickEffect">
+                                  <p:stCondLst>
+                                    <p:cond delay="0"/>
+                                  </p:stCondLst>
+                                  <p:childTnLst>
+                                    <p:set>
+                                      <p:cBhvr>
+                                        <p:cTn id="16" dur="1" fill="hold">
+                                          <p:stCondLst>
+                                            <p:cond delay="0"/>
+                                          </p:stCondLst>
+                                        </p:cTn>
+                                        <p:tgtEl>
+                                          <p:spTgt spid="3">
+                                            <p:txEl>
+                                              <p:pRg st="0" end="0"/>
+                                            </p:txEl>
+                                          </p:spTgt>
+                                        </p:tgtEl>
+                                        <p:attrNameLst>
+                                          <p:attrName>style.visibility</p:attrName>
+                                        </p:attrNameLst>
+                                      </p:cBhvr>
+                                      <p:to>
+                                        <p:strVal val="visible"/>
+                                      </p:to>
+                                    </p:set>
+                                    <p:animEffect transition="in" filter="fade">
+                                      <p:cBhvr>
+                                        <p:cTn id="17" dur="500"/>
+                                        <p:tgtEl>
+                                          <p:spTgt spid="3">
+                                            <p:txEl>
+                                              <p:pRg st="0" end="0"/>
+                                            </p:txEl>
+                                          </p:spTgt>
+                                        </p:tgtEl>
+                                      </p:cBhvr>
+                                    </p:animEffect>
+                                  </p:childTnLst>
+                                </p:cTn>
+                              </p:par>
+                              <p:par>
+                                <p:cTn id="18" presetID="10" presetClass="entr" presetSubtype="0" fill="hold" nodeType="withEffect">
+                                  <p:stCondLst>
+                                    <p:cond delay="0"/>
+                                  </p:stCondLst>
+                                  <p:childTnLst>
+                                    <p:set>
+                                      <p:cBhvr>
+                                        <p:cTn id="19" dur="1" fill="hold">
+                                          <p:stCondLst>
+                                            <p:cond delay="0"/>
+                                          </p:stCondLst>
+                                        </p:cTn>
+                                        <p:tgtEl>
+                                          <p:spTgt spid="3">
+                                            <p:txEl>
+                                              <p:pRg st="1" end="1"/>
+                                            </p:txEl>
+                                          </p:spTgt>
+                                        </p:tgtEl>
+                                        <p:attrNameLst>
+                                          <p:attrName>style.visibility</p:attrName>
+                                        </p:attrNameLst>
+                                      </p:cBhvr>
+                                      <p:to>
+                                        <p:strVal val="visible"/>
+                                      </p:to>
+                                    </p:set>
+                                    <p:animEffect transition="in" filter="fade">
+                                      <p:cBhvr>
+                                        <p:cTn id="20" dur="500"/>
+                                        <p:tgtEl>
+                                          <p:spTgt spid="3">
+                                            <p:txEl>
+                                              <p:pRg st="1" end="1"/>
+                                            </p:txEl>
+                                          </p:spTgt>
+                                        </p:tgtEl>
+                                      </p:cBhvr>
+                                    </p:animEffect>
+                                  </p:childTnLst>
+                                </p:cTn>
+                              </p:par>
+                              <p:par>
+                                <p:cTn id="21" presetID="10" presetClass="entr" presetSubtype="0" fill="hold" nodeType="withEffect">
+                                  <p:stCondLst>
+                                    <p:cond delay="0"/>
+                                  </p:stCondLst>
+                                  <p:childTnLst>
+                                    <p:set>
+                                      <p:cBhvr>
+                                        <p:cTn id="22" dur="1" fill="hold">
+                                          <p:stCondLst>
+                                            <p:cond delay="0"/>
+                                          </p:stCondLst>
+                                        </p:cTn>
+                                        <p:tgtEl>
+                                          <p:spTgt spid="3">
+                                            <p:txEl>
+                                              <p:pRg st="2" end="2"/>
+                                            </p:txEl>
+                                          </p:spTgt>
+                                        </p:tgtEl>
+                                        <p:attrNameLst>
+                                          <p:attrName>style.visibility</p:attrName>
+                                        </p:attrNameLst>
+                                      </p:cBhvr>
+                                      <p:to>
+                                        <p:strVal val="visible"/>
+                                      </p:to>
+                                    </p:set>
+                                    <p:animEffect transition="in" filter="fade">
+                                      <p:cBhvr>
+                                        <p:cTn id="23" dur="500"/>
+                                        <p:tgtEl>
+                                          <p:spTgt spid="3">
+                                            <p:txEl>
+                                              <p:pRg st="2" end="2"/>
+                                            </p:txEl>
+                                          </p:spTgt>
+                                        </p:tgtEl>
+                                      </p:cBhvr>
+                                    </p:animEffect>
+                                  </p:childTnLst>
+                                </p:cTn>
+                              </p:par>
+                            </p:childTnLst>
+                          </p:cTn>
+                        </p:par>
+                      </p:childTnLst>
+                    </p:cTn>
+                  </p:par>
+                </p:childTnLst>
+              </p:cTn>
+              <p:prevCondLst>
+                <p:cond evt="onPrev" delay="0">
+                  <p:tgtEl>
+                    <p:sldTgt/>
+                  </p:tgtEl>
+                </p:cond>
+              </p:prevCondLst>
+              <p:nextCondLst>
+                <p:cond evt="onNext" delay="0">
+                  <p:tgtEl>
+                    <p:sldTgt/>
+                  </p:tgtEl>
+                </p:cond>
+              </p:nextCondLst>
+            </p:seq>
+          </p:childTnLst>
+        </p:cTn>
+      </p:par>
+    </p:tnLst>
+    <p:bldLst>
+      <p:bldP spid="2" grpId="0"/>
+    </p:bldLst>
+  </p:timing>
 </p:sld>
 </file>
 
@@ -5148,6 +5426,467 @@
   <p:clrMapOvr>
     <a:masterClrMapping/>
   </p:clrMapOvr>
+  <p:timing>
+    <p:tnLst>
+      <p:par>
+        <p:cTn id="1" dur="indefinite" restart="never" nodeType="tmRoot">
+          <p:childTnLst>
+            <p:seq concurrent="1" nextAc="seek">
+              <p:cTn id="2" dur="indefinite" nodeType="mainSeq">
+                <p:childTnLst>
+                  <p:par>
+                    <p:cTn id="3" fill="hold">
+                      <p:stCondLst>
+                        <p:cond delay="indefinite"/>
+                      </p:stCondLst>
+                      <p:childTnLst>
+                        <p:par>
+                          <p:cTn id="4" fill="hold">
+                            <p:stCondLst>
+                              <p:cond delay="0"/>
+                            </p:stCondLst>
+                            <p:childTnLst>
+                              <p:par>
+                                <p:cTn id="5" presetID="10" presetClass="entr" presetSubtype="0" fill="hold" grpId="0" nodeType="clickEffect">
+                                  <p:stCondLst>
+                                    <p:cond delay="0"/>
+                                  </p:stCondLst>
+                                  <p:childTnLst>
+                                    <p:set>
+                                      <p:cBhvr>
+                                        <p:cTn id="6" dur="1" fill="hold">
+                                          <p:stCondLst>
+                                            <p:cond delay="0"/>
+                                          </p:stCondLst>
+                                        </p:cTn>
+                                        <p:tgtEl>
+                                          <p:spTgt spid="2"/>
+                                        </p:tgtEl>
+                                        <p:attrNameLst>
+                                          <p:attrName>style.visibility</p:attrName>
+                                        </p:attrNameLst>
+                                      </p:cBhvr>
+                                      <p:to>
+                                        <p:strVal val="visible"/>
+                                      </p:to>
+                                    </p:set>
+                                    <p:animEffect transition="in" filter="fade">
+                                      <p:cBhvr>
+                                        <p:cTn id="7" dur="500"/>
+                                        <p:tgtEl>
+                                          <p:spTgt spid="2"/>
+                                        </p:tgtEl>
+                                      </p:cBhvr>
+                                    </p:animEffect>
+                                  </p:childTnLst>
+                                </p:cTn>
+                              </p:par>
+                            </p:childTnLst>
+                          </p:cTn>
+                        </p:par>
+                      </p:childTnLst>
+                    </p:cTn>
+                  </p:par>
+                  <p:par>
+                    <p:cTn id="8" fill="hold">
+                      <p:stCondLst>
+                        <p:cond delay="indefinite"/>
+                      </p:stCondLst>
+                      <p:childTnLst>
+                        <p:par>
+                          <p:cTn id="9" fill="hold">
+                            <p:stCondLst>
+                              <p:cond delay="0"/>
+                            </p:stCondLst>
+                            <p:childTnLst>
+                              <p:par>
+                                <p:cTn id="10" presetID="10" presetClass="entr" presetSubtype="0" fill="hold" nodeType="clickEffect">
+                                  <p:stCondLst>
+                                    <p:cond delay="0"/>
+                                  </p:stCondLst>
+                                  <p:childTnLst>
+                                    <p:set>
+                                      <p:cBhvr>
+                                        <p:cTn id="11" dur="1" fill="hold">
+                                          <p:stCondLst>
+                                            <p:cond delay="0"/>
+                                          </p:stCondLst>
+                                        </p:cTn>
+                                        <p:tgtEl>
+                                          <p:spTgt spid="3">
+                                            <p:txEl>
+                                              <p:pRg st="0" end="0"/>
+                                            </p:txEl>
+                                          </p:spTgt>
+                                        </p:tgtEl>
+                                        <p:attrNameLst>
+                                          <p:attrName>style.visibility</p:attrName>
+                                        </p:attrNameLst>
+                                      </p:cBhvr>
+                                      <p:to>
+                                        <p:strVal val="visible"/>
+                                      </p:to>
+                                    </p:set>
+                                    <p:animEffect transition="in" filter="fade">
+                                      <p:cBhvr>
+                                        <p:cTn id="12" dur="500"/>
+                                        <p:tgtEl>
+                                          <p:spTgt spid="3">
+                                            <p:txEl>
+                                              <p:pRg st="0" end="0"/>
+                                            </p:txEl>
+                                          </p:spTgt>
+                                        </p:tgtEl>
+                                      </p:cBhvr>
+                                    </p:animEffect>
+                                  </p:childTnLst>
+                                </p:cTn>
+                              </p:par>
+                            </p:childTnLst>
+                          </p:cTn>
+                        </p:par>
+                      </p:childTnLst>
+                    </p:cTn>
+                  </p:par>
+                  <p:par>
+                    <p:cTn id="13" fill="hold">
+                      <p:stCondLst>
+                        <p:cond delay="indefinite"/>
+                      </p:stCondLst>
+                      <p:childTnLst>
+                        <p:par>
+                          <p:cTn id="14" fill="hold">
+                            <p:stCondLst>
+                              <p:cond delay="0"/>
+                            </p:stCondLst>
+                            <p:childTnLst>
+                              <p:par>
+                                <p:cTn id="15" presetID="10" presetClass="entr" presetSubtype="0" fill="hold" nodeType="clickEffect">
+                                  <p:stCondLst>
+                                    <p:cond delay="0"/>
+                                  </p:stCondLst>
+                                  <p:childTnLst>
+                                    <p:set>
+                                      <p:cBhvr>
+                                        <p:cTn id="16" dur="1" fill="hold">
+                                          <p:stCondLst>
+                                            <p:cond delay="0"/>
+                                          </p:stCondLst>
+                                        </p:cTn>
+                                        <p:tgtEl>
+                                          <p:spTgt spid="3">
+                                            <p:txEl>
+                                              <p:pRg st="1" end="1"/>
+                                            </p:txEl>
+                                          </p:spTgt>
+                                        </p:tgtEl>
+                                        <p:attrNameLst>
+                                          <p:attrName>style.visibility</p:attrName>
+                                        </p:attrNameLst>
+                                      </p:cBhvr>
+                                      <p:to>
+                                        <p:strVal val="visible"/>
+                                      </p:to>
+                                    </p:set>
+                                    <p:animEffect transition="in" filter="fade">
+                                      <p:cBhvr>
+                                        <p:cTn id="17" dur="500"/>
+                                        <p:tgtEl>
+                                          <p:spTgt spid="3">
+                                            <p:txEl>
+                                              <p:pRg st="1" end="1"/>
+                                            </p:txEl>
+                                          </p:spTgt>
+                                        </p:tgtEl>
+                                      </p:cBhvr>
+                                    </p:animEffect>
+                                  </p:childTnLst>
+                                </p:cTn>
+                              </p:par>
+                            </p:childTnLst>
+                          </p:cTn>
+                        </p:par>
+                      </p:childTnLst>
+                    </p:cTn>
+                  </p:par>
+                  <p:par>
+                    <p:cTn id="18" fill="hold">
+                      <p:stCondLst>
+                        <p:cond delay="indefinite"/>
+                      </p:stCondLst>
+                      <p:childTnLst>
+                        <p:par>
+                          <p:cTn id="19" fill="hold">
+                            <p:stCondLst>
+                              <p:cond delay="0"/>
+                            </p:stCondLst>
+                            <p:childTnLst>
+                              <p:par>
+                                <p:cTn id="20" presetID="10" presetClass="entr" presetSubtype="0" fill="hold" nodeType="clickEffect">
+                                  <p:stCondLst>
+                                    <p:cond delay="0"/>
+                                  </p:stCondLst>
+                                  <p:childTnLst>
+                                    <p:set>
+                                      <p:cBhvr>
+                                        <p:cTn id="21" dur="1" fill="hold">
+                                          <p:stCondLst>
+                                            <p:cond delay="0"/>
+                                          </p:stCondLst>
+                                        </p:cTn>
+                                        <p:tgtEl>
+                                          <p:spTgt spid="3">
+                                            <p:txEl>
+                                              <p:pRg st="2" end="2"/>
+                                            </p:txEl>
+                                          </p:spTgt>
+                                        </p:tgtEl>
+                                        <p:attrNameLst>
+                                          <p:attrName>style.visibility</p:attrName>
+                                        </p:attrNameLst>
+                                      </p:cBhvr>
+                                      <p:to>
+                                        <p:strVal val="visible"/>
+                                      </p:to>
+                                    </p:set>
+                                    <p:animEffect transition="in" filter="fade">
+                                      <p:cBhvr>
+                                        <p:cTn id="22" dur="500"/>
+                                        <p:tgtEl>
+                                          <p:spTgt spid="3">
+                                            <p:txEl>
+                                              <p:pRg st="2" end="2"/>
+                                            </p:txEl>
+                                          </p:spTgt>
+                                        </p:tgtEl>
+                                      </p:cBhvr>
+                                    </p:animEffect>
+                                  </p:childTnLst>
+                                </p:cTn>
+                              </p:par>
+                              <p:par>
+                                <p:cTn id="23" presetID="10" presetClass="entr" presetSubtype="0" fill="hold" nodeType="withEffect">
+                                  <p:stCondLst>
+                                    <p:cond delay="0"/>
+                                  </p:stCondLst>
+                                  <p:childTnLst>
+                                    <p:set>
+                                      <p:cBhvr>
+                                        <p:cTn id="24" dur="1" fill="hold">
+                                          <p:stCondLst>
+                                            <p:cond delay="0"/>
+                                          </p:stCondLst>
+                                        </p:cTn>
+                                        <p:tgtEl>
+                                          <p:spTgt spid="5"/>
+                                        </p:tgtEl>
+                                        <p:attrNameLst>
+                                          <p:attrName>style.visibility</p:attrName>
+                                        </p:attrNameLst>
+                                      </p:cBhvr>
+                                      <p:to>
+                                        <p:strVal val="visible"/>
+                                      </p:to>
+                                    </p:set>
+                                    <p:animEffect transition="in" filter="fade">
+                                      <p:cBhvr>
+                                        <p:cTn id="25" dur="500"/>
+                                        <p:tgtEl>
+                                          <p:spTgt spid="5"/>
+                                        </p:tgtEl>
+                                      </p:cBhvr>
+                                    </p:animEffect>
+                                  </p:childTnLst>
+                                </p:cTn>
+                              </p:par>
+                            </p:childTnLst>
+                          </p:cTn>
+                        </p:par>
+                      </p:childTnLst>
+                    </p:cTn>
+                  </p:par>
+                  <p:par>
+                    <p:cTn id="26" fill="hold">
+                      <p:stCondLst>
+                        <p:cond delay="indefinite"/>
+                      </p:stCondLst>
+                      <p:childTnLst>
+                        <p:par>
+                          <p:cTn id="27" fill="hold">
+                            <p:stCondLst>
+                              <p:cond delay="0"/>
+                            </p:stCondLst>
+                            <p:childTnLst>
+                              <p:par>
+                                <p:cTn id="28" presetID="10" presetClass="entr" presetSubtype="0" fill="hold" nodeType="clickEffect">
+                                  <p:stCondLst>
+                                    <p:cond delay="0"/>
+                                  </p:stCondLst>
+                                  <p:childTnLst>
+                                    <p:set>
+                                      <p:cBhvr>
+                                        <p:cTn id="29" dur="1" fill="hold">
+                                          <p:stCondLst>
+                                            <p:cond delay="0"/>
+                                          </p:stCondLst>
+                                        </p:cTn>
+                                        <p:tgtEl>
+                                          <p:spTgt spid="3">
+                                            <p:txEl>
+                                              <p:pRg st="3" end="3"/>
+                                            </p:txEl>
+                                          </p:spTgt>
+                                        </p:tgtEl>
+                                        <p:attrNameLst>
+                                          <p:attrName>style.visibility</p:attrName>
+                                        </p:attrNameLst>
+                                      </p:cBhvr>
+                                      <p:to>
+                                        <p:strVal val="visible"/>
+                                      </p:to>
+                                    </p:set>
+                                    <p:animEffect transition="in" filter="fade">
+                                      <p:cBhvr>
+                                        <p:cTn id="30" dur="500"/>
+                                        <p:tgtEl>
+                                          <p:spTgt spid="3">
+                                            <p:txEl>
+                                              <p:pRg st="3" end="3"/>
+                                            </p:txEl>
+                                          </p:spTgt>
+                                        </p:tgtEl>
+                                      </p:cBhvr>
+                                    </p:animEffect>
+                                  </p:childTnLst>
+                                </p:cTn>
+                              </p:par>
+                              <p:par>
+                                <p:cTn id="31" presetID="10" presetClass="entr" presetSubtype="0" fill="hold" nodeType="withEffect">
+                                  <p:stCondLst>
+                                    <p:cond delay="0"/>
+                                  </p:stCondLst>
+                                  <p:childTnLst>
+                                    <p:set>
+                                      <p:cBhvr>
+                                        <p:cTn id="32" dur="1" fill="hold">
+                                          <p:stCondLst>
+                                            <p:cond delay="0"/>
+                                          </p:stCondLst>
+                                        </p:cTn>
+                                        <p:tgtEl>
+                                          <p:spTgt spid="7"/>
+                                        </p:tgtEl>
+                                        <p:attrNameLst>
+                                          <p:attrName>style.visibility</p:attrName>
+                                        </p:attrNameLst>
+                                      </p:cBhvr>
+                                      <p:to>
+                                        <p:strVal val="visible"/>
+                                      </p:to>
+                                    </p:set>
+                                    <p:animEffect transition="in" filter="fade">
+                                      <p:cBhvr>
+                                        <p:cTn id="33" dur="500"/>
+                                        <p:tgtEl>
+                                          <p:spTgt spid="7"/>
+                                        </p:tgtEl>
+                                      </p:cBhvr>
+                                    </p:animEffect>
+                                  </p:childTnLst>
+                                </p:cTn>
+                              </p:par>
+                            </p:childTnLst>
+                          </p:cTn>
+                        </p:par>
+                      </p:childTnLst>
+                    </p:cTn>
+                  </p:par>
+                  <p:par>
+                    <p:cTn id="34" fill="hold">
+                      <p:stCondLst>
+                        <p:cond delay="indefinite"/>
+                      </p:stCondLst>
+                      <p:childTnLst>
+                        <p:par>
+                          <p:cTn id="35" fill="hold">
+                            <p:stCondLst>
+                              <p:cond delay="0"/>
+                            </p:stCondLst>
+                            <p:childTnLst>
+                              <p:par>
+                                <p:cTn id="36" presetID="10" presetClass="entr" presetSubtype="0" fill="hold" nodeType="clickEffect">
+                                  <p:stCondLst>
+                                    <p:cond delay="0"/>
+                                  </p:stCondLst>
+                                  <p:childTnLst>
+                                    <p:set>
+                                      <p:cBhvr>
+                                        <p:cTn id="37" dur="1" fill="hold">
+                                          <p:stCondLst>
+                                            <p:cond delay="0"/>
+                                          </p:stCondLst>
+                                        </p:cTn>
+                                        <p:tgtEl>
+                                          <p:spTgt spid="3">
+                                            <p:txEl>
+                                              <p:pRg st="4" end="4"/>
+                                            </p:txEl>
+                                          </p:spTgt>
+                                        </p:tgtEl>
+                                        <p:attrNameLst>
+                                          <p:attrName>style.visibility</p:attrName>
+                                        </p:attrNameLst>
+                                      </p:cBhvr>
+                                      <p:to>
+                                        <p:strVal val="visible"/>
+                                      </p:to>
+                                    </p:set>
+                                    <p:animEffect transition="in" filter="fade">
+                                      <p:cBhvr>
+                                        <p:cTn id="38" dur="500"/>
+                                        <p:tgtEl>
+                                          <p:spTgt spid="3">
+                                            <p:txEl>
+                                              <p:pRg st="4" end="4"/>
+                                            </p:txEl>
+                                          </p:spTgt>
+                                        </p:tgtEl>
+                                      </p:cBhvr>
+                                    </p:animEffect>
+                                  </p:childTnLst>
+                                </p:cTn>
+                              </p:par>
+                            </p:childTnLst>
+                          </p:cTn>
+                        </p:par>
+                      </p:childTnLst>
+                    </p:cTn>
+                  </p:par>
+                </p:childTnLst>
+              </p:cTn>
+              <p:prevCondLst>
+                <p:cond evt="onPrev" delay="0">
+                  <p:tgtEl>
+                    <p:sldTgt/>
+                  </p:tgtEl>
+                </p:cond>
+              </p:prevCondLst>
+              <p:nextCondLst>
+                <p:cond evt="onNext" delay="0">
+                  <p:tgtEl>
+                    <p:sldTgt/>
+                  </p:tgtEl>
+                </p:cond>
+              </p:nextCondLst>
+            </p:seq>
+          </p:childTnLst>
+        </p:cTn>
+      </p:par>
+    </p:tnLst>
+    <p:bldLst>
+      <p:bldP spid="2" grpId="0"/>
+    </p:bldLst>
+  </p:timing>
 </p:sld>
 </file>
 
@@ -5421,6 +6160,424 @@
   <p:clrMapOvr>
     <a:masterClrMapping/>
   </p:clrMapOvr>
+  <p:timing>
+    <p:tnLst>
+      <p:par>
+        <p:cTn id="1" dur="indefinite" restart="never" nodeType="tmRoot">
+          <p:childTnLst>
+            <p:seq concurrent="1" nextAc="seek">
+              <p:cTn id="2" dur="indefinite" nodeType="mainSeq">
+                <p:childTnLst>
+                  <p:par>
+                    <p:cTn id="3" fill="hold">
+                      <p:stCondLst>
+                        <p:cond delay="indefinite"/>
+                      </p:stCondLst>
+                      <p:childTnLst>
+                        <p:par>
+                          <p:cTn id="4" fill="hold">
+                            <p:stCondLst>
+                              <p:cond delay="0"/>
+                            </p:stCondLst>
+                            <p:childTnLst>
+                              <p:par>
+                                <p:cTn id="5" presetID="10" presetClass="entr" presetSubtype="0" fill="hold" grpId="0" nodeType="clickEffect">
+                                  <p:stCondLst>
+                                    <p:cond delay="0"/>
+                                  </p:stCondLst>
+                                  <p:childTnLst>
+                                    <p:set>
+                                      <p:cBhvr>
+                                        <p:cTn id="6" dur="1" fill="hold">
+                                          <p:stCondLst>
+                                            <p:cond delay="0"/>
+                                          </p:stCondLst>
+                                        </p:cTn>
+                                        <p:tgtEl>
+                                          <p:spTgt spid="2"/>
+                                        </p:tgtEl>
+                                        <p:attrNameLst>
+                                          <p:attrName>style.visibility</p:attrName>
+                                        </p:attrNameLst>
+                                      </p:cBhvr>
+                                      <p:to>
+                                        <p:strVal val="visible"/>
+                                      </p:to>
+                                    </p:set>
+                                    <p:animEffect transition="in" filter="fade">
+                                      <p:cBhvr>
+                                        <p:cTn id="7" dur="500"/>
+                                        <p:tgtEl>
+                                          <p:spTgt spid="2"/>
+                                        </p:tgtEl>
+                                      </p:cBhvr>
+                                    </p:animEffect>
+                                  </p:childTnLst>
+                                </p:cTn>
+                              </p:par>
+                            </p:childTnLst>
+                          </p:cTn>
+                        </p:par>
+                      </p:childTnLst>
+                    </p:cTn>
+                  </p:par>
+                  <p:par>
+                    <p:cTn id="8" fill="hold">
+                      <p:stCondLst>
+                        <p:cond delay="indefinite"/>
+                      </p:stCondLst>
+                      <p:childTnLst>
+                        <p:par>
+                          <p:cTn id="9" fill="hold">
+                            <p:stCondLst>
+                              <p:cond delay="0"/>
+                            </p:stCondLst>
+                            <p:childTnLst>
+                              <p:par>
+                                <p:cTn id="10" presetID="10" presetClass="entr" presetSubtype="0" fill="hold" nodeType="clickEffect">
+                                  <p:stCondLst>
+                                    <p:cond delay="0"/>
+                                  </p:stCondLst>
+                                  <p:childTnLst>
+                                    <p:set>
+                                      <p:cBhvr>
+                                        <p:cTn id="11" dur="1" fill="hold">
+                                          <p:stCondLst>
+                                            <p:cond delay="0"/>
+                                          </p:stCondLst>
+                                        </p:cTn>
+                                        <p:tgtEl>
+                                          <p:spTgt spid="10"/>
+                                        </p:tgtEl>
+                                        <p:attrNameLst>
+                                          <p:attrName>style.visibility</p:attrName>
+                                        </p:attrNameLst>
+                                      </p:cBhvr>
+                                      <p:to>
+                                        <p:strVal val="visible"/>
+                                      </p:to>
+                                    </p:set>
+                                    <p:animEffect transition="in" filter="fade">
+                                      <p:cBhvr>
+                                        <p:cTn id="12" dur="500"/>
+                                        <p:tgtEl>
+                                          <p:spTgt spid="10"/>
+                                        </p:tgtEl>
+                                      </p:cBhvr>
+                                    </p:animEffect>
+                                  </p:childTnLst>
+                                </p:cTn>
+                              </p:par>
+                              <p:par>
+                                <p:cTn id="13" presetID="10" presetClass="entr" presetSubtype="0" fill="hold" nodeType="withEffect">
+                                  <p:stCondLst>
+                                    <p:cond delay="0"/>
+                                  </p:stCondLst>
+                                  <p:childTnLst>
+                                    <p:set>
+                                      <p:cBhvr>
+                                        <p:cTn id="14" dur="1" fill="hold">
+                                          <p:stCondLst>
+                                            <p:cond delay="0"/>
+                                          </p:stCondLst>
+                                        </p:cTn>
+                                        <p:tgtEl>
+                                          <p:spTgt spid="6"/>
+                                        </p:tgtEl>
+                                        <p:attrNameLst>
+                                          <p:attrName>style.visibility</p:attrName>
+                                        </p:attrNameLst>
+                                      </p:cBhvr>
+                                      <p:to>
+                                        <p:strVal val="visible"/>
+                                      </p:to>
+                                    </p:set>
+                                    <p:animEffect transition="in" filter="fade">
+                                      <p:cBhvr>
+                                        <p:cTn id="15" dur="500"/>
+                                        <p:tgtEl>
+                                          <p:spTgt spid="6"/>
+                                        </p:tgtEl>
+                                      </p:cBhvr>
+                                    </p:animEffect>
+                                  </p:childTnLst>
+                                </p:cTn>
+                              </p:par>
+                            </p:childTnLst>
+                          </p:cTn>
+                        </p:par>
+                      </p:childTnLst>
+                    </p:cTn>
+                  </p:par>
+                  <p:par>
+                    <p:cTn id="16" fill="hold">
+                      <p:stCondLst>
+                        <p:cond delay="indefinite"/>
+                      </p:stCondLst>
+                      <p:childTnLst>
+                        <p:par>
+                          <p:cTn id="17" fill="hold">
+                            <p:stCondLst>
+                              <p:cond delay="0"/>
+                            </p:stCondLst>
+                            <p:childTnLst>
+                              <p:par>
+                                <p:cTn id="18" presetID="10" presetClass="entr" presetSubtype="0" fill="hold" nodeType="clickEffect">
+                                  <p:stCondLst>
+                                    <p:cond delay="0"/>
+                                  </p:stCondLst>
+                                  <p:childTnLst>
+                                    <p:set>
+                                      <p:cBhvr>
+                                        <p:cTn id="19" dur="1" fill="hold">
+                                          <p:stCondLst>
+                                            <p:cond delay="0"/>
+                                          </p:stCondLst>
+                                        </p:cTn>
+                                        <p:tgtEl>
+                                          <p:spTgt spid="4">
+                                            <p:txEl>
+                                              <p:pRg st="0" end="0"/>
+                                            </p:txEl>
+                                          </p:spTgt>
+                                        </p:tgtEl>
+                                        <p:attrNameLst>
+                                          <p:attrName>style.visibility</p:attrName>
+                                        </p:attrNameLst>
+                                      </p:cBhvr>
+                                      <p:to>
+                                        <p:strVal val="visible"/>
+                                      </p:to>
+                                    </p:set>
+                                    <p:animEffect transition="in" filter="fade">
+                                      <p:cBhvr>
+                                        <p:cTn id="20" dur="500"/>
+                                        <p:tgtEl>
+                                          <p:spTgt spid="4">
+                                            <p:txEl>
+                                              <p:pRg st="0" end="0"/>
+                                            </p:txEl>
+                                          </p:spTgt>
+                                        </p:tgtEl>
+                                      </p:cBhvr>
+                                    </p:animEffect>
+                                  </p:childTnLst>
+                                </p:cTn>
+                              </p:par>
+                            </p:childTnLst>
+                          </p:cTn>
+                        </p:par>
+                      </p:childTnLst>
+                    </p:cTn>
+                  </p:par>
+                  <p:par>
+                    <p:cTn id="21" fill="hold">
+                      <p:stCondLst>
+                        <p:cond delay="indefinite"/>
+                      </p:stCondLst>
+                      <p:childTnLst>
+                        <p:par>
+                          <p:cTn id="22" fill="hold">
+                            <p:stCondLst>
+                              <p:cond delay="0"/>
+                            </p:stCondLst>
+                            <p:childTnLst>
+                              <p:par>
+                                <p:cTn id="23" presetID="10" presetClass="entr" presetSubtype="0" fill="hold" nodeType="clickEffect">
+                                  <p:stCondLst>
+                                    <p:cond delay="0"/>
+                                  </p:stCondLst>
+                                  <p:childTnLst>
+                                    <p:set>
+                                      <p:cBhvr>
+                                        <p:cTn id="24" dur="1" fill="hold">
+                                          <p:stCondLst>
+                                            <p:cond delay="0"/>
+                                          </p:stCondLst>
+                                        </p:cTn>
+                                        <p:tgtEl>
+                                          <p:spTgt spid="3">
+                                            <p:txEl>
+                                              <p:pRg st="0" end="0"/>
+                                            </p:txEl>
+                                          </p:spTgt>
+                                        </p:tgtEl>
+                                        <p:attrNameLst>
+                                          <p:attrName>style.visibility</p:attrName>
+                                        </p:attrNameLst>
+                                      </p:cBhvr>
+                                      <p:to>
+                                        <p:strVal val="visible"/>
+                                      </p:to>
+                                    </p:set>
+                                    <p:animEffect transition="in" filter="fade">
+                                      <p:cBhvr>
+                                        <p:cTn id="25" dur="500"/>
+                                        <p:tgtEl>
+                                          <p:spTgt spid="3">
+                                            <p:txEl>
+                                              <p:pRg st="0" end="0"/>
+                                            </p:txEl>
+                                          </p:spTgt>
+                                        </p:tgtEl>
+                                      </p:cBhvr>
+                                    </p:animEffect>
+                                  </p:childTnLst>
+                                </p:cTn>
+                              </p:par>
+                            </p:childTnLst>
+                          </p:cTn>
+                        </p:par>
+                      </p:childTnLst>
+                    </p:cTn>
+                  </p:par>
+                  <p:par>
+                    <p:cTn id="26" fill="hold">
+                      <p:stCondLst>
+                        <p:cond delay="indefinite"/>
+                      </p:stCondLst>
+                      <p:childTnLst>
+                        <p:par>
+                          <p:cTn id="27" fill="hold">
+                            <p:stCondLst>
+                              <p:cond delay="0"/>
+                            </p:stCondLst>
+                            <p:childTnLst>
+                              <p:par>
+                                <p:cTn id="28" presetID="10" presetClass="entr" presetSubtype="0" fill="hold" nodeType="clickEffect">
+                                  <p:stCondLst>
+                                    <p:cond delay="0"/>
+                                  </p:stCondLst>
+                                  <p:childTnLst>
+                                    <p:set>
+                                      <p:cBhvr>
+                                        <p:cTn id="29" dur="1" fill="hold">
+                                          <p:stCondLst>
+                                            <p:cond delay="0"/>
+                                          </p:stCondLst>
+                                        </p:cTn>
+                                        <p:tgtEl>
+                                          <p:spTgt spid="3">
+                                            <p:txEl>
+                                              <p:pRg st="1" end="1"/>
+                                            </p:txEl>
+                                          </p:spTgt>
+                                        </p:tgtEl>
+                                        <p:attrNameLst>
+                                          <p:attrName>style.visibility</p:attrName>
+                                        </p:attrNameLst>
+                                      </p:cBhvr>
+                                      <p:to>
+                                        <p:strVal val="visible"/>
+                                      </p:to>
+                                    </p:set>
+                                    <p:animEffect transition="in" filter="fade">
+                                      <p:cBhvr>
+                                        <p:cTn id="30" dur="500"/>
+                                        <p:tgtEl>
+                                          <p:spTgt spid="3">
+                                            <p:txEl>
+                                              <p:pRg st="1" end="1"/>
+                                            </p:txEl>
+                                          </p:spTgt>
+                                        </p:tgtEl>
+                                      </p:cBhvr>
+                                    </p:animEffect>
+                                  </p:childTnLst>
+                                </p:cTn>
+                              </p:par>
+                            </p:childTnLst>
+                          </p:cTn>
+                        </p:par>
+                      </p:childTnLst>
+                    </p:cTn>
+                  </p:par>
+                  <p:par>
+                    <p:cTn id="31" fill="hold">
+                      <p:stCondLst>
+                        <p:cond delay="indefinite"/>
+                      </p:stCondLst>
+                      <p:childTnLst>
+                        <p:par>
+                          <p:cTn id="32" fill="hold">
+                            <p:stCondLst>
+                              <p:cond delay="0"/>
+                            </p:stCondLst>
+                            <p:childTnLst>
+                              <p:par>
+                                <p:cTn id="33" presetID="10" presetClass="entr" presetSubtype="0" fill="hold" nodeType="clickEffect">
+                                  <p:stCondLst>
+                                    <p:cond delay="0"/>
+                                  </p:stCondLst>
+                                  <p:childTnLst>
+                                    <p:set>
+                                      <p:cBhvr>
+                                        <p:cTn id="34" dur="1" fill="hold">
+                                          <p:stCondLst>
+                                            <p:cond delay="0"/>
+                                          </p:stCondLst>
+                                        </p:cTn>
+                                        <p:tgtEl>
+                                          <p:spTgt spid="3">
+                                            <p:txEl>
+                                              <p:pRg st="2" end="2"/>
+                                            </p:txEl>
+                                          </p:spTgt>
+                                        </p:tgtEl>
+                                        <p:attrNameLst>
+                                          <p:attrName>style.visibility</p:attrName>
+                                        </p:attrNameLst>
+                                      </p:cBhvr>
+                                      <p:to>
+                                        <p:strVal val="visible"/>
+                                      </p:to>
+                                    </p:set>
+                                    <p:animEffect transition="in" filter="fade">
+                                      <p:cBhvr>
+                                        <p:cTn id="35" dur="500"/>
+                                        <p:tgtEl>
+                                          <p:spTgt spid="3">
+                                            <p:txEl>
+                                              <p:pRg st="2" end="2"/>
+                                            </p:txEl>
+                                          </p:spTgt>
+                                        </p:tgtEl>
+                                      </p:cBhvr>
+                                    </p:animEffect>
+                                  </p:childTnLst>
+                                </p:cTn>
+                              </p:par>
+                            </p:childTnLst>
+                          </p:cTn>
+                        </p:par>
+                      </p:childTnLst>
+                    </p:cTn>
+                  </p:par>
+                </p:childTnLst>
+              </p:cTn>
+              <p:prevCondLst>
+                <p:cond evt="onPrev" delay="0">
+                  <p:tgtEl>
+                    <p:sldTgt/>
+                  </p:tgtEl>
+                </p:cond>
+              </p:prevCondLst>
+              <p:nextCondLst>
+                <p:cond evt="onNext" delay="0">
+                  <p:tgtEl>
+                    <p:sldTgt/>
+                  </p:tgtEl>
+                </p:cond>
+              </p:nextCondLst>
+            </p:seq>
+          </p:childTnLst>
+        </p:cTn>
+      </p:par>
+    </p:tnLst>
+    <p:bldLst>
+      <p:bldP spid="2" grpId="0"/>
+    </p:bldLst>
+  </p:timing>
 </p:sld>
 </file>
 
@@ -5646,7 +6803,7 @@
         <p:spPr>
           <a:xfrm>
             <a:off x="477793" y="4115479"/>
-            <a:ext cx="8575589" cy="1477328"/>
+            <a:ext cx="8575589" cy="1892826"/>
           </a:xfrm>
           <a:prstGeom prst="rect">
             <a:avLst/>
@@ -5664,7 +6821,7 @@
               <a:buChar char="•"/>
             </a:pPr>
             <a:r>
-              <a:rPr lang="en-IE" dirty="0" err="1">
+              <a:rPr lang="en-IE" sz="2200" dirty="0" err="1">
                 <a:solidFill>
                   <a:schemeClr val="bg1"/>
                 </a:solidFill>
@@ -5672,7 +6829,7 @@
               <a:t>Github</a:t>
             </a:r>
             <a:r>
-              <a:rPr lang="en-IE" dirty="0">
+              <a:rPr lang="en-IE" sz="2200" dirty="0">
                 <a:solidFill>
                   <a:schemeClr val="bg1"/>
                 </a:solidFill>
@@ -5686,7 +6843,7 @@
               <a:buChar char="•"/>
             </a:pPr>
             <a:r>
-              <a:rPr lang="en-IE" dirty="0">
+              <a:rPr lang="en-IE" sz="1900" dirty="0">
                 <a:solidFill>
                   <a:schemeClr val="bg1"/>
                 </a:solidFill>
@@ -5700,7 +6857,7 @@
               <a:buChar char="•"/>
             </a:pPr>
             <a:r>
-              <a:rPr lang="en-IE" dirty="0">
+              <a:rPr lang="en-IE" sz="1900" dirty="0">
                 <a:solidFill>
                   <a:schemeClr val="bg1"/>
                 </a:solidFill>
@@ -5756,6 +6913,528 @@
   <p:clrMapOvr>
     <a:masterClrMapping/>
   </p:clrMapOvr>
+  <p:timing>
+    <p:tnLst>
+      <p:par>
+        <p:cTn id="1" dur="indefinite" restart="never" nodeType="tmRoot">
+          <p:childTnLst>
+            <p:seq concurrent="1" nextAc="seek">
+              <p:cTn id="2" dur="indefinite" nodeType="mainSeq">
+                <p:childTnLst>
+                  <p:par>
+                    <p:cTn id="3" fill="hold">
+                      <p:stCondLst>
+                        <p:cond delay="indefinite"/>
+                      </p:stCondLst>
+                      <p:childTnLst>
+                        <p:par>
+                          <p:cTn id="4" fill="hold">
+                            <p:stCondLst>
+                              <p:cond delay="0"/>
+                            </p:stCondLst>
+                            <p:childTnLst>
+                              <p:par>
+                                <p:cTn id="5" presetID="10" presetClass="entr" presetSubtype="0" fill="hold" grpId="0" nodeType="clickEffect">
+                                  <p:stCondLst>
+                                    <p:cond delay="0"/>
+                                  </p:stCondLst>
+                                  <p:childTnLst>
+                                    <p:set>
+                                      <p:cBhvr>
+                                        <p:cTn id="6" dur="1" fill="hold">
+                                          <p:stCondLst>
+                                            <p:cond delay="0"/>
+                                          </p:stCondLst>
+                                        </p:cTn>
+                                        <p:tgtEl>
+                                          <p:spTgt spid="2"/>
+                                        </p:tgtEl>
+                                        <p:attrNameLst>
+                                          <p:attrName>style.visibility</p:attrName>
+                                        </p:attrNameLst>
+                                      </p:cBhvr>
+                                      <p:to>
+                                        <p:strVal val="visible"/>
+                                      </p:to>
+                                    </p:set>
+                                    <p:animEffect transition="in" filter="fade">
+                                      <p:cBhvr>
+                                        <p:cTn id="7" dur="500"/>
+                                        <p:tgtEl>
+                                          <p:spTgt spid="2"/>
+                                        </p:tgtEl>
+                                      </p:cBhvr>
+                                    </p:animEffect>
+                                  </p:childTnLst>
+                                </p:cTn>
+                              </p:par>
+                            </p:childTnLst>
+                          </p:cTn>
+                        </p:par>
+                      </p:childTnLst>
+                    </p:cTn>
+                  </p:par>
+                  <p:par>
+                    <p:cTn id="8" fill="hold">
+                      <p:stCondLst>
+                        <p:cond delay="indefinite"/>
+                      </p:stCondLst>
+                      <p:childTnLst>
+                        <p:par>
+                          <p:cTn id="9" fill="hold">
+                            <p:stCondLst>
+                              <p:cond delay="0"/>
+                            </p:stCondLst>
+                            <p:childTnLst>
+                              <p:par>
+                                <p:cTn id="10" presetID="10" presetClass="entr" presetSubtype="0" fill="hold" nodeType="clickEffect">
+                                  <p:stCondLst>
+                                    <p:cond delay="0"/>
+                                  </p:stCondLst>
+                                  <p:childTnLst>
+                                    <p:set>
+                                      <p:cBhvr>
+                                        <p:cTn id="11" dur="1" fill="hold">
+                                          <p:stCondLst>
+                                            <p:cond delay="0"/>
+                                          </p:stCondLst>
+                                        </p:cTn>
+                                        <p:tgtEl>
+                                          <p:spTgt spid="3">
+                                            <p:txEl>
+                                              <p:pRg st="0" end="0"/>
+                                            </p:txEl>
+                                          </p:spTgt>
+                                        </p:tgtEl>
+                                        <p:attrNameLst>
+                                          <p:attrName>style.visibility</p:attrName>
+                                        </p:attrNameLst>
+                                      </p:cBhvr>
+                                      <p:to>
+                                        <p:strVal val="visible"/>
+                                      </p:to>
+                                    </p:set>
+                                    <p:animEffect transition="in" filter="fade">
+                                      <p:cBhvr>
+                                        <p:cTn id="12" dur="500"/>
+                                        <p:tgtEl>
+                                          <p:spTgt spid="3">
+                                            <p:txEl>
+                                              <p:pRg st="0" end="0"/>
+                                            </p:txEl>
+                                          </p:spTgt>
+                                        </p:tgtEl>
+                                      </p:cBhvr>
+                                    </p:animEffect>
+                                  </p:childTnLst>
+                                </p:cTn>
+                              </p:par>
+                              <p:par>
+                                <p:cTn id="13" presetID="10" presetClass="entr" presetSubtype="0" fill="hold" nodeType="withEffect">
+                                  <p:stCondLst>
+                                    <p:cond delay="0"/>
+                                  </p:stCondLst>
+                                  <p:childTnLst>
+                                    <p:set>
+                                      <p:cBhvr>
+                                        <p:cTn id="14" dur="1" fill="hold">
+                                          <p:stCondLst>
+                                            <p:cond delay="0"/>
+                                          </p:stCondLst>
+                                        </p:cTn>
+                                        <p:tgtEl>
+                                          <p:spTgt spid="5"/>
+                                        </p:tgtEl>
+                                        <p:attrNameLst>
+                                          <p:attrName>style.visibility</p:attrName>
+                                        </p:attrNameLst>
+                                      </p:cBhvr>
+                                      <p:to>
+                                        <p:strVal val="visible"/>
+                                      </p:to>
+                                    </p:set>
+                                    <p:animEffect transition="in" filter="fade">
+                                      <p:cBhvr>
+                                        <p:cTn id="15" dur="500"/>
+                                        <p:tgtEl>
+                                          <p:spTgt spid="5"/>
+                                        </p:tgtEl>
+                                      </p:cBhvr>
+                                    </p:animEffect>
+                                  </p:childTnLst>
+                                </p:cTn>
+                              </p:par>
+                            </p:childTnLst>
+                          </p:cTn>
+                        </p:par>
+                      </p:childTnLst>
+                    </p:cTn>
+                  </p:par>
+                  <p:par>
+                    <p:cTn id="16" fill="hold">
+                      <p:stCondLst>
+                        <p:cond delay="indefinite"/>
+                      </p:stCondLst>
+                      <p:childTnLst>
+                        <p:par>
+                          <p:cTn id="17" fill="hold">
+                            <p:stCondLst>
+                              <p:cond delay="0"/>
+                            </p:stCondLst>
+                            <p:childTnLst>
+                              <p:par>
+                                <p:cTn id="18" presetID="10" presetClass="entr" presetSubtype="0" fill="hold" nodeType="clickEffect">
+                                  <p:stCondLst>
+                                    <p:cond delay="0"/>
+                                  </p:stCondLst>
+                                  <p:childTnLst>
+                                    <p:set>
+                                      <p:cBhvr>
+                                        <p:cTn id="19" dur="1" fill="hold">
+                                          <p:stCondLst>
+                                            <p:cond delay="0"/>
+                                          </p:stCondLst>
+                                        </p:cTn>
+                                        <p:tgtEl>
+                                          <p:spTgt spid="3">
+                                            <p:txEl>
+                                              <p:pRg st="1" end="1"/>
+                                            </p:txEl>
+                                          </p:spTgt>
+                                        </p:tgtEl>
+                                        <p:attrNameLst>
+                                          <p:attrName>style.visibility</p:attrName>
+                                        </p:attrNameLst>
+                                      </p:cBhvr>
+                                      <p:to>
+                                        <p:strVal val="visible"/>
+                                      </p:to>
+                                    </p:set>
+                                    <p:animEffect transition="in" filter="fade">
+                                      <p:cBhvr>
+                                        <p:cTn id="20" dur="500"/>
+                                        <p:tgtEl>
+                                          <p:spTgt spid="3">
+                                            <p:txEl>
+                                              <p:pRg st="1" end="1"/>
+                                            </p:txEl>
+                                          </p:spTgt>
+                                        </p:tgtEl>
+                                      </p:cBhvr>
+                                    </p:animEffect>
+                                  </p:childTnLst>
+                                </p:cTn>
+                              </p:par>
+                            </p:childTnLst>
+                          </p:cTn>
+                        </p:par>
+                      </p:childTnLst>
+                    </p:cTn>
+                  </p:par>
+                  <p:par>
+                    <p:cTn id="21" fill="hold">
+                      <p:stCondLst>
+                        <p:cond delay="indefinite"/>
+                      </p:stCondLst>
+                      <p:childTnLst>
+                        <p:par>
+                          <p:cTn id="22" fill="hold">
+                            <p:stCondLst>
+                              <p:cond delay="0"/>
+                            </p:stCondLst>
+                            <p:childTnLst>
+                              <p:par>
+                                <p:cTn id="23" presetID="10" presetClass="entr" presetSubtype="0" fill="hold" nodeType="clickEffect">
+                                  <p:stCondLst>
+                                    <p:cond delay="0"/>
+                                  </p:stCondLst>
+                                  <p:childTnLst>
+                                    <p:set>
+                                      <p:cBhvr>
+                                        <p:cTn id="24" dur="1" fill="hold">
+                                          <p:stCondLst>
+                                            <p:cond delay="0"/>
+                                          </p:stCondLst>
+                                        </p:cTn>
+                                        <p:tgtEl>
+                                          <p:spTgt spid="3">
+                                            <p:txEl>
+                                              <p:pRg st="2" end="2"/>
+                                            </p:txEl>
+                                          </p:spTgt>
+                                        </p:tgtEl>
+                                        <p:attrNameLst>
+                                          <p:attrName>style.visibility</p:attrName>
+                                        </p:attrNameLst>
+                                      </p:cBhvr>
+                                      <p:to>
+                                        <p:strVal val="visible"/>
+                                      </p:to>
+                                    </p:set>
+                                    <p:animEffect transition="in" filter="fade">
+                                      <p:cBhvr>
+                                        <p:cTn id="25" dur="500"/>
+                                        <p:tgtEl>
+                                          <p:spTgt spid="3">
+                                            <p:txEl>
+                                              <p:pRg st="2" end="2"/>
+                                            </p:txEl>
+                                          </p:spTgt>
+                                        </p:tgtEl>
+                                      </p:cBhvr>
+                                    </p:animEffect>
+                                  </p:childTnLst>
+                                </p:cTn>
+                              </p:par>
+                            </p:childTnLst>
+                          </p:cTn>
+                        </p:par>
+                      </p:childTnLst>
+                    </p:cTn>
+                  </p:par>
+                  <p:par>
+                    <p:cTn id="26" fill="hold">
+                      <p:stCondLst>
+                        <p:cond delay="indefinite"/>
+                      </p:stCondLst>
+                      <p:childTnLst>
+                        <p:par>
+                          <p:cTn id="27" fill="hold">
+                            <p:stCondLst>
+                              <p:cond delay="0"/>
+                            </p:stCondLst>
+                            <p:childTnLst>
+                              <p:par>
+                                <p:cTn id="28" presetID="10" presetClass="entr" presetSubtype="0" fill="hold" nodeType="clickEffect">
+                                  <p:stCondLst>
+                                    <p:cond delay="0"/>
+                                  </p:stCondLst>
+                                  <p:childTnLst>
+                                    <p:set>
+                                      <p:cBhvr>
+                                        <p:cTn id="29" dur="1" fill="hold">
+                                          <p:stCondLst>
+                                            <p:cond delay="0"/>
+                                          </p:stCondLst>
+                                        </p:cTn>
+                                        <p:tgtEl>
+                                          <p:spTgt spid="7">
+                                            <p:txEl>
+                                              <p:pRg st="0" end="0"/>
+                                            </p:txEl>
+                                          </p:spTgt>
+                                        </p:tgtEl>
+                                        <p:attrNameLst>
+                                          <p:attrName>style.visibility</p:attrName>
+                                        </p:attrNameLst>
+                                      </p:cBhvr>
+                                      <p:to>
+                                        <p:strVal val="visible"/>
+                                      </p:to>
+                                    </p:set>
+                                    <p:animEffect transition="in" filter="fade">
+                                      <p:cBhvr>
+                                        <p:cTn id="30" dur="500"/>
+                                        <p:tgtEl>
+                                          <p:spTgt spid="7">
+                                            <p:txEl>
+                                              <p:pRg st="0" end="0"/>
+                                            </p:txEl>
+                                          </p:spTgt>
+                                        </p:tgtEl>
+                                      </p:cBhvr>
+                                    </p:animEffect>
+                                  </p:childTnLst>
+                                </p:cTn>
+                              </p:par>
+                              <p:par>
+                                <p:cTn id="31" presetID="10" presetClass="entr" presetSubtype="0" fill="hold" nodeType="withEffect">
+                                  <p:stCondLst>
+                                    <p:cond delay="0"/>
+                                  </p:stCondLst>
+                                  <p:childTnLst>
+                                    <p:set>
+                                      <p:cBhvr>
+                                        <p:cTn id="32" dur="1" fill="hold">
+                                          <p:stCondLst>
+                                            <p:cond delay="0"/>
+                                          </p:stCondLst>
+                                        </p:cTn>
+                                        <p:tgtEl>
+                                          <p:spTgt spid="11"/>
+                                        </p:tgtEl>
+                                        <p:attrNameLst>
+                                          <p:attrName>style.visibility</p:attrName>
+                                        </p:attrNameLst>
+                                      </p:cBhvr>
+                                      <p:to>
+                                        <p:strVal val="visible"/>
+                                      </p:to>
+                                    </p:set>
+                                    <p:animEffect transition="in" filter="fade">
+                                      <p:cBhvr>
+                                        <p:cTn id="33" dur="500"/>
+                                        <p:tgtEl>
+                                          <p:spTgt spid="11"/>
+                                        </p:tgtEl>
+                                      </p:cBhvr>
+                                    </p:animEffect>
+                                  </p:childTnLst>
+                                </p:cTn>
+                              </p:par>
+                            </p:childTnLst>
+                          </p:cTn>
+                        </p:par>
+                      </p:childTnLst>
+                    </p:cTn>
+                  </p:par>
+                  <p:par>
+                    <p:cTn id="34" fill="hold">
+                      <p:stCondLst>
+                        <p:cond delay="indefinite"/>
+                      </p:stCondLst>
+                      <p:childTnLst>
+                        <p:par>
+                          <p:cTn id="35" fill="hold">
+                            <p:stCondLst>
+                              <p:cond delay="0"/>
+                            </p:stCondLst>
+                            <p:childTnLst>
+                              <p:par>
+                                <p:cTn id="36" presetID="10" presetClass="entr" presetSubtype="0" fill="hold" nodeType="clickEffect">
+                                  <p:stCondLst>
+                                    <p:cond delay="0"/>
+                                  </p:stCondLst>
+                                  <p:childTnLst>
+                                    <p:set>
+                                      <p:cBhvr>
+                                        <p:cTn id="37" dur="1" fill="hold">
+                                          <p:stCondLst>
+                                            <p:cond delay="0"/>
+                                          </p:stCondLst>
+                                        </p:cTn>
+                                        <p:tgtEl>
+                                          <p:spTgt spid="7">
+                                            <p:txEl>
+                                              <p:pRg st="1" end="1"/>
+                                            </p:txEl>
+                                          </p:spTgt>
+                                        </p:tgtEl>
+                                        <p:attrNameLst>
+                                          <p:attrName>style.visibility</p:attrName>
+                                        </p:attrNameLst>
+                                      </p:cBhvr>
+                                      <p:to>
+                                        <p:strVal val="visible"/>
+                                      </p:to>
+                                    </p:set>
+                                    <p:animEffect transition="in" filter="fade">
+                                      <p:cBhvr>
+                                        <p:cTn id="38" dur="500"/>
+                                        <p:tgtEl>
+                                          <p:spTgt spid="7">
+                                            <p:txEl>
+                                              <p:pRg st="1" end="1"/>
+                                            </p:txEl>
+                                          </p:spTgt>
+                                        </p:tgtEl>
+                                      </p:cBhvr>
+                                    </p:animEffect>
+                                  </p:childTnLst>
+                                </p:cTn>
+                              </p:par>
+                            </p:childTnLst>
+                          </p:cTn>
+                        </p:par>
+                      </p:childTnLst>
+                    </p:cTn>
+                  </p:par>
+                  <p:par>
+                    <p:cTn id="39" fill="hold">
+                      <p:stCondLst>
+                        <p:cond delay="indefinite"/>
+                      </p:stCondLst>
+                      <p:childTnLst>
+                        <p:par>
+                          <p:cTn id="40" fill="hold">
+                            <p:stCondLst>
+                              <p:cond delay="0"/>
+                            </p:stCondLst>
+                            <p:childTnLst>
+                              <p:par>
+                                <p:cTn id="41" presetID="10" presetClass="entr" presetSubtype="0" fill="hold" nodeType="clickEffect">
+                                  <p:stCondLst>
+                                    <p:cond delay="0"/>
+                                  </p:stCondLst>
+                                  <p:childTnLst>
+                                    <p:set>
+                                      <p:cBhvr>
+                                        <p:cTn id="42" dur="1" fill="hold">
+                                          <p:stCondLst>
+                                            <p:cond delay="0"/>
+                                          </p:stCondLst>
+                                        </p:cTn>
+                                        <p:tgtEl>
+                                          <p:spTgt spid="7">
+                                            <p:txEl>
+                                              <p:pRg st="2" end="2"/>
+                                            </p:txEl>
+                                          </p:spTgt>
+                                        </p:tgtEl>
+                                        <p:attrNameLst>
+                                          <p:attrName>style.visibility</p:attrName>
+                                        </p:attrNameLst>
+                                      </p:cBhvr>
+                                      <p:to>
+                                        <p:strVal val="visible"/>
+                                      </p:to>
+                                    </p:set>
+                                    <p:animEffect transition="in" filter="fade">
+                                      <p:cBhvr>
+                                        <p:cTn id="43" dur="500"/>
+                                        <p:tgtEl>
+                                          <p:spTgt spid="7">
+                                            <p:txEl>
+                                              <p:pRg st="2" end="2"/>
+                                            </p:txEl>
+                                          </p:spTgt>
+                                        </p:tgtEl>
+                                      </p:cBhvr>
+                                    </p:animEffect>
+                                  </p:childTnLst>
+                                </p:cTn>
+                              </p:par>
+                            </p:childTnLst>
+                          </p:cTn>
+                        </p:par>
+                      </p:childTnLst>
+                    </p:cTn>
+                  </p:par>
+                </p:childTnLst>
+              </p:cTn>
+              <p:prevCondLst>
+                <p:cond evt="onPrev" delay="0">
+                  <p:tgtEl>
+                    <p:sldTgt/>
+                  </p:tgtEl>
+                </p:cond>
+              </p:prevCondLst>
+              <p:nextCondLst>
+                <p:cond evt="onNext" delay="0">
+                  <p:tgtEl>
+                    <p:sldTgt/>
+                  </p:tgtEl>
+                </p:cond>
+              </p:nextCondLst>
+            </p:seq>
+          </p:childTnLst>
+        </p:cTn>
+      </p:par>
+    </p:tnLst>
+    <p:bldLst>
+      <p:bldP spid="2" grpId="0"/>
+    </p:bldLst>
+  </p:timing>
 </p:sld>
 </file>
 
@@ -6077,6 +7756,270 @@
   <p:clrMapOvr>
     <a:masterClrMapping/>
   </p:clrMapOvr>
+  <p:timing>
+    <p:tnLst>
+      <p:par>
+        <p:cTn id="1" dur="indefinite" restart="never" nodeType="tmRoot">
+          <p:childTnLst>
+            <p:seq concurrent="1" nextAc="seek">
+              <p:cTn id="2" dur="indefinite" nodeType="mainSeq">
+                <p:childTnLst>
+                  <p:par>
+                    <p:cTn id="3" fill="hold">
+                      <p:stCondLst>
+                        <p:cond delay="indefinite"/>
+                      </p:stCondLst>
+                      <p:childTnLst>
+                        <p:par>
+                          <p:cTn id="4" fill="hold">
+                            <p:stCondLst>
+                              <p:cond delay="0"/>
+                            </p:stCondLst>
+                            <p:childTnLst>
+                              <p:par>
+                                <p:cTn id="5" presetID="10" presetClass="entr" presetSubtype="0" fill="hold" grpId="0" nodeType="clickEffect">
+                                  <p:stCondLst>
+                                    <p:cond delay="0"/>
+                                  </p:stCondLst>
+                                  <p:childTnLst>
+                                    <p:set>
+                                      <p:cBhvr>
+                                        <p:cTn id="6" dur="1" fill="hold">
+                                          <p:stCondLst>
+                                            <p:cond delay="0"/>
+                                          </p:stCondLst>
+                                        </p:cTn>
+                                        <p:tgtEl>
+                                          <p:spTgt spid="2"/>
+                                        </p:tgtEl>
+                                        <p:attrNameLst>
+                                          <p:attrName>style.visibility</p:attrName>
+                                        </p:attrNameLst>
+                                      </p:cBhvr>
+                                      <p:to>
+                                        <p:strVal val="visible"/>
+                                      </p:to>
+                                    </p:set>
+                                    <p:animEffect transition="in" filter="fade">
+                                      <p:cBhvr>
+                                        <p:cTn id="7" dur="500"/>
+                                        <p:tgtEl>
+                                          <p:spTgt spid="2"/>
+                                        </p:tgtEl>
+                                      </p:cBhvr>
+                                    </p:animEffect>
+                                  </p:childTnLst>
+                                </p:cTn>
+                              </p:par>
+                            </p:childTnLst>
+                          </p:cTn>
+                        </p:par>
+                      </p:childTnLst>
+                    </p:cTn>
+                  </p:par>
+                  <p:par>
+                    <p:cTn id="8" fill="hold">
+                      <p:stCondLst>
+                        <p:cond delay="indefinite"/>
+                      </p:stCondLst>
+                      <p:childTnLst>
+                        <p:par>
+                          <p:cTn id="9" fill="hold">
+                            <p:stCondLst>
+                              <p:cond delay="0"/>
+                            </p:stCondLst>
+                            <p:childTnLst>
+                              <p:par>
+                                <p:cTn id="10" presetID="10" presetClass="entr" presetSubtype="0" fill="hold" nodeType="clickEffect">
+                                  <p:stCondLst>
+                                    <p:cond delay="0"/>
+                                  </p:stCondLst>
+                                  <p:childTnLst>
+                                    <p:set>
+                                      <p:cBhvr>
+                                        <p:cTn id="11" dur="1" fill="hold">
+                                          <p:stCondLst>
+                                            <p:cond delay="0"/>
+                                          </p:stCondLst>
+                                        </p:cTn>
+                                        <p:tgtEl>
+                                          <p:spTgt spid="3">
+                                            <p:txEl>
+                                              <p:pRg st="0" end="0"/>
+                                            </p:txEl>
+                                          </p:spTgt>
+                                        </p:tgtEl>
+                                        <p:attrNameLst>
+                                          <p:attrName>style.visibility</p:attrName>
+                                        </p:attrNameLst>
+                                      </p:cBhvr>
+                                      <p:to>
+                                        <p:strVal val="visible"/>
+                                      </p:to>
+                                    </p:set>
+                                    <p:animEffect transition="in" filter="fade">
+                                      <p:cBhvr>
+                                        <p:cTn id="12" dur="500"/>
+                                        <p:tgtEl>
+                                          <p:spTgt spid="3">
+                                            <p:txEl>
+                                              <p:pRg st="0" end="0"/>
+                                            </p:txEl>
+                                          </p:spTgt>
+                                        </p:tgtEl>
+                                      </p:cBhvr>
+                                    </p:animEffect>
+                                  </p:childTnLst>
+                                </p:cTn>
+                              </p:par>
+                            </p:childTnLst>
+                          </p:cTn>
+                        </p:par>
+                      </p:childTnLst>
+                    </p:cTn>
+                  </p:par>
+                  <p:par>
+                    <p:cTn id="13" fill="hold">
+                      <p:stCondLst>
+                        <p:cond delay="indefinite"/>
+                      </p:stCondLst>
+                      <p:childTnLst>
+                        <p:par>
+                          <p:cTn id="14" fill="hold">
+                            <p:stCondLst>
+                              <p:cond delay="0"/>
+                            </p:stCondLst>
+                            <p:childTnLst>
+                              <p:par>
+                                <p:cTn id="15" presetID="10" presetClass="entr" presetSubtype="0" fill="hold" grpId="0" nodeType="clickEffect">
+                                  <p:stCondLst>
+                                    <p:cond delay="0"/>
+                                  </p:stCondLst>
+                                  <p:childTnLst>
+                                    <p:set>
+                                      <p:cBhvr>
+                                        <p:cTn id="16" dur="1" fill="hold">
+                                          <p:stCondLst>
+                                            <p:cond delay="0"/>
+                                          </p:stCondLst>
+                                        </p:cTn>
+                                        <p:tgtEl>
+                                          <p:spTgt spid="4"/>
+                                        </p:tgtEl>
+                                        <p:attrNameLst>
+                                          <p:attrName>style.visibility</p:attrName>
+                                        </p:attrNameLst>
+                                      </p:cBhvr>
+                                      <p:to>
+                                        <p:strVal val="visible"/>
+                                      </p:to>
+                                    </p:set>
+                                    <p:animEffect transition="in" filter="fade">
+                                      <p:cBhvr>
+                                        <p:cTn id="17" dur="500"/>
+                                        <p:tgtEl>
+                                          <p:spTgt spid="4"/>
+                                        </p:tgtEl>
+                                      </p:cBhvr>
+                                    </p:animEffect>
+                                  </p:childTnLst>
+                                </p:cTn>
+                              </p:par>
+                            </p:childTnLst>
+                          </p:cTn>
+                        </p:par>
+                      </p:childTnLst>
+                    </p:cTn>
+                  </p:par>
+                  <p:par>
+                    <p:cTn id="18" fill="hold">
+                      <p:stCondLst>
+                        <p:cond delay="indefinite"/>
+                      </p:stCondLst>
+                      <p:childTnLst>
+                        <p:par>
+                          <p:cTn id="19" fill="hold">
+                            <p:stCondLst>
+                              <p:cond delay="0"/>
+                            </p:stCondLst>
+                            <p:childTnLst>
+                              <p:par>
+                                <p:cTn id="20" presetID="10" presetClass="entr" presetSubtype="0" fill="hold" nodeType="clickEffect">
+                                  <p:stCondLst>
+                                    <p:cond delay="0"/>
+                                  </p:stCondLst>
+                                  <p:childTnLst>
+                                    <p:set>
+                                      <p:cBhvr>
+                                        <p:cTn id="21" dur="1" fill="hold">
+                                          <p:stCondLst>
+                                            <p:cond delay="0"/>
+                                          </p:stCondLst>
+                                        </p:cTn>
+                                        <p:tgtEl>
+                                          <p:spTgt spid="9">
+                                            <p:txEl>
+                                              <p:pRg st="0" end="0"/>
+                                            </p:txEl>
+                                          </p:spTgt>
+                                        </p:tgtEl>
+                                        <p:attrNameLst>
+                                          <p:attrName>style.visibility</p:attrName>
+                                        </p:attrNameLst>
+                                      </p:cBhvr>
+                                      <p:to>
+                                        <p:strVal val="visible"/>
+                                      </p:to>
+                                    </p:set>
+                                    <p:animEffect transition="in" filter="fade">
+                                      <p:cBhvr>
+                                        <p:cTn id="22" dur="500"/>
+                                        <p:tgtEl>
+                                          <p:spTgt spid="9">
+                                            <p:txEl>
+                                              <p:pRg st="0" end="0"/>
+                                            </p:txEl>
+                                          </p:spTgt>
+                                        </p:tgtEl>
+                                      </p:cBhvr>
+                                    </p:animEffect>
+                                  </p:childTnLst>
+                                </p:cTn>
+                              </p:par>
+                            </p:childTnLst>
+                          </p:cTn>
+                        </p:par>
+                      </p:childTnLst>
+                    </p:cTn>
+                  </p:par>
+                </p:childTnLst>
+              </p:cTn>
+              <p:prevCondLst>
+                <p:cond evt="onPrev" delay="0">
+                  <p:tgtEl>
+                    <p:sldTgt/>
+                  </p:tgtEl>
+                </p:cond>
+              </p:prevCondLst>
+              <p:nextCondLst>
+                <p:cond evt="onNext" delay="0">
+                  <p:tgtEl>
+                    <p:sldTgt/>
+                  </p:tgtEl>
+                </p:cond>
+              </p:nextCondLst>
+            </p:seq>
+          </p:childTnLst>
+        </p:cTn>
+      </p:par>
+    </p:tnLst>
+    <p:bldLst>
+      <p:bldP spid="2" grpId="0"/>
+      <p:bldGraphic spid="4" grpId="0">
+        <p:bldAsOne/>
+      </p:bldGraphic>
+    </p:bldLst>
+  </p:timing>
 </p:sld>
 </file>
 
@@ -6716,6 +8659,526 @@
   <p:clrMapOvr>
     <a:masterClrMapping/>
   </p:clrMapOvr>
+  <p:timing>
+    <p:tnLst>
+      <p:par>
+        <p:cTn id="1" dur="indefinite" restart="never" nodeType="tmRoot">
+          <p:childTnLst>
+            <p:seq concurrent="1" nextAc="seek">
+              <p:cTn id="2" dur="indefinite" nodeType="mainSeq">
+                <p:childTnLst>
+                  <p:par>
+                    <p:cTn id="3" fill="hold">
+                      <p:stCondLst>
+                        <p:cond delay="indefinite"/>
+                      </p:stCondLst>
+                      <p:childTnLst>
+                        <p:par>
+                          <p:cTn id="4" fill="hold">
+                            <p:stCondLst>
+                              <p:cond delay="0"/>
+                            </p:stCondLst>
+                            <p:childTnLst>
+                              <p:par>
+                                <p:cTn id="5" presetID="10" presetClass="entr" presetSubtype="0" fill="hold" grpId="0" nodeType="clickEffect">
+                                  <p:stCondLst>
+                                    <p:cond delay="0"/>
+                                  </p:stCondLst>
+                                  <p:childTnLst>
+                                    <p:set>
+                                      <p:cBhvr>
+                                        <p:cTn id="6" dur="1" fill="hold">
+                                          <p:stCondLst>
+                                            <p:cond delay="0"/>
+                                          </p:stCondLst>
+                                        </p:cTn>
+                                        <p:tgtEl>
+                                          <p:spTgt spid="2"/>
+                                        </p:tgtEl>
+                                        <p:attrNameLst>
+                                          <p:attrName>style.visibility</p:attrName>
+                                        </p:attrNameLst>
+                                      </p:cBhvr>
+                                      <p:to>
+                                        <p:strVal val="visible"/>
+                                      </p:to>
+                                    </p:set>
+                                    <p:animEffect transition="in" filter="fade">
+                                      <p:cBhvr>
+                                        <p:cTn id="7" dur="500"/>
+                                        <p:tgtEl>
+                                          <p:spTgt spid="2"/>
+                                        </p:tgtEl>
+                                      </p:cBhvr>
+                                    </p:animEffect>
+                                  </p:childTnLst>
+                                </p:cTn>
+                              </p:par>
+                            </p:childTnLst>
+                          </p:cTn>
+                        </p:par>
+                      </p:childTnLst>
+                    </p:cTn>
+                  </p:par>
+                  <p:par>
+                    <p:cTn id="8" fill="hold">
+                      <p:stCondLst>
+                        <p:cond delay="indefinite"/>
+                      </p:stCondLst>
+                      <p:childTnLst>
+                        <p:par>
+                          <p:cTn id="9" fill="hold">
+                            <p:stCondLst>
+                              <p:cond delay="0"/>
+                            </p:stCondLst>
+                            <p:childTnLst>
+                              <p:par>
+                                <p:cTn id="10" presetID="10" presetClass="entr" presetSubtype="0" fill="hold" nodeType="clickEffect">
+                                  <p:stCondLst>
+                                    <p:cond delay="0"/>
+                                  </p:stCondLst>
+                                  <p:childTnLst>
+                                    <p:set>
+                                      <p:cBhvr>
+                                        <p:cTn id="11" dur="1" fill="hold">
+                                          <p:stCondLst>
+                                            <p:cond delay="0"/>
+                                          </p:stCondLst>
+                                        </p:cTn>
+                                        <p:tgtEl>
+                                          <p:spTgt spid="3">
+                                            <p:txEl>
+                                              <p:pRg st="0" end="0"/>
+                                            </p:txEl>
+                                          </p:spTgt>
+                                        </p:tgtEl>
+                                        <p:attrNameLst>
+                                          <p:attrName>style.visibility</p:attrName>
+                                        </p:attrNameLst>
+                                      </p:cBhvr>
+                                      <p:to>
+                                        <p:strVal val="visible"/>
+                                      </p:to>
+                                    </p:set>
+                                    <p:animEffect transition="in" filter="fade">
+                                      <p:cBhvr>
+                                        <p:cTn id="12" dur="500"/>
+                                        <p:tgtEl>
+                                          <p:spTgt spid="3">
+                                            <p:txEl>
+                                              <p:pRg st="0" end="0"/>
+                                            </p:txEl>
+                                          </p:spTgt>
+                                        </p:tgtEl>
+                                      </p:cBhvr>
+                                    </p:animEffect>
+                                  </p:childTnLst>
+                                </p:cTn>
+                              </p:par>
+                              <p:par>
+                                <p:cTn id="13" presetID="10" presetClass="entr" presetSubtype="0" fill="hold" nodeType="withEffect">
+                                  <p:stCondLst>
+                                    <p:cond delay="0"/>
+                                  </p:stCondLst>
+                                  <p:childTnLst>
+                                    <p:set>
+                                      <p:cBhvr>
+                                        <p:cTn id="14" dur="1" fill="hold">
+                                          <p:stCondLst>
+                                            <p:cond delay="0"/>
+                                          </p:stCondLst>
+                                        </p:cTn>
+                                        <p:tgtEl>
+                                          <p:spTgt spid="3">
+                                            <p:txEl>
+                                              <p:pRg st="1" end="1"/>
+                                            </p:txEl>
+                                          </p:spTgt>
+                                        </p:tgtEl>
+                                        <p:attrNameLst>
+                                          <p:attrName>style.visibility</p:attrName>
+                                        </p:attrNameLst>
+                                      </p:cBhvr>
+                                      <p:to>
+                                        <p:strVal val="visible"/>
+                                      </p:to>
+                                    </p:set>
+                                    <p:animEffect transition="in" filter="fade">
+                                      <p:cBhvr>
+                                        <p:cTn id="15" dur="500"/>
+                                        <p:tgtEl>
+                                          <p:spTgt spid="3">
+                                            <p:txEl>
+                                              <p:pRg st="1" end="1"/>
+                                            </p:txEl>
+                                          </p:spTgt>
+                                        </p:tgtEl>
+                                      </p:cBhvr>
+                                    </p:animEffect>
+                                  </p:childTnLst>
+                                </p:cTn>
+                              </p:par>
+                            </p:childTnLst>
+                          </p:cTn>
+                        </p:par>
+                      </p:childTnLst>
+                    </p:cTn>
+                  </p:par>
+                  <p:par>
+                    <p:cTn id="16" fill="hold">
+                      <p:stCondLst>
+                        <p:cond delay="indefinite"/>
+                      </p:stCondLst>
+                      <p:childTnLst>
+                        <p:par>
+                          <p:cTn id="17" fill="hold">
+                            <p:stCondLst>
+                              <p:cond delay="0"/>
+                            </p:stCondLst>
+                            <p:childTnLst>
+                              <p:par>
+                                <p:cTn id="18" presetID="10" presetClass="entr" presetSubtype="0" fill="hold" nodeType="clickEffect">
+                                  <p:stCondLst>
+                                    <p:cond delay="0"/>
+                                  </p:stCondLst>
+                                  <p:childTnLst>
+                                    <p:set>
+                                      <p:cBhvr>
+                                        <p:cTn id="19" dur="1" fill="hold">
+                                          <p:stCondLst>
+                                            <p:cond delay="0"/>
+                                          </p:stCondLst>
+                                        </p:cTn>
+                                        <p:tgtEl>
+                                          <p:spTgt spid="4">
+                                            <p:txEl>
+                                              <p:pRg st="0" end="0"/>
+                                            </p:txEl>
+                                          </p:spTgt>
+                                        </p:tgtEl>
+                                        <p:attrNameLst>
+                                          <p:attrName>style.visibility</p:attrName>
+                                        </p:attrNameLst>
+                                      </p:cBhvr>
+                                      <p:to>
+                                        <p:strVal val="visible"/>
+                                      </p:to>
+                                    </p:set>
+                                    <p:animEffect transition="in" filter="fade">
+                                      <p:cBhvr>
+                                        <p:cTn id="20" dur="500"/>
+                                        <p:tgtEl>
+                                          <p:spTgt spid="4">
+                                            <p:txEl>
+                                              <p:pRg st="0" end="0"/>
+                                            </p:txEl>
+                                          </p:spTgt>
+                                        </p:tgtEl>
+                                      </p:cBhvr>
+                                    </p:animEffect>
+                                  </p:childTnLst>
+                                </p:cTn>
+                              </p:par>
+                              <p:par>
+                                <p:cTn id="21" presetID="10" presetClass="entr" presetSubtype="0" fill="hold" nodeType="withEffect">
+                                  <p:stCondLst>
+                                    <p:cond delay="0"/>
+                                  </p:stCondLst>
+                                  <p:childTnLst>
+                                    <p:set>
+                                      <p:cBhvr>
+                                        <p:cTn id="22" dur="1" fill="hold">
+                                          <p:stCondLst>
+                                            <p:cond delay="0"/>
+                                          </p:stCondLst>
+                                        </p:cTn>
+                                        <p:tgtEl>
+                                          <p:spTgt spid="4">
+                                            <p:txEl>
+                                              <p:pRg st="1" end="1"/>
+                                            </p:txEl>
+                                          </p:spTgt>
+                                        </p:tgtEl>
+                                        <p:attrNameLst>
+                                          <p:attrName>style.visibility</p:attrName>
+                                        </p:attrNameLst>
+                                      </p:cBhvr>
+                                      <p:to>
+                                        <p:strVal val="visible"/>
+                                      </p:to>
+                                    </p:set>
+                                    <p:animEffect transition="in" filter="fade">
+                                      <p:cBhvr>
+                                        <p:cTn id="23" dur="500"/>
+                                        <p:tgtEl>
+                                          <p:spTgt spid="4">
+                                            <p:txEl>
+                                              <p:pRg st="1" end="1"/>
+                                            </p:txEl>
+                                          </p:spTgt>
+                                        </p:tgtEl>
+                                      </p:cBhvr>
+                                    </p:animEffect>
+                                  </p:childTnLst>
+                                </p:cTn>
+                              </p:par>
+                            </p:childTnLst>
+                          </p:cTn>
+                        </p:par>
+                      </p:childTnLst>
+                    </p:cTn>
+                  </p:par>
+                  <p:par>
+                    <p:cTn id="24" fill="hold">
+                      <p:stCondLst>
+                        <p:cond delay="indefinite"/>
+                      </p:stCondLst>
+                      <p:childTnLst>
+                        <p:par>
+                          <p:cTn id="25" fill="hold">
+                            <p:stCondLst>
+                              <p:cond delay="0"/>
+                            </p:stCondLst>
+                            <p:childTnLst>
+                              <p:par>
+                                <p:cTn id="26" presetID="10" presetClass="entr" presetSubtype="0" fill="hold" nodeType="clickEffect">
+                                  <p:stCondLst>
+                                    <p:cond delay="0"/>
+                                  </p:stCondLst>
+                                  <p:childTnLst>
+                                    <p:set>
+                                      <p:cBhvr>
+                                        <p:cTn id="27" dur="1" fill="hold">
+                                          <p:stCondLst>
+                                            <p:cond delay="0"/>
+                                          </p:stCondLst>
+                                        </p:cTn>
+                                        <p:tgtEl>
+                                          <p:spTgt spid="5">
+                                            <p:txEl>
+                                              <p:pRg st="0" end="0"/>
+                                            </p:txEl>
+                                          </p:spTgt>
+                                        </p:tgtEl>
+                                        <p:attrNameLst>
+                                          <p:attrName>style.visibility</p:attrName>
+                                        </p:attrNameLst>
+                                      </p:cBhvr>
+                                      <p:to>
+                                        <p:strVal val="visible"/>
+                                      </p:to>
+                                    </p:set>
+                                    <p:animEffect transition="in" filter="fade">
+                                      <p:cBhvr>
+                                        <p:cTn id="28" dur="500"/>
+                                        <p:tgtEl>
+                                          <p:spTgt spid="5">
+                                            <p:txEl>
+                                              <p:pRg st="0" end="0"/>
+                                            </p:txEl>
+                                          </p:spTgt>
+                                        </p:tgtEl>
+                                      </p:cBhvr>
+                                    </p:animEffect>
+                                  </p:childTnLst>
+                                </p:cTn>
+                              </p:par>
+                              <p:par>
+                                <p:cTn id="29" presetID="10" presetClass="entr" presetSubtype="0" fill="hold" nodeType="withEffect">
+                                  <p:stCondLst>
+                                    <p:cond delay="0"/>
+                                  </p:stCondLst>
+                                  <p:childTnLst>
+                                    <p:set>
+                                      <p:cBhvr>
+                                        <p:cTn id="30" dur="1" fill="hold">
+                                          <p:stCondLst>
+                                            <p:cond delay="0"/>
+                                          </p:stCondLst>
+                                        </p:cTn>
+                                        <p:tgtEl>
+                                          <p:spTgt spid="5">
+                                            <p:txEl>
+                                              <p:pRg st="1" end="1"/>
+                                            </p:txEl>
+                                          </p:spTgt>
+                                        </p:tgtEl>
+                                        <p:attrNameLst>
+                                          <p:attrName>style.visibility</p:attrName>
+                                        </p:attrNameLst>
+                                      </p:cBhvr>
+                                      <p:to>
+                                        <p:strVal val="visible"/>
+                                      </p:to>
+                                    </p:set>
+                                    <p:animEffect transition="in" filter="fade">
+                                      <p:cBhvr>
+                                        <p:cTn id="31" dur="500"/>
+                                        <p:tgtEl>
+                                          <p:spTgt spid="5">
+                                            <p:txEl>
+                                              <p:pRg st="1" end="1"/>
+                                            </p:txEl>
+                                          </p:spTgt>
+                                        </p:tgtEl>
+                                      </p:cBhvr>
+                                    </p:animEffect>
+                                  </p:childTnLst>
+                                </p:cTn>
+                              </p:par>
+                            </p:childTnLst>
+                          </p:cTn>
+                        </p:par>
+                      </p:childTnLst>
+                    </p:cTn>
+                  </p:par>
+                  <p:par>
+                    <p:cTn id="32" fill="hold">
+                      <p:stCondLst>
+                        <p:cond delay="indefinite"/>
+                      </p:stCondLst>
+                      <p:childTnLst>
+                        <p:par>
+                          <p:cTn id="33" fill="hold">
+                            <p:stCondLst>
+                              <p:cond delay="0"/>
+                            </p:stCondLst>
+                            <p:childTnLst>
+                              <p:par>
+                                <p:cTn id="34" presetID="10" presetClass="entr" presetSubtype="0" fill="hold" nodeType="clickEffect">
+                                  <p:stCondLst>
+                                    <p:cond delay="0"/>
+                                  </p:stCondLst>
+                                  <p:childTnLst>
+                                    <p:set>
+                                      <p:cBhvr>
+                                        <p:cTn id="35" dur="1" fill="hold">
+                                          <p:stCondLst>
+                                            <p:cond delay="0"/>
+                                          </p:stCondLst>
+                                        </p:cTn>
+                                        <p:tgtEl>
+                                          <p:spTgt spid="5">
+                                            <p:txEl>
+                                              <p:pRg st="2" end="2"/>
+                                            </p:txEl>
+                                          </p:spTgt>
+                                        </p:tgtEl>
+                                        <p:attrNameLst>
+                                          <p:attrName>style.visibility</p:attrName>
+                                        </p:attrNameLst>
+                                      </p:cBhvr>
+                                      <p:to>
+                                        <p:strVal val="visible"/>
+                                      </p:to>
+                                    </p:set>
+                                    <p:animEffect transition="in" filter="fade">
+                                      <p:cBhvr>
+                                        <p:cTn id="36" dur="500"/>
+                                        <p:tgtEl>
+                                          <p:spTgt spid="5">
+                                            <p:txEl>
+                                              <p:pRg st="2" end="2"/>
+                                            </p:txEl>
+                                          </p:spTgt>
+                                        </p:tgtEl>
+                                      </p:cBhvr>
+                                    </p:animEffect>
+                                  </p:childTnLst>
+                                </p:cTn>
+                              </p:par>
+                            </p:childTnLst>
+                          </p:cTn>
+                        </p:par>
+                      </p:childTnLst>
+                    </p:cTn>
+                  </p:par>
+                  <p:par>
+                    <p:cTn id="37" fill="hold">
+                      <p:stCondLst>
+                        <p:cond delay="indefinite"/>
+                      </p:stCondLst>
+                      <p:childTnLst>
+                        <p:par>
+                          <p:cTn id="38" fill="hold">
+                            <p:stCondLst>
+                              <p:cond delay="0"/>
+                            </p:stCondLst>
+                            <p:childTnLst>
+                              <p:par>
+                                <p:cTn id="39" presetID="10" presetClass="entr" presetSubtype="0" fill="hold" nodeType="clickEffect">
+                                  <p:stCondLst>
+                                    <p:cond delay="0"/>
+                                  </p:stCondLst>
+                                  <p:childTnLst>
+                                    <p:set>
+                                      <p:cBhvr>
+                                        <p:cTn id="40" dur="1" fill="hold">
+                                          <p:stCondLst>
+                                            <p:cond delay="0"/>
+                                          </p:stCondLst>
+                                        </p:cTn>
+                                        <p:tgtEl>
+                                          <p:spTgt spid="5">
+                                            <p:txEl>
+                                              <p:pRg st="3" end="3"/>
+                                            </p:txEl>
+                                          </p:spTgt>
+                                        </p:tgtEl>
+                                        <p:attrNameLst>
+                                          <p:attrName>style.visibility</p:attrName>
+                                        </p:attrNameLst>
+                                      </p:cBhvr>
+                                      <p:to>
+                                        <p:strVal val="visible"/>
+                                      </p:to>
+                                    </p:set>
+                                    <p:animEffect transition="in" filter="fade">
+                                      <p:cBhvr>
+                                        <p:cTn id="41" dur="500"/>
+                                        <p:tgtEl>
+                                          <p:spTgt spid="5">
+                                            <p:txEl>
+                                              <p:pRg st="3" end="3"/>
+                                            </p:txEl>
+                                          </p:spTgt>
+                                        </p:tgtEl>
+                                      </p:cBhvr>
+                                    </p:animEffect>
+                                  </p:childTnLst>
+                                </p:cTn>
+                              </p:par>
+                            </p:childTnLst>
+                          </p:cTn>
+                        </p:par>
+                      </p:childTnLst>
+                    </p:cTn>
+                  </p:par>
+                </p:childTnLst>
+              </p:cTn>
+              <p:prevCondLst>
+                <p:cond evt="onPrev" delay="0">
+                  <p:tgtEl>
+                    <p:sldTgt/>
+                  </p:tgtEl>
+                </p:cond>
+              </p:prevCondLst>
+              <p:nextCondLst>
+                <p:cond evt="onNext" delay="0">
+                  <p:tgtEl>
+                    <p:sldTgt/>
+                  </p:tgtEl>
+                </p:cond>
+              </p:nextCondLst>
+            </p:seq>
+          </p:childTnLst>
+        </p:cTn>
+      </p:par>
+    </p:tnLst>
+    <p:bldLst>
+      <p:bldP spid="2" grpId="0"/>
+    </p:bldLst>
+  </p:timing>
 </p:sld>
 </file>
 
@@ -6986,6 +9449,457 @@
   <p:clrMapOvr>
     <a:masterClrMapping/>
   </p:clrMapOvr>
+  <p:timing>
+    <p:tnLst>
+      <p:par>
+        <p:cTn id="1" dur="indefinite" restart="never" nodeType="tmRoot">
+          <p:childTnLst>
+            <p:seq concurrent="1" nextAc="seek">
+              <p:cTn id="2" dur="indefinite" nodeType="mainSeq">
+                <p:childTnLst>
+                  <p:par>
+                    <p:cTn id="3" fill="hold">
+                      <p:stCondLst>
+                        <p:cond delay="indefinite"/>
+                      </p:stCondLst>
+                      <p:childTnLst>
+                        <p:par>
+                          <p:cTn id="4" fill="hold">
+                            <p:stCondLst>
+                              <p:cond delay="0"/>
+                            </p:stCondLst>
+                            <p:childTnLst>
+                              <p:par>
+                                <p:cTn id="5" presetID="10" presetClass="entr" presetSubtype="0" fill="hold" grpId="0" nodeType="clickEffect">
+                                  <p:stCondLst>
+                                    <p:cond delay="0"/>
+                                  </p:stCondLst>
+                                  <p:childTnLst>
+                                    <p:set>
+                                      <p:cBhvr>
+                                        <p:cTn id="6" dur="1" fill="hold">
+                                          <p:stCondLst>
+                                            <p:cond delay="0"/>
+                                          </p:stCondLst>
+                                        </p:cTn>
+                                        <p:tgtEl>
+                                          <p:spTgt spid="2"/>
+                                        </p:tgtEl>
+                                        <p:attrNameLst>
+                                          <p:attrName>style.visibility</p:attrName>
+                                        </p:attrNameLst>
+                                      </p:cBhvr>
+                                      <p:to>
+                                        <p:strVal val="visible"/>
+                                      </p:to>
+                                    </p:set>
+                                    <p:animEffect transition="in" filter="fade">
+                                      <p:cBhvr>
+                                        <p:cTn id="7" dur="500"/>
+                                        <p:tgtEl>
+                                          <p:spTgt spid="2"/>
+                                        </p:tgtEl>
+                                      </p:cBhvr>
+                                    </p:animEffect>
+                                  </p:childTnLst>
+                                </p:cTn>
+                              </p:par>
+                            </p:childTnLst>
+                          </p:cTn>
+                        </p:par>
+                      </p:childTnLst>
+                    </p:cTn>
+                  </p:par>
+                  <p:par>
+                    <p:cTn id="8" fill="hold">
+                      <p:stCondLst>
+                        <p:cond delay="indefinite"/>
+                      </p:stCondLst>
+                      <p:childTnLst>
+                        <p:par>
+                          <p:cTn id="9" fill="hold">
+                            <p:stCondLst>
+                              <p:cond delay="0"/>
+                            </p:stCondLst>
+                            <p:childTnLst>
+                              <p:par>
+                                <p:cTn id="10" presetID="10" presetClass="entr" presetSubtype="0" fill="hold" nodeType="clickEffect">
+                                  <p:stCondLst>
+                                    <p:cond delay="0"/>
+                                  </p:stCondLst>
+                                  <p:childTnLst>
+                                    <p:set>
+                                      <p:cBhvr>
+                                        <p:cTn id="11" dur="1" fill="hold">
+                                          <p:stCondLst>
+                                            <p:cond delay="0"/>
+                                          </p:stCondLst>
+                                        </p:cTn>
+                                        <p:tgtEl>
+                                          <p:spTgt spid="3">
+                                            <p:txEl>
+                                              <p:pRg st="0" end="0"/>
+                                            </p:txEl>
+                                          </p:spTgt>
+                                        </p:tgtEl>
+                                        <p:attrNameLst>
+                                          <p:attrName>style.visibility</p:attrName>
+                                        </p:attrNameLst>
+                                      </p:cBhvr>
+                                      <p:to>
+                                        <p:strVal val="visible"/>
+                                      </p:to>
+                                    </p:set>
+                                    <p:animEffect transition="in" filter="fade">
+                                      <p:cBhvr>
+                                        <p:cTn id="12" dur="500"/>
+                                        <p:tgtEl>
+                                          <p:spTgt spid="3">
+                                            <p:txEl>
+                                              <p:pRg st="0" end="0"/>
+                                            </p:txEl>
+                                          </p:spTgt>
+                                        </p:tgtEl>
+                                      </p:cBhvr>
+                                    </p:animEffect>
+                                  </p:childTnLst>
+                                </p:cTn>
+                              </p:par>
+                              <p:par>
+                                <p:cTn id="13" presetID="10" presetClass="entr" presetSubtype="0" fill="hold" nodeType="withEffect">
+                                  <p:stCondLst>
+                                    <p:cond delay="0"/>
+                                  </p:stCondLst>
+                                  <p:childTnLst>
+                                    <p:set>
+                                      <p:cBhvr>
+                                        <p:cTn id="14" dur="1" fill="hold">
+                                          <p:stCondLst>
+                                            <p:cond delay="0"/>
+                                          </p:stCondLst>
+                                        </p:cTn>
+                                        <p:tgtEl>
+                                          <p:spTgt spid="3">
+                                            <p:txEl>
+                                              <p:pRg st="1" end="1"/>
+                                            </p:txEl>
+                                          </p:spTgt>
+                                        </p:tgtEl>
+                                        <p:attrNameLst>
+                                          <p:attrName>style.visibility</p:attrName>
+                                        </p:attrNameLst>
+                                      </p:cBhvr>
+                                      <p:to>
+                                        <p:strVal val="visible"/>
+                                      </p:to>
+                                    </p:set>
+                                    <p:animEffect transition="in" filter="fade">
+                                      <p:cBhvr>
+                                        <p:cTn id="15" dur="500"/>
+                                        <p:tgtEl>
+                                          <p:spTgt spid="3">
+                                            <p:txEl>
+                                              <p:pRg st="1" end="1"/>
+                                            </p:txEl>
+                                          </p:spTgt>
+                                        </p:tgtEl>
+                                      </p:cBhvr>
+                                    </p:animEffect>
+                                  </p:childTnLst>
+                                </p:cTn>
+                              </p:par>
+                            </p:childTnLst>
+                          </p:cTn>
+                        </p:par>
+                      </p:childTnLst>
+                    </p:cTn>
+                  </p:par>
+                  <p:par>
+                    <p:cTn id="16" fill="hold">
+                      <p:stCondLst>
+                        <p:cond delay="indefinite"/>
+                      </p:stCondLst>
+                      <p:childTnLst>
+                        <p:par>
+                          <p:cTn id="17" fill="hold">
+                            <p:stCondLst>
+                              <p:cond delay="0"/>
+                            </p:stCondLst>
+                            <p:childTnLst>
+                              <p:par>
+                                <p:cTn id="18" presetID="10" presetClass="entr" presetSubtype="0" fill="hold" nodeType="clickEffect">
+                                  <p:stCondLst>
+                                    <p:cond delay="0"/>
+                                  </p:stCondLst>
+                                  <p:childTnLst>
+                                    <p:set>
+                                      <p:cBhvr>
+                                        <p:cTn id="19" dur="1" fill="hold">
+                                          <p:stCondLst>
+                                            <p:cond delay="0"/>
+                                          </p:stCondLst>
+                                        </p:cTn>
+                                        <p:tgtEl>
+                                          <p:spTgt spid="3">
+                                            <p:txEl>
+                                              <p:pRg st="2" end="2"/>
+                                            </p:txEl>
+                                          </p:spTgt>
+                                        </p:tgtEl>
+                                        <p:attrNameLst>
+                                          <p:attrName>style.visibility</p:attrName>
+                                        </p:attrNameLst>
+                                      </p:cBhvr>
+                                      <p:to>
+                                        <p:strVal val="visible"/>
+                                      </p:to>
+                                    </p:set>
+                                    <p:animEffect transition="in" filter="fade">
+                                      <p:cBhvr>
+                                        <p:cTn id="20" dur="500"/>
+                                        <p:tgtEl>
+                                          <p:spTgt spid="3">
+                                            <p:txEl>
+                                              <p:pRg st="2" end="2"/>
+                                            </p:txEl>
+                                          </p:spTgt>
+                                        </p:tgtEl>
+                                      </p:cBhvr>
+                                    </p:animEffect>
+                                  </p:childTnLst>
+                                </p:cTn>
+                              </p:par>
+                            </p:childTnLst>
+                          </p:cTn>
+                        </p:par>
+                      </p:childTnLst>
+                    </p:cTn>
+                  </p:par>
+                  <p:par>
+                    <p:cTn id="21" fill="hold">
+                      <p:stCondLst>
+                        <p:cond delay="indefinite"/>
+                      </p:stCondLst>
+                      <p:childTnLst>
+                        <p:par>
+                          <p:cTn id="22" fill="hold">
+                            <p:stCondLst>
+                              <p:cond delay="0"/>
+                            </p:stCondLst>
+                            <p:childTnLst>
+                              <p:par>
+                                <p:cTn id="23" presetID="10" presetClass="entr" presetSubtype="0" fill="hold" nodeType="clickEffect">
+                                  <p:stCondLst>
+                                    <p:cond delay="0"/>
+                                  </p:stCondLst>
+                                  <p:childTnLst>
+                                    <p:set>
+                                      <p:cBhvr>
+                                        <p:cTn id="24" dur="1" fill="hold">
+                                          <p:stCondLst>
+                                            <p:cond delay="0"/>
+                                          </p:stCondLst>
+                                        </p:cTn>
+                                        <p:tgtEl>
+                                          <p:spTgt spid="4">
+                                            <p:txEl>
+                                              <p:pRg st="0" end="0"/>
+                                            </p:txEl>
+                                          </p:spTgt>
+                                        </p:tgtEl>
+                                        <p:attrNameLst>
+                                          <p:attrName>style.visibility</p:attrName>
+                                        </p:attrNameLst>
+                                      </p:cBhvr>
+                                      <p:to>
+                                        <p:strVal val="visible"/>
+                                      </p:to>
+                                    </p:set>
+                                    <p:animEffect transition="in" filter="fade">
+                                      <p:cBhvr>
+                                        <p:cTn id="25" dur="500"/>
+                                        <p:tgtEl>
+                                          <p:spTgt spid="4">
+                                            <p:txEl>
+                                              <p:pRg st="0" end="0"/>
+                                            </p:txEl>
+                                          </p:spTgt>
+                                        </p:tgtEl>
+                                      </p:cBhvr>
+                                    </p:animEffect>
+                                  </p:childTnLst>
+                                </p:cTn>
+                              </p:par>
+                              <p:par>
+                                <p:cTn id="26" presetID="10" presetClass="entr" presetSubtype="0" fill="hold" nodeType="withEffect">
+                                  <p:stCondLst>
+                                    <p:cond delay="0"/>
+                                  </p:stCondLst>
+                                  <p:childTnLst>
+                                    <p:set>
+                                      <p:cBhvr>
+                                        <p:cTn id="27" dur="1" fill="hold">
+                                          <p:stCondLst>
+                                            <p:cond delay="0"/>
+                                          </p:stCondLst>
+                                        </p:cTn>
+                                        <p:tgtEl>
+                                          <p:spTgt spid="4">
+                                            <p:txEl>
+                                              <p:pRg st="1" end="1"/>
+                                            </p:txEl>
+                                          </p:spTgt>
+                                        </p:tgtEl>
+                                        <p:attrNameLst>
+                                          <p:attrName>style.visibility</p:attrName>
+                                        </p:attrNameLst>
+                                      </p:cBhvr>
+                                      <p:to>
+                                        <p:strVal val="visible"/>
+                                      </p:to>
+                                    </p:set>
+                                    <p:animEffect transition="in" filter="fade">
+                                      <p:cBhvr>
+                                        <p:cTn id="28" dur="500"/>
+                                        <p:tgtEl>
+                                          <p:spTgt spid="4">
+                                            <p:txEl>
+                                              <p:pRg st="1" end="1"/>
+                                            </p:txEl>
+                                          </p:spTgt>
+                                        </p:tgtEl>
+                                      </p:cBhvr>
+                                    </p:animEffect>
+                                  </p:childTnLst>
+                                </p:cTn>
+                              </p:par>
+                              <p:par>
+                                <p:cTn id="29" presetID="10" presetClass="entr" presetSubtype="0" fill="hold" nodeType="withEffect">
+                                  <p:stCondLst>
+                                    <p:cond delay="0"/>
+                                  </p:stCondLst>
+                                  <p:childTnLst>
+                                    <p:set>
+                                      <p:cBhvr>
+                                        <p:cTn id="30" dur="1" fill="hold">
+                                          <p:stCondLst>
+                                            <p:cond delay="0"/>
+                                          </p:stCondLst>
+                                        </p:cTn>
+                                        <p:tgtEl>
+                                          <p:spTgt spid="8"/>
+                                        </p:tgtEl>
+                                        <p:attrNameLst>
+                                          <p:attrName>style.visibility</p:attrName>
+                                        </p:attrNameLst>
+                                      </p:cBhvr>
+                                      <p:to>
+                                        <p:strVal val="visible"/>
+                                      </p:to>
+                                    </p:set>
+                                    <p:animEffect transition="in" filter="fade">
+                                      <p:cBhvr>
+                                        <p:cTn id="31" dur="500"/>
+                                        <p:tgtEl>
+                                          <p:spTgt spid="8"/>
+                                        </p:tgtEl>
+                                      </p:cBhvr>
+                                    </p:animEffect>
+                                  </p:childTnLst>
+                                </p:cTn>
+                              </p:par>
+                            </p:childTnLst>
+                          </p:cTn>
+                        </p:par>
+                      </p:childTnLst>
+                    </p:cTn>
+                  </p:par>
+                  <p:par>
+                    <p:cTn id="32" fill="hold">
+                      <p:stCondLst>
+                        <p:cond delay="indefinite"/>
+                      </p:stCondLst>
+                      <p:childTnLst>
+                        <p:par>
+                          <p:cTn id="33" fill="hold">
+                            <p:stCondLst>
+                              <p:cond delay="0"/>
+                            </p:stCondLst>
+                            <p:childTnLst>
+                              <p:par>
+                                <p:cTn id="34" presetID="10" presetClass="entr" presetSubtype="0" fill="hold" nodeType="clickEffect">
+                                  <p:stCondLst>
+                                    <p:cond delay="0"/>
+                                  </p:stCondLst>
+                                  <p:childTnLst>
+                                    <p:set>
+                                      <p:cBhvr>
+                                        <p:cTn id="35" dur="1" fill="hold">
+                                          <p:stCondLst>
+                                            <p:cond delay="0"/>
+                                          </p:stCondLst>
+                                        </p:cTn>
+                                        <p:tgtEl>
+                                          <p:spTgt spid="4">
+                                            <p:txEl>
+                                              <p:pRg st="2" end="2"/>
+                                            </p:txEl>
+                                          </p:spTgt>
+                                        </p:tgtEl>
+                                        <p:attrNameLst>
+                                          <p:attrName>style.visibility</p:attrName>
+                                        </p:attrNameLst>
+                                      </p:cBhvr>
+                                      <p:to>
+                                        <p:strVal val="visible"/>
+                                      </p:to>
+                                    </p:set>
+                                    <p:animEffect transition="in" filter="fade">
+                                      <p:cBhvr>
+                                        <p:cTn id="36" dur="500"/>
+                                        <p:tgtEl>
+                                          <p:spTgt spid="4">
+                                            <p:txEl>
+                                              <p:pRg st="2" end="2"/>
+                                            </p:txEl>
+                                          </p:spTgt>
+                                        </p:tgtEl>
+                                      </p:cBhvr>
+                                    </p:animEffect>
+                                  </p:childTnLst>
+                                </p:cTn>
+                              </p:par>
+                            </p:childTnLst>
+                          </p:cTn>
+                        </p:par>
+                      </p:childTnLst>
+                    </p:cTn>
+                  </p:par>
+                </p:childTnLst>
+              </p:cTn>
+              <p:prevCondLst>
+                <p:cond evt="onPrev" delay="0">
+                  <p:tgtEl>
+                    <p:sldTgt/>
+                  </p:tgtEl>
+                </p:cond>
+              </p:prevCondLst>
+              <p:nextCondLst>
+                <p:cond evt="onNext" delay="0">
+                  <p:tgtEl>
+                    <p:sldTgt/>
+                  </p:tgtEl>
+                </p:cond>
+              </p:nextCondLst>
+            </p:seq>
+          </p:childTnLst>
+        </p:cTn>
+      </p:par>
+    </p:tnLst>
+    <p:bldLst>
+      <p:bldP spid="2" grpId="0"/>
+    </p:bldLst>
+  </p:timing>
 </p:sld>
 </file>
 

--- a/MIDPOINT PRESENTATION/MidPoint Presentation.pptx
+++ b/MIDPOINT PRESENTATION/MidPoint Presentation.pptx
@@ -12,6 +12,7 @@
     <p:sldId id="260" r:id="rId6"/>
     <p:sldId id="261" r:id="rId7"/>
     <p:sldId id="262" r:id="rId8"/>
+    <p:sldId id="263" r:id="rId9"/>
   </p:sldIdLst>
   <p:sldSz cx="12192000" cy="6858000"/>
   <p:notesSz cx="6858000" cy="9144000"/>
@@ -1621,7 +1622,7 @@
           <a:p>
             <a:fld id="{C6BABA15-83BA-4AA3-8E9C-F0941D662455}" type="datetimeFigureOut">
               <a:rPr lang="en-IE" smtClean="0"/>
-              <a:t>18/03/2021</a:t>
+              <a:t>21/03/2021</a:t>
             </a:fld>
             <a:endParaRPr lang="en-IE"/>
           </a:p>
@@ -1821,7 +1822,7 @@
           <a:p>
             <a:fld id="{C6BABA15-83BA-4AA3-8E9C-F0941D662455}" type="datetimeFigureOut">
               <a:rPr lang="en-IE" smtClean="0"/>
-              <a:t>18/03/2021</a:t>
+              <a:t>21/03/2021</a:t>
             </a:fld>
             <a:endParaRPr lang="en-IE"/>
           </a:p>
@@ -2031,7 +2032,7 @@
           <a:p>
             <a:fld id="{C6BABA15-83BA-4AA3-8E9C-F0941D662455}" type="datetimeFigureOut">
               <a:rPr lang="en-IE" smtClean="0"/>
-              <a:t>18/03/2021</a:t>
+              <a:t>21/03/2021</a:t>
             </a:fld>
             <a:endParaRPr lang="en-IE"/>
           </a:p>
@@ -2231,7 +2232,7 @@
           <a:p>
             <a:fld id="{C6BABA15-83BA-4AA3-8E9C-F0941D662455}" type="datetimeFigureOut">
               <a:rPr lang="en-IE" smtClean="0"/>
-              <a:t>18/03/2021</a:t>
+              <a:t>21/03/2021</a:t>
             </a:fld>
             <a:endParaRPr lang="en-IE"/>
           </a:p>
@@ -2507,7 +2508,7 @@
           <a:p>
             <a:fld id="{C6BABA15-83BA-4AA3-8E9C-F0941D662455}" type="datetimeFigureOut">
               <a:rPr lang="en-IE" smtClean="0"/>
-              <a:t>18/03/2021</a:t>
+              <a:t>21/03/2021</a:t>
             </a:fld>
             <a:endParaRPr lang="en-IE"/>
           </a:p>
@@ -2775,7 +2776,7 @@
           <a:p>
             <a:fld id="{C6BABA15-83BA-4AA3-8E9C-F0941D662455}" type="datetimeFigureOut">
               <a:rPr lang="en-IE" smtClean="0"/>
-              <a:t>18/03/2021</a:t>
+              <a:t>21/03/2021</a:t>
             </a:fld>
             <a:endParaRPr lang="en-IE"/>
           </a:p>
@@ -3190,7 +3191,7 @@
           <a:p>
             <a:fld id="{C6BABA15-83BA-4AA3-8E9C-F0941D662455}" type="datetimeFigureOut">
               <a:rPr lang="en-IE" smtClean="0"/>
-              <a:t>18/03/2021</a:t>
+              <a:t>21/03/2021</a:t>
             </a:fld>
             <a:endParaRPr lang="en-IE"/>
           </a:p>
@@ -3332,7 +3333,7 @@
           <a:p>
             <a:fld id="{C6BABA15-83BA-4AA3-8E9C-F0941D662455}" type="datetimeFigureOut">
               <a:rPr lang="en-IE" smtClean="0"/>
-              <a:t>18/03/2021</a:t>
+              <a:t>21/03/2021</a:t>
             </a:fld>
             <a:endParaRPr lang="en-IE"/>
           </a:p>
@@ -3445,7 +3446,7 @@
           <a:p>
             <a:fld id="{C6BABA15-83BA-4AA3-8E9C-F0941D662455}" type="datetimeFigureOut">
               <a:rPr lang="en-IE" smtClean="0"/>
-              <a:t>18/03/2021</a:t>
+              <a:t>21/03/2021</a:t>
             </a:fld>
             <a:endParaRPr lang="en-IE"/>
           </a:p>
@@ -3758,7 +3759,7 @@
           <a:p>
             <a:fld id="{C6BABA15-83BA-4AA3-8E9C-F0941D662455}" type="datetimeFigureOut">
               <a:rPr lang="en-IE" smtClean="0"/>
-              <a:t>18/03/2021</a:t>
+              <a:t>21/03/2021</a:t>
             </a:fld>
             <a:endParaRPr lang="en-IE"/>
           </a:p>
@@ -4047,7 +4048,7 @@
           <a:p>
             <a:fld id="{C6BABA15-83BA-4AA3-8E9C-F0941D662455}" type="datetimeFigureOut">
               <a:rPr lang="en-IE" smtClean="0"/>
-              <a:t>18/03/2021</a:t>
+              <a:t>21/03/2021</a:t>
             </a:fld>
             <a:endParaRPr lang="en-IE"/>
           </a:p>
@@ -4290,7 +4291,7 @@
           <a:p>
             <a:fld id="{C6BABA15-83BA-4AA3-8E9C-F0941D662455}" type="datetimeFigureOut">
               <a:rPr lang="en-IE" smtClean="0"/>
-              <a:t>18/03/2021</a:t>
+              <a:t>21/03/2021</a:t>
             </a:fld>
             <a:endParaRPr lang="en-IE"/>
           </a:p>
@@ -8111,7 +8112,7 @@
         </p:nvSpPr>
         <p:spPr>
           <a:xfrm>
-            <a:off x="1477617" y="2005151"/>
+            <a:off x="1477617" y="1919011"/>
             <a:ext cx="9144000" cy="941424"/>
           </a:xfrm>
         </p:spPr>
@@ -8168,8 +8169,8 @@
         </p:nvSpPr>
         <p:spPr>
           <a:xfrm>
-            <a:off x="1477617" y="2970002"/>
-            <a:ext cx="9144000" cy="941424"/>
+            <a:off x="1477617" y="3020479"/>
+            <a:ext cx="9144000" cy="1137131"/>
           </a:xfrm>
           <a:prstGeom prst="rect">
             <a:avLst/>
@@ -8177,7 +8178,7 @@
         </p:spPr>
         <p:txBody>
           <a:bodyPr vert="horz" lIns="91440" tIns="45720" rIns="91440" bIns="45720" rtlCol="0">
-            <a:normAutofit lnSpcReduction="10000"/>
+            <a:normAutofit/>
           </a:bodyPr>
           <a:lstStyle>
             <a:lvl1pPr marL="0" indent="0" algn="ctr" defTabSz="914400" rtl="0" eaLnBrk="1" latinLnBrk="0" hangingPunct="1">
@@ -8373,8 +8374,27 @@
                   <a:schemeClr val="bg1"/>
                 </a:solidFill>
               </a:rPr>
-              <a:t>The Zombies which are the enemy of our player character have been created with AI to chase the Player character each round.</a:t>
-            </a:r>
+              <a:t>The zombies which are the enemies of our player character have been created, with AI to chase the player character each round.</a:t>
+            </a:r>
+          </a:p>
+          <a:p>
+            <a:pPr marL="800100" lvl="1" indent="-342900" algn="l">
+              <a:buFont typeface="Arial" panose="020B0604020202020204" pitchFamily="34" charset="0"/>
+              <a:buChar char="•"/>
+            </a:pPr>
+            <a:endParaRPr lang="en-IE" sz="1800" dirty="0">
+              <a:solidFill>
+                <a:schemeClr val="bg1"/>
+              </a:solidFill>
+            </a:endParaRPr>
+          </a:p>
+          <a:p>
+            <a:pPr lvl="1" algn="l"/>
+            <a:endParaRPr lang="en-IE" sz="1800" dirty="0">
+              <a:solidFill>
+                <a:schemeClr val="bg1"/>
+              </a:solidFill>
+            </a:endParaRPr>
           </a:p>
           <a:p>
             <a:endParaRPr lang="en-IE" dirty="0">
@@ -9270,18 +9290,15 @@
         </p:nvSpPr>
         <p:spPr>
           <a:xfrm>
-            <a:off x="755374" y="2052810"/>
-            <a:ext cx="6115878" cy="1148866"/>
+            <a:off x="755374" y="2052809"/>
+            <a:ext cx="6115878" cy="1522903"/>
           </a:xfrm>
         </p:spPr>
         <p:txBody>
           <a:bodyPr/>
           <a:lstStyle/>
           <a:p>
-            <a:pPr marL="342900" indent="-342900" algn="l">
-              <a:buFont typeface="Arial" panose="020B0604020202020204" pitchFamily="34" charset="0"/>
-              <a:buChar char="•"/>
-            </a:pPr>
+            <a:pPr algn="l"/>
             <a:r>
               <a:rPr lang="en-IE" dirty="0">
                 <a:solidFill>
@@ -9317,6 +9334,20 @@
                 </a:solidFill>
               </a:rPr>
               <a:t>Would not achieve the scope of our application.</a:t>
+            </a:r>
+          </a:p>
+          <a:p>
+            <a:pPr marL="800100" lvl="1" indent="-342900" algn="l">
+              <a:buFont typeface="Arial" panose="020B0604020202020204" pitchFamily="34" charset="0"/>
+              <a:buChar char="•"/>
+            </a:pPr>
+            <a:r>
+              <a:rPr lang="en-IE" dirty="0">
+                <a:solidFill>
+                  <a:schemeClr val="bg1"/>
+                </a:solidFill>
+              </a:rPr>
+              <a:t>Now using Godot.</a:t>
             </a:r>
           </a:p>
         </p:txBody>
@@ -9349,10 +9380,6 @@
           </a:bodyPr>
           <a:lstStyle/>
           <a:p>
-            <a:pPr marL="285750" indent="-285750">
-              <a:buFont typeface="Arial" panose="020B0604020202020204" pitchFamily="34" charset="0"/>
-              <a:buChar char="•"/>
-            </a:pPr>
             <a:r>
               <a:rPr lang="en-IE" sz="2400" dirty="0">
                 <a:solidFill>
@@ -9701,6 +9728,67 @@
                                           </p:stCondLst>
                                         </p:cTn>
                                         <p:tgtEl>
+                                          <p:spTgt spid="3">
+                                            <p:txEl>
+                                              <p:pRg st="3" end="3"/>
+                                            </p:txEl>
+                                          </p:spTgt>
+                                        </p:tgtEl>
+                                        <p:attrNameLst>
+                                          <p:attrName>style.visibility</p:attrName>
+                                        </p:attrNameLst>
+                                      </p:cBhvr>
+                                      <p:to>
+                                        <p:strVal val="visible"/>
+                                      </p:to>
+                                    </p:set>
+                                    <p:animEffect transition="in" filter="fade">
+                                      <p:cBhvr>
+                                        <p:cTn id="25" dur="500"/>
+                                        <p:tgtEl>
+                                          <p:spTgt spid="3">
+                                            <p:txEl>
+                                              <p:pRg st="3" end="3"/>
+                                            </p:txEl>
+                                          </p:spTgt>
+                                        </p:tgtEl>
+                                      </p:cBhvr>
+                                    </p:animEffect>
+                                  </p:childTnLst>
+                                </p:cTn>
+                              </p:par>
+                            </p:childTnLst>
+                          </p:cTn>
+                        </p:par>
+                      </p:childTnLst>
+                    </p:cTn>
+                  </p:par>
+                  <p:par>
+                    <p:cTn id="26" fill="hold">
+                      <p:stCondLst>
+                        <p:cond delay="indefinite"/>
+                      </p:stCondLst>
+                      <p:childTnLst>
+                        <p:par>
+                          <p:cTn id="27" fill="hold">
+                            <p:stCondLst>
+                              <p:cond delay="0"/>
+                            </p:stCondLst>
+                            <p:childTnLst>
+                              <p:par>
+                                <p:cTn id="28" presetID="10" presetClass="entr" presetSubtype="0" fill="hold" nodeType="clickEffect">
+                                  <p:stCondLst>
+                                    <p:cond delay="0"/>
+                                  </p:stCondLst>
+                                  <p:childTnLst>
+                                    <p:set>
+                                      <p:cBhvr>
+                                        <p:cTn id="29" dur="1" fill="hold">
+                                          <p:stCondLst>
+                                            <p:cond delay="0"/>
+                                          </p:stCondLst>
+                                        </p:cTn>
+                                        <p:tgtEl>
                                           <p:spTgt spid="4">
                                             <p:txEl>
                                               <p:pRg st="0" end="0"/>
@@ -9717,7 +9805,7 @@
                                     </p:set>
                                     <p:animEffect transition="in" filter="fade">
                                       <p:cBhvr>
-                                        <p:cTn id="25" dur="500"/>
+                                        <p:cTn id="30" dur="500"/>
                                         <p:tgtEl>
                                           <p:spTgt spid="4">
                                             <p:txEl>
@@ -9731,14 +9819,14 @@
                                 </p:cTn>
                               </p:par>
                               <p:par>
-                                <p:cTn id="26" presetID="10" presetClass="entr" presetSubtype="0" fill="hold" nodeType="withEffect">
+                                <p:cTn id="31" presetID="10" presetClass="entr" presetSubtype="0" fill="hold" nodeType="withEffect">
                                   <p:stCondLst>
                                     <p:cond delay="0"/>
                                   </p:stCondLst>
                                   <p:childTnLst>
                                     <p:set>
                                       <p:cBhvr>
-                                        <p:cTn id="27" dur="1" fill="hold">
+                                        <p:cTn id="32" dur="1" fill="hold">
                                           <p:stCondLst>
                                             <p:cond delay="0"/>
                                           </p:stCondLst>
@@ -9760,7 +9848,7 @@
                                     </p:set>
                                     <p:animEffect transition="in" filter="fade">
                                       <p:cBhvr>
-                                        <p:cTn id="28" dur="500"/>
+                                        <p:cTn id="33" dur="500"/>
                                         <p:tgtEl>
                                           <p:spTgt spid="4">
                                             <p:txEl>
@@ -9774,14 +9862,14 @@
                                 </p:cTn>
                               </p:par>
                               <p:par>
-                                <p:cTn id="29" presetID="10" presetClass="entr" presetSubtype="0" fill="hold" nodeType="withEffect">
+                                <p:cTn id="34" presetID="10" presetClass="entr" presetSubtype="0" fill="hold" nodeType="withEffect">
                                   <p:stCondLst>
                                     <p:cond delay="0"/>
                                   </p:stCondLst>
                                   <p:childTnLst>
                                     <p:set>
                                       <p:cBhvr>
-                                        <p:cTn id="30" dur="1" fill="hold">
+                                        <p:cTn id="35" dur="1" fill="hold">
                                           <p:stCondLst>
                                             <p:cond delay="0"/>
                                           </p:stCondLst>
@@ -9799,7 +9887,7 @@
                                     </p:set>
                                     <p:animEffect transition="in" filter="fade">
                                       <p:cBhvr>
-                                        <p:cTn id="31" dur="500"/>
+                                        <p:cTn id="36" dur="500"/>
                                         <p:tgtEl>
                                           <p:spTgt spid="8"/>
                                         </p:tgtEl>
@@ -9815,26 +9903,26 @@
                     </p:cTn>
                   </p:par>
                   <p:par>
-                    <p:cTn id="32" fill="hold">
+                    <p:cTn id="37" fill="hold">
                       <p:stCondLst>
                         <p:cond delay="indefinite"/>
                       </p:stCondLst>
                       <p:childTnLst>
                         <p:par>
-                          <p:cTn id="33" fill="hold">
+                          <p:cTn id="38" fill="hold">
                             <p:stCondLst>
                               <p:cond delay="0"/>
                             </p:stCondLst>
                             <p:childTnLst>
                               <p:par>
-                                <p:cTn id="34" presetID="10" presetClass="entr" presetSubtype="0" fill="hold" nodeType="clickEffect">
+                                <p:cTn id="39" presetID="10" presetClass="entr" presetSubtype="0" fill="hold" nodeType="clickEffect">
                                   <p:stCondLst>
                                     <p:cond delay="0"/>
                                   </p:stCondLst>
                                   <p:childTnLst>
                                     <p:set>
                                       <p:cBhvr>
-                                        <p:cTn id="35" dur="1" fill="hold">
+                                        <p:cTn id="40" dur="1" fill="hold">
                                           <p:stCondLst>
                                             <p:cond delay="0"/>
                                           </p:stCondLst>
@@ -9856,7 +9944,7 @@
                                     </p:set>
                                     <p:animEffect transition="in" filter="fade">
                                       <p:cBhvr>
-                                        <p:cTn id="36" dur="500"/>
+                                        <p:cTn id="41" dur="500"/>
                                         <p:tgtEl>
                                           <p:spTgt spid="4">
                                             <p:txEl>
@@ -9900,6 +9988,160 @@
       <p:bldP spid="2" grpId="0"/>
     </p:bldLst>
   </p:timing>
+</p:sld>
+</file>
+
+<file path=ppt/slides/slide8.xml><?xml version="1.0" encoding="utf-8"?>
+<p:sld xmlns:a="http://schemas.openxmlformats.org/drawingml/2006/main" xmlns:r="http://schemas.openxmlformats.org/officeDocument/2006/relationships" xmlns:p="http://schemas.openxmlformats.org/presentationml/2006/main">
+  <p:cSld>
+    <p:bg>
+      <p:bgPr>
+        <a:gradFill>
+          <a:gsLst>
+            <a:gs pos="16000">
+              <a:srgbClr val="7030A0"/>
+            </a:gs>
+            <a:gs pos="100000">
+              <a:schemeClr val="tx1"/>
+            </a:gs>
+          </a:gsLst>
+          <a:lin ang="5400000" scaled="1"/>
+        </a:gradFill>
+        <a:effectLst/>
+      </p:bgPr>
+    </p:bg>
+    <p:spTree>
+      <p:nvGrpSpPr>
+        <p:cNvPr id="1" name=""/>
+        <p:cNvGrpSpPr/>
+        <p:nvPr/>
+      </p:nvGrpSpPr>
+      <p:grpSpPr>
+        <a:xfrm>
+          <a:off x="0" y="0"/>
+          <a:ext cx="0" cy="0"/>
+          <a:chOff x="0" y="0"/>
+          <a:chExt cx="0" cy="0"/>
+        </a:xfrm>
+      </p:grpSpPr>
+      <p:sp>
+        <p:nvSpPr>
+          <p:cNvPr id="10" name="TextBox 9">
+            <a:extLst>
+              <a:ext uri="{FF2B5EF4-FFF2-40B4-BE49-F238E27FC236}">
+                <a16:creationId xmlns:a16="http://schemas.microsoft.com/office/drawing/2014/main" id="{F99860CF-E1AB-4390-BF76-9BB806C3FD49}"/>
+              </a:ext>
+            </a:extLst>
+          </p:cNvPr>
+          <p:cNvSpPr txBox="1"/>
+          <p:nvPr/>
+        </p:nvSpPr>
+        <p:spPr>
+          <a:xfrm>
+            <a:off x="4260375" y="1473958"/>
+            <a:ext cx="3671249" cy="1015663"/>
+          </a:xfrm>
+          <a:prstGeom prst="rect">
+            <a:avLst/>
+          </a:prstGeom>
+          <a:noFill/>
+        </p:spPr>
+        <p:txBody>
+          <a:bodyPr wrap="square" rtlCol="0">
+            <a:spAutoFit/>
+          </a:bodyPr>
+          <a:lstStyle/>
+          <a:p>
+            <a:r>
+              <a:rPr lang="en-IE" sz="6000" dirty="0">
+                <a:solidFill>
+                  <a:schemeClr val="bg1"/>
+                </a:solidFill>
+              </a:rPr>
+              <a:t>Questions?</a:t>
+            </a:r>
+          </a:p>
+        </p:txBody>
+      </p:sp>
+      <p:sp>
+        <p:nvSpPr>
+          <p:cNvPr id="11" name="TextBox 10">
+            <a:extLst>
+              <a:ext uri="{FF2B5EF4-FFF2-40B4-BE49-F238E27FC236}">
+                <a16:creationId xmlns:a16="http://schemas.microsoft.com/office/drawing/2014/main" id="{B04D49AB-D87D-40B6-89B1-F3174A9EA38F}"/>
+              </a:ext>
+            </a:extLst>
+          </p:cNvPr>
+          <p:cNvSpPr txBox="1"/>
+          <p:nvPr/>
+        </p:nvSpPr>
+        <p:spPr>
+          <a:xfrm>
+            <a:off x="846161" y="4353635"/>
+            <a:ext cx="1842448" cy="1200329"/>
+          </a:xfrm>
+          <a:prstGeom prst="rect">
+            <a:avLst/>
+          </a:prstGeom>
+          <a:noFill/>
+        </p:spPr>
+        <p:txBody>
+          <a:bodyPr wrap="square" rtlCol="0">
+            <a:spAutoFit/>
+          </a:bodyPr>
+          <a:lstStyle/>
+          <a:p>
+            <a:r>
+              <a:rPr lang="en-IE" dirty="0">
+                <a:solidFill>
+                  <a:schemeClr val="bg1"/>
+                </a:solidFill>
+              </a:rPr>
+              <a:t>Presented By: </a:t>
+            </a:r>
+          </a:p>
+          <a:p>
+            <a:r>
+              <a:rPr lang="en-IE" dirty="0">
+                <a:solidFill>
+                  <a:schemeClr val="bg1"/>
+                </a:solidFill>
+              </a:rPr>
+              <a:t>Shane Mulrooney </a:t>
+            </a:r>
+          </a:p>
+          <a:p>
+            <a:r>
+              <a:rPr lang="en-IE" dirty="0">
+                <a:solidFill>
+                  <a:schemeClr val="bg1"/>
+                </a:solidFill>
+              </a:rPr>
+              <a:t>Sean Fulton </a:t>
+            </a:r>
+          </a:p>
+          <a:p>
+            <a:r>
+              <a:rPr lang="en-IE" dirty="0">
+                <a:solidFill>
+                  <a:schemeClr val="bg1"/>
+                </a:solidFill>
+              </a:rPr>
+              <a:t>Cree Gunning.</a:t>
+            </a:r>
+          </a:p>
+        </p:txBody>
+      </p:sp>
+    </p:spTree>
+    <p:extLst>
+      <p:ext uri="{BB962C8B-B14F-4D97-AF65-F5344CB8AC3E}">
+        <p14:creationId xmlns:p14="http://schemas.microsoft.com/office/powerpoint/2010/main" val="2472883040"/>
+      </p:ext>
+    </p:extLst>
+  </p:cSld>
+  <p:clrMapOvr>
+    <a:masterClrMapping/>
+  </p:clrMapOvr>
 </p:sld>
 </file>
 

--- a/MIDPOINT PRESENTATION/MidPoint Presentation.pptx
+++ b/MIDPOINT PRESENTATION/MidPoint Presentation.pptx
@@ -12,7 +12,6 @@
     <p:sldId id="260" r:id="rId6"/>
     <p:sldId id="261" r:id="rId7"/>
     <p:sldId id="262" r:id="rId8"/>
-    <p:sldId id="263" r:id="rId9"/>
   </p:sldIdLst>
   <p:sldSz cx="12192000" cy="6858000"/>
   <p:notesSz cx="6858000" cy="9144000"/>
@@ -1622,7 +1621,7 @@
           <a:p>
             <a:fld id="{C6BABA15-83BA-4AA3-8E9C-F0941D662455}" type="datetimeFigureOut">
               <a:rPr lang="en-IE" smtClean="0"/>
-              <a:t>21/03/2021</a:t>
+              <a:t>22/03/2021</a:t>
             </a:fld>
             <a:endParaRPr lang="en-IE"/>
           </a:p>
@@ -1822,7 +1821,7 @@
           <a:p>
             <a:fld id="{C6BABA15-83BA-4AA3-8E9C-F0941D662455}" type="datetimeFigureOut">
               <a:rPr lang="en-IE" smtClean="0"/>
-              <a:t>21/03/2021</a:t>
+              <a:t>22/03/2021</a:t>
             </a:fld>
             <a:endParaRPr lang="en-IE"/>
           </a:p>
@@ -2032,7 +2031,7 @@
           <a:p>
             <a:fld id="{C6BABA15-83BA-4AA3-8E9C-F0941D662455}" type="datetimeFigureOut">
               <a:rPr lang="en-IE" smtClean="0"/>
-              <a:t>21/03/2021</a:t>
+              <a:t>22/03/2021</a:t>
             </a:fld>
             <a:endParaRPr lang="en-IE"/>
           </a:p>
@@ -2232,7 +2231,7 @@
           <a:p>
             <a:fld id="{C6BABA15-83BA-4AA3-8E9C-F0941D662455}" type="datetimeFigureOut">
               <a:rPr lang="en-IE" smtClean="0"/>
-              <a:t>21/03/2021</a:t>
+              <a:t>22/03/2021</a:t>
             </a:fld>
             <a:endParaRPr lang="en-IE"/>
           </a:p>
@@ -2508,7 +2507,7 @@
           <a:p>
             <a:fld id="{C6BABA15-83BA-4AA3-8E9C-F0941D662455}" type="datetimeFigureOut">
               <a:rPr lang="en-IE" smtClean="0"/>
-              <a:t>21/03/2021</a:t>
+              <a:t>22/03/2021</a:t>
             </a:fld>
             <a:endParaRPr lang="en-IE"/>
           </a:p>
@@ -2776,7 +2775,7 @@
           <a:p>
             <a:fld id="{C6BABA15-83BA-4AA3-8E9C-F0941D662455}" type="datetimeFigureOut">
               <a:rPr lang="en-IE" smtClean="0"/>
-              <a:t>21/03/2021</a:t>
+              <a:t>22/03/2021</a:t>
             </a:fld>
             <a:endParaRPr lang="en-IE"/>
           </a:p>
@@ -3191,7 +3190,7 @@
           <a:p>
             <a:fld id="{C6BABA15-83BA-4AA3-8E9C-F0941D662455}" type="datetimeFigureOut">
               <a:rPr lang="en-IE" smtClean="0"/>
-              <a:t>21/03/2021</a:t>
+              <a:t>22/03/2021</a:t>
             </a:fld>
             <a:endParaRPr lang="en-IE"/>
           </a:p>
@@ -3333,7 +3332,7 @@
           <a:p>
             <a:fld id="{C6BABA15-83BA-4AA3-8E9C-F0941D662455}" type="datetimeFigureOut">
               <a:rPr lang="en-IE" smtClean="0"/>
-              <a:t>21/03/2021</a:t>
+              <a:t>22/03/2021</a:t>
             </a:fld>
             <a:endParaRPr lang="en-IE"/>
           </a:p>
@@ -3446,7 +3445,7 @@
           <a:p>
             <a:fld id="{C6BABA15-83BA-4AA3-8E9C-F0941D662455}" type="datetimeFigureOut">
               <a:rPr lang="en-IE" smtClean="0"/>
-              <a:t>21/03/2021</a:t>
+              <a:t>22/03/2021</a:t>
             </a:fld>
             <a:endParaRPr lang="en-IE"/>
           </a:p>
@@ -3759,7 +3758,7 @@
           <a:p>
             <a:fld id="{C6BABA15-83BA-4AA3-8E9C-F0941D662455}" type="datetimeFigureOut">
               <a:rPr lang="en-IE" smtClean="0"/>
-              <a:t>21/03/2021</a:t>
+              <a:t>22/03/2021</a:t>
             </a:fld>
             <a:endParaRPr lang="en-IE"/>
           </a:p>
@@ -4048,7 +4047,7 @@
           <a:p>
             <a:fld id="{C6BABA15-83BA-4AA3-8E9C-F0941D662455}" type="datetimeFigureOut">
               <a:rPr lang="en-IE" smtClean="0"/>
-              <a:t>21/03/2021</a:t>
+              <a:t>22/03/2021</a:t>
             </a:fld>
             <a:endParaRPr lang="en-IE"/>
           </a:p>
@@ -4291,7 +4290,7 @@
           <a:p>
             <a:fld id="{C6BABA15-83BA-4AA3-8E9C-F0941D662455}" type="datetimeFigureOut">
               <a:rPr lang="en-IE" smtClean="0"/>
-              <a:t>21/03/2021</a:t>
+              <a:t>22/03/2021</a:t>
             </a:fld>
             <a:endParaRPr lang="en-IE"/>
           </a:p>
@@ -9991,160 +9990,6 @@
 </p:sld>
 </file>
 
-<file path=ppt/slides/slide8.xml><?xml version="1.0" encoding="utf-8"?>
-<p:sld xmlns:a="http://schemas.openxmlformats.org/drawingml/2006/main" xmlns:r="http://schemas.openxmlformats.org/officeDocument/2006/relationships" xmlns:p="http://schemas.openxmlformats.org/presentationml/2006/main">
-  <p:cSld>
-    <p:bg>
-      <p:bgPr>
-        <a:gradFill>
-          <a:gsLst>
-            <a:gs pos="16000">
-              <a:srgbClr val="7030A0"/>
-            </a:gs>
-            <a:gs pos="100000">
-              <a:schemeClr val="tx1"/>
-            </a:gs>
-          </a:gsLst>
-          <a:lin ang="5400000" scaled="1"/>
-        </a:gradFill>
-        <a:effectLst/>
-      </p:bgPr>
-    </p:bg>
-    <p:spTree>
-      <p:nvGrpSpPr>
-        <p:cNvPr id="1" name=""/>
-        <p:cNvGrpSpPr/>
-        <p:nvPr/>
-      </p:nvGrpSpPr>
-      <p:grpSpPr>
-        <a:xfrm>
-          <a:off x="0" y="0"/>
-          <a:ext cx="0" cy="0"/>
-          <a:chOff x="0" y="0"/>
-          <a:chExt cx="0" cy="0"/>
-        </a:xfrm>
-      </p:grpSpPr>
-      <p:sp>
-        <p:nvSpPr>
-          <p:cNvPr id="10" name="TextBox 9">
-            <a:extLst>
-              <a:ext uri="{FF2B5EF4-FFF2-40B4-BE49-F238E27FC236}">
-                <a16:creationId xmlns:a16="http://schemas.microsoft.com/office/drawing/2014/main" id="{F99860CF-E1AB-4390-BF76-9BB806C3FD49}"/>
-              </a:ext>
-            </a:extLst>
-          </p:cNvPr>
-          <p:cNvSpPr txBox="1"/>
-          <p:nvPr/>
-        </p:nvSpPr>
-        <p:spPr>
-          <a:xfrm>
-            <a:off x="4260375" y="1473958"/>
-            <a:ext cx="3671249" cy="1015663"/>
-          </a:xfrm>
-          <a:prstGeom prst="rect">
-            <a:avLst/>
-          </a:prstGeom>
-          <a:noFill/>
-        </p:spPr>
-        <p:txBody>
-          <a:bodyPr wrap="square" rtlCol="0">
-            <a:spAutoFit/>
-          </a:bodyPr>
-          <a:lstStyle/>
-          <a:p>
-            <a:r>
-              <a:rPr lang="en-IE" sz="6000" dirty="0">
-                <a:solidFill>
-                  <a:schemeClr val="bg1"/>
-                </a:solidFill>
-              </a:rPr>
-              <a:t>Questions?</a:t>
-            </a:r>
-          </a:p>
-        </p:txBody>
-      </p:sp>
-      <p:sp>
-        <p:nvSpPr>
-          <p:cNvPr id="11" name="TextBox 10">
-            <a:extLst>
-              <a:ext uri="{FF2B5EF4-FFF2-40B4-BE49-F238E27FC236}">
-                <a16:creationId xmlns:a16="http://schemas.microsoft.com/office/drawing/2014/main" id="{B04D49AB-D87D-40B6-89B1-F3174A9EA38F}"/>
-              </a:ext>
-            </a:extLst>
-          </p:cNvPr>
-          <p:cNvSpPr txBox="1"/>
-          <p:nvPr/>
-        </p:nvSpPr>
-        <p:spPr>
-          <a:xfrm>
-            <a:off x="846161" y="4353635"/>
-            <a:ext cx="1842448" cy="1200329"/>
-          </a:xfrm>
-          <a:prstGeom prst="rect">
-            <a:avLst/>
-          </a:prstGeom>
-          <a:noFill/>
-        </p:spPr>
-        <p:txBody>
-          <a:bodyPr wrap="square" rtlCol="0">
-            <a:spAutoFit/>
-          </a:bodyPr>
-          <a:lstStyle/>
-          <a:p>
-            <a:r>
-              <a:rPr lang="en-IE" dirty="0">
-                <a:solidFill>
-                  <a:schemeClr val="bg1"/>
-                </a:solidFill>
-              </a:rPr>
-              <a:t>Presented By: </a:t>
-            </a:r>
-          </a:p>
-          <a:p>
-            <a:r>
-              <a:rPr lang="en-IE" dirty="0">
-                <a:solidFill>
-                  <a:schemeClr val="bg1"/>
-                </a:solidFill>
-              </a:rPr>
-              <a:t>Shane Mulrooney </a:t>
-            </a:r>
-          </a:p>
-          <a:p>
-            <a:r>
-              <a:rPr lang="en-IE" dirty="0">
-                <a:solidFill>
-                  <a:schemeClr val="bg1"/>
-                </a:solidFill>
-              </a:rPr>
-              <a:t>Sean Fulton </a:t>
-            </a:r>
-          </a:p>
-          <a:p>
-            <a:r>
-              <a:rPr lang="en-IE" dirty="0">
-                <a:solidFill>
-                  <a:schemeClr val="bg1"/>
-                </a:solidFill>
-              </a:rPr>
-              <a:t>Cree Gunning.</a:t>
-            </a:r>
-          </a:p>
-        </p:txBody>
-      </p:sp>
-    </p:spTree>
-    <p:extLst>
-      <p:ext uri="{BB962C8B-B14F-4D97-AF65-F5344CB8AC3E}">
-        <p14:creationId xmlns:p14="http://schemas.microsoft.com/office/powerpoint/2010/main" val="2472883040"/>
-      </p:ext>
-    </p:extLst>
-  </p:cSld>
-  <p:clrMapOvr>
-    <a:masterClrMapping/>
-  </p:clrMapOvr>
-</p:sld>
-</file>
-
 <file path=ppt/theme/theme1.xml><?xml version="1.0" encoding="utf-8"?>
 <a:theme xmlns:a="http://schemas.openxmlformats.org/drawingml/2006/main" name="Office Theme">
   <a:themeElements>
